--- a/docs/Factom_Intro_2.pptx
+++ b/docs/Factom_Intro_2.pptx
@@ -23,29 +23,29 @@
     <p:sldId id="325" r:id="rId16"/>
     <p:sldId id="270" r:id="rId17"/>
     <p:sldId id="269" r:id="rId18"/>
-    <p:sldId id="268" r:id="rId19"/>
-    <p:sldId id="328" r:id="rId20"/>
-    <p:sldId id="296" r:id="rId21"/>
-    <p:sldId id="278" r:id="rId22"/>
-    <p:sldId id="279" r:id="rId23"/>
-    <p:sldId id="280" r:id="rId24"/>
-    <p:sldId id="282" r:id="rId25"/>
-    <p:sldId id="283" r:id="rId26"/>
-    <p:sldId id="284" r:id="rId27"/>
-    <p:sldId id="285" r:id="rId28"/>
-    <p:sldId id="329" r:id="rId29"/>
-    <p:sldId id="330" r:id="rId30"/>
-    <p:sldId id="286" r:id="rId31"/>
-    <p:sldId id="287" r:id="rId32"/>
-    <p:sldId id="289" r:id="rId33"/>
-    <p:sldId id="290" r:id="rId34"/>
-    <p:sldId id="291" r:id="rId35"/>
-    <p:sldId id="292" r:id="rId36"/>
-    <p:sldId id="294" r:id="rId37"/>
-    <p:sldId id="295" r:id="rId38"/>
-    <p:sldId id="303" r:id="rId39"/>
-    <p:sldId id="305" r:id="rId40"/>
-    <p:sldId id="332" r:id="rId41"/>
+    <p:sldId id="351" r:id="rId19"/>
+    <p:sldId id="352" r:id="rId20"/>
+    <p:sldId id="353" r:id="rId21"/>
+    <p:sldId id="354" r:id="rId22"/>
+    <p:sldId id="355" r:id="rId23"/>
+    <p:sldId id="356" r:id="rId24"/>
+    <p:sldId id="357" r:id="rId25"/>
+    <p:sldId id="358" r:id="rId26"/>
+    <p:sldId id="359" r:id="rId27"/>
+    <p:sldId id="268" r:id="rId28"/>
+    <p:sldId id="328" r:id="rId29"/>
+    <p:sldId id="296" r:id="rId30"/>
+    <p:sldId id="278" r:id="rId31"/>
+    <p:sldId id="279" r:id="rId32"/>
+    <p:sldId id="280" r:id="rId33"/>
+    <p:sldId id="282" r:id="rId34"/>
+    <p:sldId id="283" r:id="rId35"/>
+    <p:sldId id="284" r:id="rId36"/>
+    <p:sldId id="285" r:id="rId37"/>
+    <p:sldId id="329" r:id="rId38"/>
+    <p:sldId id="330" r:id="rId39"/>
+    <p:sldId id="286" r:id="rId40"/>
+    <p:sldId id="287" r:id="rId41"/>
   </p:sldIdLst>
   <p:sldSz cx="12192000" cy="6858000"/>
   <p:notesSz cx="6858000" cy="9144000"/>
@@ -1027,6 +1027,164 @@
 </p:notes>
 </file>
 
+<file path=ppt/notesSlides/notesSlide17.xml><?xml version="1.0" encoding="utf-8"?>
+<p:notes xmlns:a="http://schemas.openxmlformats.org/drawingml/2006/main" xmlns:r="http://schemas.openxmlformats.org/officeDocument/2006/relationships" xmlns:p="http://schemas.openxmlformats.org/presentationml/2006/main">
+  <p:cSld>
+    <p:spTree>
+      <p:nvGrpSpPr>
+        <p:cNvPr id="1" name=""/>
+        <p:cNvGrpSpPr/>
+        <p:nvPr/>
+      </p:nvGrpSpPr>
+      <p:grpSpPr/>
+      <p:sp>
+        <p:nvSpPr>
+          <p:cNvPr id="2" name="Slide Image Placeholder 1"/>
+          <p:cNvSpPr/>
+          <p:nvPr>
+            <p:ph type="sldImg" idx="2"/>
+          </p:nvPr>
+        </p:nvSpPr>
+        <p:spPr/>
+      </p:sp>
+      <p:sp>
+        <p:nvSpPr>
+          <p:cNvPr id="3" name="Text Placeholder 2"/>
+          <p:cNvSpPr/>
+          <p:nvPr>
+            <p:ph type="body" idx="3"/>
+          </p:nvPr>
+        </p:nvSpPr>
+        <p:spPr/>
+        <p:txBody>
+          <a:bodyPr/>
+          <a:p>
+            <a:endParaRPr lang="en-US"/>
+          </a:p>
+        </p:txBody>
+      </p:sp>
+      <p:sp>
+        <p:nvSpPr>
+          <p:cNvPr id="4" name="Slide Number Placeholder 3"/>
+          <p:cNvSpPr>
+            <a:spLocks noGrp="1"/>
+          </p:cNvSpPr>
+          <p:nvPr>
+            <p:ph type="sldNum" sz="quarter" idx="5"/>
+          </p:nvPr>
+        </p:nvSpPr>
+        <p:spPr/>
+        <p:txBody>
+          <a:bodyPr/>
+          <a:p>
+            <a:fld id="{A89F4858-DCE7-4842-937D-EF91F5A6F833}" type="slidenum">
+              <a:rPr lang="en-US" smtClean="0"/>
+            </a:fld>
+            <a:endParaRPr lang="en-US"/>
+          </a:p>
+        </p:txBody>
+      </p:sp>
+    </p:spTree>
+  </p:cSld>
+  <p:clrMapOvr>
+    <a:masterClrMapping/>
+  </p:clrMapOvr>
+</p:notes>
+</file>
+
+<file path=ppt/notesSlides/notesSlide18.xml><?xml version="1.0" encoding="utf-8"?>
+<p:notes xmlns:a="http://schemas.openxmlformats.org/drawingml/2006/main" xmlns:r="http://schemas.openxmlformats.org/officeDocument/2006/relationships" xmlns:p="http://schemas.openxmlformats.org/presentationml/2006/main">
+  <p:cSld>
+    <p:spTree>
+      <p:nvGrpSpPr>
+        <p:cNvPr id="1" name=""/>
+        <p:cNvGrpSpPr/>
+        <p:nvPr/>
+      </p:nvGrpSpPr>
+      <p:grpSpPr/>
+      <p:sp>
+        <p:nvSpPr>
+          <p:cNvPr id="2" name="Slide Image Placeholder 1"/>
+          <p:cNvSpPr/>
+          <p:nvPr>
+            <p:ph type="sldImg" idx="2"/>
+          </p:nvPr>
+        </p:nvSpPr>
+        <p:spPr/>
+      </p:sp>
+      <p:sp>
+        <p:nvSpPr>
+          <p:cNvPr id="3" name="Text Placeholder 2"/>
+          <p:cNvSpPr/>
+          <p:nvPr>
+            <p:ph type="body" idx="3"/>
+          </p:nvPr>
+        </p:nvSpPr>
+        <p:spPr/>
+        <p:txBody>
+          <a:bodyPr/>
+          <a:p>
+            <a:r>
+              <a:rPr lang="x-none" altLang="en-US"/>
+              <a:t>factom giải quyết vấn đề decentralized như thế nào</a:t>
+            </a:r>
+            <a:endParaRPr lang="x-none" altLang="en-US"/>
+          </a:p>
+          <a:p>
+            <a:r>
+              <a:rPr lang="x-none" altLang="en-US"/>
+              <a:t>hệ thống và làm rõ tầng giữa của factom trong kiến trúc 3 tầng của nó. Vẽ ra tầng giữa</a:t>
+            </a:r>
+            <a:endParaRPr lang="x-none" altLang="en-US"/>
+          </a:p>
+          <a:p>
+            <a:r>
+              <a:rPr lang="x-none" altLang="en-US"/>
+              <a:t>lên explorer của nó xem các khái niệm nó đề cập, so sánh ròi chụp hình giải thích</a:t>
+            </a:r>
+            <a:endParaRPr lang="x-none" altLang="en-US"/>
+          </a:p>
+          <a:p>
+            <a:r>
+              <a:rPr lang="x-none" altLang="en-US"/>
+              <a:t>so sánh nó với các thằng khác cũng hỗ trợ khả năng lưu trữ. Cái này a Nghĩa nói khỏi.</a:t>
+            </a:r>
+            <a:endParaRPr lang="x-none" altLang="en-US"/>
+          </a:p>
+          <a:p>
+            <a:endParaRPr lang="x-none" altLang="en-US"/>
+          </a:p>
+        </p:txBody>
+      </p:sp>
+      <p:sp>
+        <p:nvSpPr>
+          <p:cNvPr id="4" name="Slide Number Placeholder 3"/>
+          <p:cNvSpPr>
+            <a:spLocks noGrp="1"/>
+          </p:cNvSpPr>
+          <p:nvPr>
+            <p:ph type="sldNum" sz="quarter" idx="5"/>
+          </p:nvPr>
+        </p:nvSpPr>
+        <p:spPr/>
+        <p:txBody>
+          <a:bodyPr/>
+          <a:p>
+            <a:fld id="{A89F4858-DCE7-4842-937D-EF91F5A6F833}" type="slidenum">
+              <a:rPr lang="en-US" smtClean="0"/>
+            </a:fld>
+            <a:endParaRPr lang="en-US"/>
+          </a:p>
+        </p:txBody>
+      </p:sp>
+    </p:spTree>
+  </p:cSld>
+  <p:clrMapOvr>
+    <a:masterClrMapping/>
+  </p:clrMapOvr>
+</p:notes>
+</file>
+
 <file path=ppt/notesSlides/notesSlide2.xml><?xml version="1.0" encoding="utf-8"?>
 <p:notes xmlns:a="http://schemas.openxmlformats.org/drawingml/2006/main" xmlns:r="http://schemas.openxmlformats.org/officeDocument/2006/relationships" xmlns:p="http://schemas.openxmlformats.org/presentationml/2006/main">
   <p:cSld>
@@ -1137,7 +1295,18 @@
         <p:txBody>
           <a:bodyPr/>
           <a:p>
-            <a:endParaRPr lang="en-US"/>
+            <a:r>
+              <a:rPr lang="x-none" altLang="en-US"/>
+              <a:t>Và khi đó, công nghệ blockchain ra đời nhằm giải quyết những bất cập đó, gằn liền với nó chính là đồng Bitcoin, đồng tiền điện tử đầu tiên sử dụng nền tảng blockchain.</a:t>
+            </a:r>
+            <a:endParaRPr lang="x-none" altLang="en-US"/>
+          </a:p>
+          <a:p>
+            <a:r>
+              <a:rPr lang="x-none" altLang="en-US"/>
+              <a:t>Với blockchain, nó sở hữu những tính năng vô cùng đặc biệt, cho phép truyền tải dữ liệu một cách an toàn dựa vào hệ thống mã hóa vô cùng phức tạp, đồng thời loại bỏ bên trung gian, bên thứ 3, tạo ra môi trường không cần niềm tin. Thông tin trong blockchain không thể bị thay đổi, và chỉ được bổ sung khi có sự đồng thuận của các node trong mạng. Đây là hệ thống bảo mật cao trước khả năng bị đánh cắp dữ liệu. Ngay cả khi 1 phần bị sụp đổ, những máy tính khác vẫn tiếp tục giữ cho mạng lưới hoạt dộng.</a:t>
+            </a:r>
+            <a:endParaRPr lang="x-none" altLang="en-US"/>
           </a:p>
         </p:txBody>
       </p:sp>
@@ -12339,14 +12508,7 @@
         <p:cNvGrpSpPr/>
         <p:nvPr/>
       </p:nvGrpSpPr>
-      <p:grpSpPr>
-        <a:xfrm>
-          <a:off x="0" y="0"/>
-          <a:ext cx="0" cy="0"/>
-          <a:chOff x="0" y="0"/>
-          <a:chExt cx="0" cy="0"/>
-        </a:xfrm>
-      </p:grpSpPr>
+      <p:grpSpPr/>
       <p:sp>
         <p:nvSpPr>
           <p:cNvPr id="2" name="Title 1"/>
@@ -12359,27 +12521,25 @@
         </p:nvSpPr>
         <p:spPr>
           <a:xfrm>
-            <a:off x="150495" y="196850"/>
-            <a:ext cx="10113645" cy="1320800"/>
+            <a:off x="347769" y="262890"/>
+            <a:ext cx="8596668" cy="1320800"/>
           </a:xfrm>
         </p:spPr>
         <p:txBody>
           <a:bodyPr/>
-          <a:lstStyle/>
-          <a:p>
-            <a:r>
-              <a:rPr lang="vi-VN" dirty="0" smtClean="0"/>
-              <a:t>Factom Ecosystem </a:t>
-            </a:r>
-            <a:r>
-              <a:rPr lang="en-US" dirty="0" smtClean="0"/>
-              <a:t>–</a:t>
-            </a:r>
-            <a:r>
-              <a:rPr lang="vi-VN" dirty="0" smtClean="0"/>
-              <a:t> Hệ sinh thái</a:t>
-            </a:r>
-            <a:endParaRPr lang="en-US" dirty="0"/>
+          <a:p>
+            <a:r>
+              <a:rPr lang="en-US"/>
+              <a:t>Factom System Overview</a:t>
+            </a:r>
+            <a:br>
+              <a:rPr lang="en-US"/>
+            </a:br>
+            <a:r>
+              <a:rPr lang="x-none" altLang="en-US"/>
+              <a:t>Tổng quan về hệ thống Factom</a:t>
+            </a:r>
+            <a:endParaRPr lang="x-none" altLang="en-US"/>
           </a:p>
         </p:txBody>
       </p:sp>
@@ -12395,53 +12555,48 @@
         </p:nvSpPr>
         <p:spPr>
           <a:xfrm>
-            <a:off x="150495" y="1517650"/>
-            <a:ext cx="9569450" cy="4620260"/>
+            <a:off x="352425" y="1816100"/>
+            <a:ext cx="10500995" cy="5044440"/>
           </a:xfrm>
         </p:spPr>
         <p:txBody>
           <a:bodyPr>
-            <a:normAutofit fontScale="90000"/>
+            <a:normAutofit/>
           </a:bodyPr>
-          <a:lstStyle/>
-          <a:p>
-            <a:r>
-              <a:rPr lang="x-none" altLang="en-US" dirty="0"/>
-              <a:t>Một khi hệ thống được thiết lập, bao gồm việc phát hành các Factoids và các tài khoản người sử dụng, giá trị token được chuyển đổi giữa các người dùng, Factom và Bitcoin theo các tương tác sau:</a:t>
-            </a:r>
-            <a:endParaRPr lang="x-none" altLang="en-US" dirty="0"/>
-          </a:p>
-          <a:p>
-            <a:pPr lvl="1"/>
-            <a:r>
-              <a:rPr lang="x-none" altLang="en-US" dirty="0"/>
-              <a:t>Người sở hữu ứng dụng mua Entry Credits bằng Factoids.</a:t>
-            </a:r>
-            <a:endParaRPr lang="x-none" altLang="en-US" dirty="0"/>
-          </a:p>
-          <a:p>
-            <a:pPr lvl="1"/>
-            <a:r>
-              <a:rPr lang="x-none" altLang="en-US" dirty="0"/>
-              <a:t>Ứng dụng ghi nhận một Entry.</a:t>
-            </a:r>
-            <a:endParaRPr lang="x-none" altLang="en-US" dirty="0"/>
-          </a:p>
-          <a:p>
-            <a:pPr lvl="1"/>
-            <a:r>
-              <a:rPr lang="x-none" altLang="en-US" dirty="0"/>
-              <a:t>Các máy chủ Factom tạo ra Entry Blocks và Directory Blocks.</a:t>
-            </a:r>
-            <a:endParaRPr lang="x-none" altLang="en-US" dirty="0"/>
-          </a:p>
-          <a:p>
-            <a:pPr lvl="1"/>
-            <a:r>
-              <a:rPr lang="x-none" altLang="en-US" dirty="0"/>
-              <a:t>Factom gắn giá trị hash của Directory Block vào blockchain.</a:t>
-            </a:r>
-            <a:endParaRPr lang="x-none" altLang="en-US" dirty="0"/>
+          <a:p>
+            <a:r>
+              <a:rPr lang="x-none" altLang="en-US" sz="2200"/>
+              <a:t>Factom được xây dựng từ tập hợp các tầng Cấu Trúc Dữ Liệu (CTDL).</a:t>
+            </a:r>
+            <a:endParaRPr lang="x-none" altLang="en-US" sz="2200"/>
+          </a:p>
+          <a:p>
+            <a:r>
+              <a:rPr lang="x-none" altLang="en-US" sz="2200"/>
+              <a:t>Factom được xây dựng từ một tập các blocks có thứ bậc với chiều cao cao nhất là Directory Blocks (DBs). Chúng tạo nên 1 micro-chain, chủ yếu gồm các tham chiếu (reference) đủ nhỏ. </a:t>
+            </a:r>
+            <a:endParaRPr lang="x-none" altLang="en-US" sz="2200"/>
+          </a:p>
+          <a:p>
+            <a:r>
+              <a:rPr lang="x-none" altLang="en-US" sz="2200"/>
+              <a:t>Để giữ được kích thước nhỏ gọn, mỗi reference trong Directory Block (DB) phải là giá trị hash của Entry Block (EB) cùng với ChainID. </a:t>
+            </a:r>
+            <a:endParaRPr lang="x-none" altLang="en-US" sz="2200"/>
+          </a:p>
+          <a:p>
+            <a:r>
+              <a:rPr lang="x-none" altLang="en-US" sz="2200"/>
+              <a:t>Các Entry Blocks (EBs) có references tới tất cả Entries với một giá trị ChainID nhất định trong một khoảng thời gian. Entry Block cho một ChainID cũng là một phần của micro-chain. </a:t>
+            </a:r>
+            <a:endParaRPr lang="x-none" altLang="en-US" sz="2200"/>
+          </a:p>
+          <a:p>
+            <a:r>
+              <a:rPr lang="x-none" altLang="en-US" sz="2200"/>
+              <a:t>Dữ liệu trong Factom nằm ở các Entries. Những CTDL này tạo ra và không thể đổi nhờ 'sức mạnh' của Bitcoin.</a:t>
+            </a:r>
+            <a:endParaRPr lang="x-none" altLang="en-US" sz="2200"/>
           </a:p>
         </p:txBody>
       </p:sp>
@@ -12458,10 +12613,448 @@
         <p:spPr/>
         <p:txBody>
           <a:bodyPr/>
-          <a:lstStyle/>
           <a:p>
             <a:fld id="{D57F1E4F-1CFF-5643-939E-217C01CDF565}" type="slidenum">
-              <a:rPr lang="en-US" smtClean="0"/>
+              <a:rPr lang="en-US" dirty="0"/>
+            </a:fld>
+            <a:endParaRPr lang="en-US" dirty="0"/>
+          </a:p>
+        </p:txBody>
+      </p:sp>
+    </p:spTree>
+  </p:cSld>
+  <p:clrMapOvr>
+    <a:masterClrMapping/>
+  </p:clrMapOvr>
+  <p:transition>
+    <p:fade thruBlk="1"/>
+  </p:transition>
+  <p:timing>
+    <p:tnLst>
+      <p:par>
+        <p:cTn id="1" dur="indefinite" restart="never" nodeType="tmRoot">
+          <p:childTnLst>
+            <p:seq concurrent="1" nextAc="seek">
+              <p:cTn id="2" dur="indefinite" nodeType="mainSeq">
+                <p:childTnLst>
+                  <p:par>
+                    <p:cTn id="3" fill="hold">
+                      <p:stCondLst>
+                        <p:cond delay="indefinite"/>
+                      </p:stCondLst>
+                      <p:childTnLst>
+                        <p:par>
+                          <p:cTn id="4" fill="hold">
+                            <p:stCondLst>
+                              <p:cond delay="0"/>
+                            </p:stCondLst>
+                            <p:childTnLst>
+                              <p:par>
+                                <p:cTn id="5" presetID="10" presetClass="entr" presetSubtype="0" fill="hold" grpId="0" nodeType="clickEffect">
+                                  <p:stCondLst>
+                                    <p:cond delay="0"/>
+                                  </p:stCondLst>
+                                  <p:childTnLst>
+                                    <p:set>
+                                      <p:cBhvr>
+                                        <p:cTn id="6" dur="1" fill="hold">
+                                          <p:stCondLst>
+                                            <p:cond delay="0"/>
+                                          </p:stCondLst>
+                                        </p:cTn>
+                                        <p:tgtEl>
+                                          <p:spTgt spid="3">
+                                            <p:txEl>
+                                              <p:pRg st="0" end="0"/>
+                                            </p:txEl>
+                                          </p:spTgt>
+                                        </p:tgtEl>
+                                        <p:attrNameLst>
+                                          <p:attrName>style.visibility</p:attrName>
+                                        </p:attrNameLst>
+                                      </p:cBhvr>
+                                      <p:to>
+                                        <p:strVal val="visible"/>
+                                      </p:to>
+                                    </p:set>
+                                    <p:animEffect transition="in" filter="fade">
+                                      <p:cBhvr>
+                                        <p:cTn id="7" dur="500"/>
+                                        <p:tgtEl>
+                                          <p:spTgt spid="3">
+                                            <p:txEl>
+                                              <p:pRg st="0" end="0"/>
+                                            </p:txEl>
+                                          </p:spTgt>
+                                        </p:tgtEl>
+                                      </p:cBhvr>
+                                    </p:animEffect>
+                                  </p:childTnLst>
+                                </p:cTn>
+                              </p:par>
+                            </p:childTnLst>
+                          </p:cTn>
+                        </p:par>
+                      </p:childTnLst>
+                    </p:cTn>
+                  </p:par>
+                  <p:par>
+                    <p:cTn id="8" fill="hold">
+                      <p:stCondLst>
+                        <p:cond delay="indefinite"/>
+                      </p:stCondLst>
+                      <p:childTnLst>
+                        <p:par>
+                          <p:cTn id="9" fill="hold">
+                            <p:stCondLst>
+                              <p:cond delay="0"/>
+                            </p:stCondLst>
+                            <p:childTnLst>
+                              <p:par>
+                                <p:cTn id="10" presetID="10" presetClass="entr" presetSubtype="0" fill="hold" grpId="0" nodeType="clickEffect">
+                                  <p:stCondLst>
+                                    <p:cond delay="0"/>
+                                  </p:stCondLst>
+                                  <p:childTnLst>
+                                    <p:set>
+                                      <p:cBhvr>
+                                        <p:cTn id="11" dur="1" fill="hold">
+                                          <p:stCondLst>
+                                            <p:cond delay="0"/>
+                                          </p:stCondLst>
+                                        </p:cTn>
+                                        <p:tgtEl>
+                                          <p:spTgt spid="3">
+                                            <p:txEl>
+                                              <p:pRg st="1" end="1"/>
+                                            </p:txEl>
+                                          </p:spTgt>
+                                        </p:tgtEl>
+                                        <p:attrNameLst>
+                                          <p:attrName>style.visibility</p:attrName>
+                                        </p:attrNameLst>
+                                      </p:cBhvr>
+                                      <p:to>
+                                        <p:strVal val="visible"/>
+                                      </p:to>
+                                    </p:set>
+                                    <p:animEffect transition="in" filter="fade">
+                                      <p:cBhvr>
+                                        <p:cTn id="12" dur="500"/>
+                                        <p:tgtEl>
+                                          <p:spTgt spid="3">
+                                            <p:txEl>
+                                              <p:pRg st="1" end="1"/>
+                                            </p:txEl>
+                                          </p:spTgt>
+                                        </p:tgtEl>
+                                      </p:cBhvr>
+                                    </p:animEffect>
+                                  </p:childTnLst>
+                                </p:cTn>
+                              </p:par>
+                            </p:childTnLst>
+                          </p:cTn>
+                        </p:par>
+                      </p:childTnLst>
+                    </p:cTn>
+                  </p:par>
+                  <p:par>
+                    <p:cTn id="13" fill="hold">
+                      <p:stCondLst>
+                        <p:cond delay="indefinite"/>
+                      </p:stCondLst>
+                      <p:childTnLst>
+                        <p:par>
+                          <p:cTn id="14" fill="hold">
+                            <p:stCondLst>
+                              <p:cond delay="0"/>
+                            </p:stCondLst>
+                            <p:childTnLst>
+                              <p:par>
+                                <p:cTn id="15" presetID="10" presetClass="entr" presetSubtype="0" fill="hold" grpId="0" nodeType="clickEffect">
+                                  <p:stCondLst>
+                                    <p:cond delay="0"/>
+                                  </p:stCondLst>
+                                  <p:childTnLst>
+                                    <p:set>
+                                      <p:cBhvr>
+                                        <p:cTn id="16" dur="1" fill="hold">
+                                          <p:stCondLst>
+                                            <p:cond delay="0"/>
+                                          </p:stCondLst>
+                                        </p:cTn>
+                                        <p:tgtEl>
+                                          <p:spTgt spid="3">
+                                            <p:txEl>
+                                              <p:pRg st="2" end="2"/>
+                                            </p:txEl>
+                                          </p:spTgt>
+                                        </p:tgtEl>
+                                        <p:attrNameLst>
+                                          <p:attrName>style.visibility</p:attrName>
+                                        </p:attrNameLst>
+                                      </p:cBhvr>
+                                      <p:to>
+                                        <p:strVal val="visible"/>
+                                      </p:to>
+                                    </p:set>
+                                    <p:animEffect transition="in" filter="fade">
+                                      <p:cBhvr>
+                                        <p:cTn id="17" dur="500"/>
+                                        <p:tgtEl>
+                                          <p:spTgt spid="3">
+                                            <p:txEl>
+                                              <p:pRg st="2" end="2"/>
+                                            </p:txEl>
+                                          </p:spTgt>
+                                        </p:tgtEl>
+                                      </p:cBhvr>
+                                    </p:animEffect>
+                                  </p:childTnLst>
+                                </p:cTn>
+                              </p:par>
+                            </p:childTnLst>
+                          </p:cTn>
+                        </p:par>
+                      </p:childTnLst>
+                    </p:cTn>
+                  </p:par>
+                  <p:par>
+                    <p:cTn id="18" fill="hold">
+                      <p:stCondLst>
+                        <p:cond delay="indefinite"/>
+                      </p:stCondLst>
+                      <p:childTnLst>
+                        <p:par>
+                          <p:cTn id="19" fill="hold">
+                            <p:stCondLst>
+                              <p:cond delay="0"/>
+                            </p:stCondLst>
+                            <p:childTnLst>
+                              <p:par>
+                                <p:cTn id="20" presetID="10" presetClass="entr" presetSubtype="0" fill="hold" grpId="0" nodeType="clickEffect">
+                                  <p:stCondLst>
+                                    <p:cond delay="0"/>
+                                  </p:stCondLst>
+                                  <p:childTnLst>
+                                    <p:set>
+                                      <p:cBhvr>
+                                        <p:cTn id="21" dur="1" fill="hold">
+                                          <p:stCondLst>
+                                            <p:cond delay="0"/>
+                                          </p:stCondLst>
+                                        </p:cTn>
+                                        <p:tgtEl>
+                                          <p:spTgt spid="3">
+                                            <p:txEl>
+                                              <p:pRg st="3" end="3"/>
+                                            </p:txEl>
+                                          </p:spTgt>
+                                        </p:tgtEl>
+                                        <p:attrNameLst>
+                                          <p:attrName>style.visibility</p:attrName>
+                                        </p:attrNameLst>
+                                      </p:cBhvr>
+                                      <p:to>
+                                        <p:strVal val="visible"/>
+                                      </p:to>
+                                    </p:set>
+                                    <p:animEffect transition="in" filter="fade">
+                                      <p:cBhvr>
+                                        <p:cTn id="22" dur="500"/>
+                                        <p:tgtEl>
+                                          <p:spTgt spid="3">
+                                            <p:txEl>
+                                              <p:pRg st="3" end="3"/>
+                                            </p:txEl>
+                                          </p:spTgt>
+                                        </p:tgtEl>
+                                      </p:cBhvr>
+                                    </p:animEffect>
+                                  </p:childTnLst>
+                                </p:cTn>
+                              </p:par>
+                            </p:childTnLst>
+                          </p:cTn>
+                        </p:par>
+                      </p:childTnLst>
+                    </p:cTn>
+                  </p:par>
+                  <p:par>
+                    <p:cTn id="23" fill="hold">
+                      <p:stCondLst>
+                        <p:cond delay="indefinite"/>
+                      </p:stCondLst>
+                      <p:childTnLst>
+                        <p:par>
+                          <p:cTn id="24" fill="hold">
+                            <p:stCondLst>
+                              <p:cond delay="0"/>
+                            </p:stCondLst>
+                            <p:childTnLst>
+                              <p:par>
+                                <p:cTn id="25" presetID="10" presetClass="entr" presetSubtype="0" fill="hold" grpId="0" nodeType="clickEffect">
+                                  <p:stCondLst>
+                                    <p:cond delay="0"/>
+                                  </p:stCondLst>
+                                  <p:childTnLst>
+                                    <p:set>
+                                      <p:cBhvr>
+                                        <p:cTn id="26" dur="1" fill="hold">
+                                          <p:stCondLst>
+                                            <p:cond delay="0"/>
+                                          </p:stCondLst>
+                                        </p:cTn>
+                                        <p:tgtEl>
+                                          <p:spTgt spid="3">
+                                            <p:txEl>
+                                              <p:pRg st="4" end="4"/>
+                                            </p:txEl>
+                                          </p:spTgt>
+                                        </p:tgtEl>
+                                        <p:attrNameLst>
+                                          <p:attrName>style.visibility</p:attrName>
+                                        </p:attrNameLst>
+                                      </p:cBhvr>
+                                      <p:to>
+                                        <p:strVal val="visible"/>
+                                      </p:to>
+                                    </p:set>
+                                    <p:animEffect transition="in" filter="fade">
+                                      <p:cBhvr>
+                                        <p:cTn id="27" dur="500"/>
+                                        <p:tgtEl>
+                                          <p:spTgt spid="3">
+                                            <p:txEl>
+                                              <p:pRg st="4" end="4"/>
+                                            </p:txEl>
+                                          </p:spTgt>
+                                        </p:tgtEl>
+                                      </p:cBhvr>
+                                    </p:animEffect>
+                                  </p:childTnLst>
+                                </p:cTn>
+                              </p:par>
+                            </p:childTnLst>
+                          </p:cTn>
+                        </p:par>
+                      </p:childTnLst>
+                    </p:cTn>
+                  </p:par>
+                </p:childTnLst>
+              </p:cTn>
+              <p:prevCondLst>
+                <p:cond evt="onPrev" delay="0">
+                  <p:tgtEl>
+                    <p:sldTgt/>
+                  </p:tgtEl>
+                </p:cond>
+              </p:prevCondLst>
+              <p:nextCondLst>
+                <p:cond evt="onNext" delay="0">
+                  <p:tgtEl>
+                    <p:sldTgt/>
+                  </p:tgtEl>
+                </p:cond>
+              </p:nextCondLst>
+            </p:seq>
+          </p:childTnLst>
+        </p:cTn>
+      </p:par>
+    </p:tnLst>
+    <p:bldLst>
+      <p:bldP spid="3" grpId="0" build="p"/>
+    </p:bldLst>
+  </p:timing>
+</p:sld>
+</file>
+
+<file path=ppt/slides/slide17.xml><?xml version="1.0" encoding="utf-8"?>
+<p:sld xmlns:a="http://schemas.openxmlformats.org/drawingml/2006/main" xmlns:r="http://schemas.openxmlformats.org/officeDocument/2006/relationships" xmlns:p="http://schemas.openxmlformats.org/presentationml/2006/main">
+  <p:cSld>
+    <p:spTree>
+      <p:nvGrpSpPr>
+        <p:cNvPr id="1" name=""/>
+        <p:cNvGrpSpPr/>
+        <p:nvPr/>
+      </p:nvGrpSpPr>
+      <p:grpSpPr/>
+      <p:sp>
+        <p:nvSpPr>
+          <p:cNvPr id="3" name="Content Placeholder 2"/>
+          <p:cNvSpPr>
+            <a:spLocks noGrp="1"/>
+          </p:cNvSpPr>
+          <p:nvPr>
+            <p:ph idx="1"/>
+          </p:nvPr>
+        </p:nvSpPr>
+        <p:spPr>
+          <a:xfrm>
+            <a:off x="292100" y="406400"/>
+            <a:ext cx="9539605" cy="5984240"/>
+          </a:xfrm>
+        </p:spPr>
+        <p:txBody>
+          <a:bodyPr/>
+          <a:p>
+            <a:r>
+              <a:rPr lang="x-none" altLang="en-US"/>
+              <a:t>Các lớp và các ý niệm trong hệ thống Factom:</a:t>
+            </a:r>
+            <a:endParaRPr lang="x-none" altLang="en-US"/>
+          </a:p>
+          <a:p>
+            <a:pPr lvl="1"/>
+            <a:r>
+              <a:rPr lang="x-none" altLang="en-US"/>
+              <a:t>1. Directory Layer: Tầng tổ chức các Merkle Root của các Entry Blocks.</a:t>
+            </a:r>
+            <a:endParaRPr lang="x-none" altLang="en-US"/>
+          </a:p>
+          <a:p>
+            <a:pPr lvl="1"/>
+            <a:r>
+              <a:rPr lang="x-none" altLang="en-US"/>
+              <a:t>2. Entry Block Layer: Tầng tổ chức các references tới các Entries.</a:t>
+            </a:r>
+            <a:endParaRPr lang="x-none" altLang="en-US"/>
+          </a:p>
+          <a:p>
+            <a:pPr lvl="1"/>
+            <a:r>
+              <a:rPr lang="x-none" altLang="en-US"/>
+              <a:t>3. Entries: chứa dữ liệu của ứng dụng, có thể là giá trị thô (raw data) hoặc giá trị hash của nó (private data).</a:t>
+            </a:r>
+            <a:endParaRPr lang="x-none" altLang="en-US"/>
+          </a:p>
+          <a:p>
+            <a:pPr lvl="1"/>
+            <a:r>
+              <a:rPr lang="x-none" altLang="en-US"/>
+              <a:t>4. Chains: Chuỗi dùng để nhóm các Entries cụ thể cho một ứng dụng.</a:t>
+            </a:r>
+            <a:endParaRPr lang="x-none" altLang="en-US"/>
+          </a:p>
+        </p:txBody>
+      </p:sp>
+      <p:sp>
+        <p:nvSpPr>
+          <p:cNvPr id="4" name="Slide Number Placeholder 3"/>
+          <p:cNvSpPr>
+            <a:spLocks noGrp="1"/>
+          </p:cNvSpPr>
+          <p:nvPr>
+            <p:ph type="sldNum" sz="quarter" idx="12"/>
+          </p:nvPr>
+        </p:nvSpPr>
+        <p:spPr/>
+        <p:txBody>
+          <a:bodyPr/>
+          <a:p>
+            <a:fld id="{D57F1E4F-1CFF-5643-939E-217C01CDF565}" type="slidenum">
+              <a:rPr lang="en-US" dirty="0"/>
             </a:fld>
             <a:endParaRPr lang="en-US" dirty="0"/>
           </a:p>
@@ -12816,145 +13409,7 @@
 </p:sld>
 </file>
 
-<file path=ppt/slides/slide17.xml><?xml version="1.0" encoding="utf-8"?>
-<p:sld xmlns:a="http://schemas.openxmlformats.org/drawingml/2006/main" xmlns:r="http://schemas.openxmlformats.org/officeDocument/2006/relationships" xmlns:p="http://schemas.openxmlformats.org/presentationml/2006/main">
-  <p:cSld>
-    <p:spTree>
-      <p:nvGrpSpPr>
-        <p:cNvPr id="1" name=""/>
-        <p:cNvGrpSpPr/>
-        <p:nvPr/>
-      </p:nvGrpSpPr>
-      <p:grpSpPr/>
-      <p:sp>
-        <p:nvSpPr>
-          <p:cNvPr id="4" name="Slide Number Placeholder 3"/>
-          <p:cNvSpPr>
-            <a:spLocks noGrp="1"/>
-          </p:cNvSpPr>
-          <p:nvPr>
-            <p:ph type="sldNum" sz="quarter" idx="12"/>
-          </p:nvPr>
-        </p:nvSpPr>
-        <p:spPr/>
-        <p:txBody>
-          <a:bodyPr/>
-          <a:p>
-            <a:fld id="{D57F1E4F-1CFF-5643-939E-217C01CDF565}" type="slidenum">
-              <a:rPr lang="en-US" dirty="0"/>
-            </a:fld>
-            <a:endParaRPr lang="en-US" dirty="0"/>
-          </a:p>
-        </p:txBody>
-      </p:sp>
-      <p:pic>
-        <p:nvPicPr>
-          <p:cNvPr id="143" name="Shape 143"/>
-          <p:cNvPicPr preferRelativeResize="0">
-            <a:picLocks noChangeAspect="1"/>
-          </p:cNvPicPr>
-          <p:nvPr>
-            <p:ph idx="1"/>
-          </p:nvPr>
-        </p:nvPicPr>
-        <p:blipFill>
-          <a:blip r:embed="rId1"/>
-          <a:stretch>
-            <a:fillRect/>
-          </a:stretch>
-        </p:blipFill>
-        <p:spPr>
-          <a:xfrm>
-            <a:off x="470535" y="518795"/>
-            <a:ext cx="9921875" cy="5690235"/>
-          </a:xfrm>
-          <a:prstGeom prst="rect">
-            <a:avLst/>
-          </a:prstGeom>
-          <a:noFill/>
-          <a:ln>
-            <a:noFill/>
-          </a:ln>
-        </p:spPr>
-      </p:pic>
-    </p:spTree>
-  </p:cSld>
-  <p:clrMapOvr>
-    <a:masterClrMapping/>
-  </p:clrMapOvr>
-  <p:transition>
-    <p:fade thruBlk="1"/>
-  </p:transition>
-</p:sld>
-</file>
-
 <file path=ppt/slides/slide18.xml><?xml version="1.0" encoding="utf-8"?>
-<p:sld xmlns:a="http://schemas.openxmlformats.org/drawingml/2006/main" xmlns:r="http://schemas.openxmlformats.org/officeDocument/2006/relationships" xmlns:p="http://schemas.openxmlformats.org/presentationml/2006/main">
-  <p:cSld>
-    <p:spTree>
-      <p:nvGrpSpPr>
-        <p:cNvPr id="1" name=""/>
-        <p:cNvGrpSpPr/>
-        <p:nvPr/>
-      </p:nvGrpSpPr>
-      <p:grpSpPr/>
-      <p:sp>
-        <p:nvSpPr>
-          <p:cNvPr id="4" name="Slide Number Placeholder 3"/>
-          <p:cNvSpPr>
-            <a:spLocks noGrp="1"/>
-          </p:cNvSpPr>
-          <p:nvPr>
-            <p:ph type="sldNum" sz="quarter" idx="12"/>
-          </p:nvPr>
-        </p:nvSpPr>
-        <p:spPr/>
-        <p:txBody>
-          <a:bodyPr/>
-          <a:p>
-            <a:fld id="{D57F1E4F-1CFF-5643-939E-217C01CDF565}" type="slidenum">
-              <a:rPr lang="en-US" dirty="0"/>
-            </a:fld>
-            <a:endParaRPr lang="en-US" dirty="0"/>
-          </a:p>
-        </p:txBody>
-      </p:sp>
-      <p:pic>
-        <p:nvPicPr>
-          <p:cNvPr id="5" name="Picture 4" descr="Whitepaper---Factom-Complete-System"/>
-          <p:cNvPicPr>
-            <a:picLocks noChangeAspect="1"/>
-          </p:cNvPicPr>
-          <p:nvPr/>
-        </p:nvPicPr>
-        <p:blipFill>
-          <a:blip r:embed="rId1"/>
-          <a:stretch>
-            <a:fillRect/>
-          </a:stretch>
-        </p:blipFill>
-        <p:spPr>
-          <a:xfrm>
-            <a:off x="456565" y="146685"/>
-            <a:ext cx="8403590" cy="6627495"/>
-          </a:xfrm>
-          <a:prstGeom prst="rect">
-            <a:avLst/>
-          </a:prstGeom>
-        </p:spPr>
-      </p:pic>
-    </p:spTree>
-  </p:cSld>
-  <p:clrMapOvr>
-    <a:masterClrMapping/>
-  </p:clrMapOvr>
-  <p:transition>
-    <p:fade thruBlk="1"/>
-  </p:transition>
-</p:sld>
-</file>
-
-<file path=ppt/slides/slide19.xml><?xml version="1.0" encoding="utf-8"?>
 <p:sld xmlns:a="http://schemas.openxmlformats.org/drawingml/2006/main" xmlns:r="http://schemas.openxmlformats.org/officeDocument/2006/relationships" xmlns:p="http://schemas.openxmlformats.org/presentationml/2006/main">
   <p:cSld>
     <p:spTree>
@@ -12976,18 +13431,24 @@
         </p:nvSpPr>
         <p:spPr>
           <a:xfrm>
-            <a:off x="217170" y="246380"/>
-            <a:ext cx="10588625" cy="1320800"/>
+            <a:off x="314749" y="262890"/>
+            <a:ext cx="8596668" cy="1320800"/>
           </a:xfrm>
         </p:spPr>
         <p:txBody>
-          <a:bodyPr/>
+          <a:bodyPr>
+            <a:normAutofit/>
+          </a:bodyPr>
           <a:p>
             <a:r>
               <a:rPr lang="en-US"/>
-              <a:t>Applications Validate Factom Chains</a:t>
-            </a:r>
-            <a:endParaRPr lang="en-US"/>
+              <a:t>Directory Layer: How the Directory Layer Organizes Merkle Roots</a:t>
+            </a:r>
+            <a:r>
+              <a:rPr lang="x-none" altLang="en-US"/>
+              <a:t>?</a:t>
+            </a:r>
+            <a:endParaRPr lang="x-none" altLang="en-US"/>
           </a:p>
         </p:txBody>
       </p:sp>
@@ -13003,71 +13464,702 @@
         </p:nvSpPr>
         <p:spPr>
           <a:xfrm>
-            <a:off x="448310" y="1567180"/>
-            <a:ext cx="9337040" cy="4803775"/>
+            <a:off x="316230" y="1765935"/>
+            <a:ext cx="9421495" cy="5083810"/>
           </a:xfrm>
         </p:spPr>
         <p:txBody>
           <a:bodyPr>
-            <a:normAutofit fontScale="90000" lnSpcReduction="10000"/>
+            <a:normAutofit/>
           </a:bodyPr>
           <a:p>
-            <a:pPr>
-              <a:lnSpc>
-                <a:spcPct val="150000"/>
-              </a:lnSpc>
-            </a:pPr>
-            <a:r>
-              <a:rPr lang="x-none" altLang="en-US"/>
-              <a:t>Factom không validate Entries.</a:t>
-            </a:r>
-            <a:endParaRPr lang="x-none" altLang="en-US"/>
-          </a:p>
-          <a:p>
-            <a:pPr>
-              <a:lnSpc>
-                <a:spcPct val="150000"/>
-              </a:lnSpc>
-            </a:pPr>
-            <a:r>
-              <a:rPr lang="x-none" altLang="en-US"/>
-              <a:t>Thay vào đó, E</a:t>
-            </a:r>
-            <a:r>
-              <a:rPr lang="x-none" altLang="en-US">
-                <a:sym typeface="+mn-ea"/>
-              </a:rPr>
-              <a:t>ntries </a:t>
-            </a:r>
-            <a:r>
-              <a:rPr lang="x-none" altLang="en-US"/>
-              <a:t>được valiated bởi users hoặc các ứng dụng ở phía client.</a:t>
-            </a:r>
-            <a:endParaRPr lang="x-none" altLang="en-US"/>
-          </a:p>
-          <a:p>
-            <a:pPr>
-              <a:lnSpc>
-                <a:spcPct val="150000"/>
-              </a:lnSpc>
-            </a:pPr>
-            <a:r>
-              <a:rPr lang="x-none" altLang="en-US"/>
-              <a:t>Miễn là ứng dụng hiểu được và biết các luật một Chain được tạo ra thì sự tồn tại của các Entries invalid không gây ra sự gián đoạn.</a:t>
-            </a:r>
-            <a:endParaRPr lang="x-none" altLang="en-US"/>
-          </a:p>
-          <a:p>
-            <a:pPr>
-              <a:lnSpc>
-                <a:spcPct val="150000"/>
-              </a:lnSpc>
-            </a:pPr>
-            <a:r>
-              <a:rPr lang="x-none" altLang="en-US"/>
-              <a:t>Các Entries không tuân theo luật mà ứng dụng hiểu trong một Chain có thể được ignored bởi ứng dụng.</a:t>
-            </a:r>
-            <a:endParaRPr lang="x-none" altLang="en-US"/>
+            <a:r>
+              <a:rPr lang="x-none" altLang="en-US" sz="2200"/>
+              <a:t>Directory Layer (DL) là mức đầu tiên trong các tầng kiến trúc của hệ thống Factom. Nó định nghĩa các ChainIDs cho các Entries.</a:t>
+            </a:r>
+            <a:endParaRPr lang="x-none" altLang="en-US" sz="2200"/>
+          </a:p>
+          <a:p>
+            <a:r>
+              <a:rPr lang="x-none" altLang="en-US" sz="2200"/>
+              <a:t>ChainID dùng xác định Chain của các Entries của người dùng.</a:t>
+            </a:r>
+            <a:endParaRPr lang="x-none" altLang="en-US" sz="2200"/>
+          </a:p>
+          <a:p>
+            <a:r>
+              <a:rPr lang="x-none" altLang="en-US" sz="2200"/>
+              <a:t>DL chủ yếu gồm một cặp ChainID và Merkle Root (MR) của Entry Block (EB) chứa dữ liệu cho ChainID đó.</a:t>
+            </a:r>
+            <a:endParaRPr lang="x-none" altLang="en-US" sz="2200"/>
+          </a:p>
+          <a:p>
+            <a:r>
+              <a:rPr lang="x-none" altLang="en-US" sz="2200"/>
+              <a:t>Mỗi EB được tham chiếu trong 1 DB chiếm 64 bytes, gồm 2 giá trị hash 32 bytes của ChainID, và của MR của EB.</a:t>
+            </a:r>
+            <a:endParaRPr lang="x-none" altLang="en-US" sz="2200"/>
+          </a:p>
+          <a:p>
+            <a:r>
+              <a:rPr lang="x-none" altLang="en-US" sz="2200"/>
+              <a:t>Nếu có 1 triệu EB như vậy thì 1 DB có kích thước khoảng 64 MB (= 10^6 * 64 bytes)</a:t>
+            </a:r>
+            <a:endParaRPr lang="x-none" altLang="en-US" sz="2200"/>
+          </a:p>
+          <a:p>
+            <a:r>
+              <a:rPr lang="x-none" altLang="en-US" sz="2200"/>
+              <a:t>Nếu trung bình 1 EB có 5 Entries, 64 MB của DB cho phép 5 triệu Entries riêng biệt.</a:t>
+            </a:r>
+            <a:endParaRPr lang="x-none" altLang="en-US" sz="2200"/>
+          </a:p>
+        </p:txBody>
+      </p:sp>
+      <p:sp>
+        <p:nvSpPr>
+          <p:cNvPr id="4" name="Slide Number Placeholder 3"/>
+          <p:cNvSpPr>
+            <a:spLocks noGrp="1"/>
+          </p:cNvSpPr>
+          <p:nvPr>
+            <p:ph type="sldNum" sz="quarter" idx="12"/>
+          </p:nvPr>
+        </p:nvSpPr>
+        <p:spPr/>
+        <p:txBody>
+          <a:bodyPr/>
+          <a:p>
+            <a:fld id="{D57F1E4F-1CFF-5643-939E-217C01CDF565}" type="slidenum">
+              <a:rPr lang="en-US" dirty="0"/>
+            </a:fld>
+            <a:endParaRPr lang="en-US" dirty="0"/>
+          </a:p>
+        </p:txBody>
+      </p:sp>
+    </p:spTree>
+  </p:cSld>
+  <p:clrMapOvr>
+    <a:masterClrMapping/>
+  </p:clrMapOvr>
+  <p:transition>
+    <p:fade thruBlk="1"/>
+  </p:transition>
+  <p:timing>
+    <p:tnLst>
+      <p:par>
+        <p:cTn id="1" dur="indefinite" restart="never" nodeType="tmRoot">
+          <p:childTnLst>
+            <p:seq concurrent="1" nextAc="seek">
+              <p:cTn id="2" dur="indefinite" nodeType="mainSeq">
+                <p:childTnLst>
+                  <p:par>
+                    <p:cTn id="3" fill="hold">
+                      <p:stCondLst>
+                        <p:cond delay="indefinite"/>
+                      </p:stCondLst>
+                      <p:childTnLst>
+                        <p:par>
+                          <p:cTn id="4" fill="hold">
+                            <p:stCondLst>
+                              <p:cond delay="0"/>
+                            </p:stCondLst>
+                            <p:childTnLst>
+                              <p:par>
+                                <p:cTn id="5" presetID="10" presetClass="entr" presetSubtype="0" fill="hold" grpId="0" nodeType="clickEffect">
+                                  <p:stCondLst>
+                                    <p:cond delay="0"/>
+                                  </p:stCondLst>
+                                  <p:childTnLst>
+                                    <p:set>
+                                      <p:cBhvr>
+                                        <p:cTn id="6" dur="1" fill="hold">
+                                          <p:stCondLst>
+                                            <p:cond delay="0"/>
+                                          </p:stCondLst>
+                                        </p:cTn>
+                                        <p:tgtEl>
+                                          <p:spTgt spid="3">
+                                            <p:txEl>
+                                              <p:pRg st="0" end="0"/>
+                                            </p:txEl>
+                                          </p:spTgt>
+                                        </p:tgtEl>
+                                        <p:attrNameLst>
+                                          <p:attrName>style.visibility</p:attrName>
+                                        </p:attrNameLst>
+                                      </p:cBhvr>
+                                      <p:to>
+                                        <p:strVal val="visible"/>
+                                      </p:to>
+                                    </p:set>
+                                    <p:animEffect transition="in" filter="fade">
+                                      <p:cBhvr>
+                                        <p:cTn id="7" dur="500"/>
+                                        <p:tgtEl>
+                                          <p:spTgt spid="3">
+                                            <p:txEl>
+                                              <p:pRg st="0" end="0"/>
+                                            </p:txEl>
+                                          </p:spTgt>
+                                        </p:tgtEl>
+                                      </p:cBhvr>
+                                    </p:animEffect>
+                                  </p:childTnLst>
+                                </p:cTn>
+                              </p:par>
+                            </p:childTnLst>
+                          </p:cTn>
+                        </p:par>
+                      </p:childTnLst>
+                    </p:cTn>
+                  </p:par>
+                  <p:par>
+                    <p:cTn id="8" fill="hold">
+                      <p:stCondLst>
+                        <p:cond delay="indefinite"/>
+                      </p:stCondLst>
+                      <p:childTnLst>
+                        <p:par>
+                          <p:cTn id="9" fill="hold">
+                            <p:stCondLst>
+                              <p:cond delay="0"/>
+                            </p:stCondLst>
+                            <p:childTnLst>
+                              <p:par>
+                                <p:cTn id="10" presetID="10" presetClass="entr" presetSubtype="0" fill="hold" grpId="0" nodeType="clickEffect">
+                                  <p:stCondLst>
+                                    <p:cond delay="0"/>
+                                  </p:stCondLst>
+                                  <p:childTnLst>
+                                    <p:set>
+                                      <p:cBhvr>
+                                        <p:cTn id="11" dur="1" fill="hold">
+                                          <p:stCondLst>
+                                            <p:cond delay="0"/>
+                                          </p:stCondLst>
+                                        </p:cTn>
+                                        <p:tgtEl>
+                                          <p:spTgt spid="3">
+                                            <p:txEl>
+                                              <p:pRg st="1" end="1"/>
+                                            </p:txEl>
+                                          </p:spTgt>
+                                        </p:tgtEl>
+                                        <p:attrNameLst>
+                                          <p:attrName>style.visibility</p:attrName>
+                                        </p:attrNameLst>
+                                      </p:cBhvr>
+                                      <p:to>
+                                        <p:strVal val="visible"/>
+                                      </p:to>
+                                    </p:set>
+                                    <p:animEffect transition="in" filter="fade">
+                                      <p:cBhvr>
+                                        <p:cTn id="12" dur="500"/>
+                                        <p:tgtEl>
+                                          <p:spTgt spid="3">
+                                            <p:txEl>
+                                              <p:pRg st="1" end="1"/>
+                                            </p:txEl>
+                                          </p:spTgt>
+                                        </p:tgtEl>
+                                      </p:cBhvr>
+                                    </p:animEffect>
+                                  </p:childTnLst>
+                                </p:cTn>
+                              </p:par>
+                            </p:childTnLst>
+                          </p:cTn>
+                        </p:par>
+                      </p:childTnLst>
+                    </p:cTn>
+                  </p:par>
+                  <p:par>
+                    <p:cTn id="13" fill="hold">
+                      <p:stCondLst>
+                        <p:cond delay="indefinite"/>
+                      </p:stCondLst>
+                      <p:childTnLst>
+                        <p:par>
+                          <p:cTn id="14" fill="hold">
+                            <p:stCondLst>
+                              <p:cond delay="0"/>
+                            </p:stCondLst>
+                            <p:childTnLst>
+                              <p:par>
+                                <p:cTn id="15" presetID="10" presetClass="entr" presetSubtype="0" fill="hold" grpId="0" nodeType="clickEffect">
+                                  <p:stCondLst>
+                                    <p:cond delay="0"/>
+                                  </p:stCondLst>
+                                  <p:childTnLst>
+                                    <p:set>
+                                      <p:cBhvr>
+                                        <p:cTn id="16" dur="1" fill="hold">
+                                          <p:stCondLst>
+                                            <p:cond delay="0"/>
+                                          </p:stCondLst>
+                                        </p:cTn>
+                                        <p:tgtEl>
+                                          <p:spTgt spid="3">
+                                            <p:txEl>
+                                              <p:pRg st="2" end="2"/>
+                                            </p:txEl>
+                                          </p:spTgt>
+                                        </p:tgtEl>
+                                        <p:attrNameLst>
+                                          <p:attrName>style.visibility</p:attrName>
+                                        </p:attrNameLst>
+                                      </p:cBhvr>
+                                      <p:to>
+                                        <p:strVal val="visible"/>
+                                      </p:to>
+                                    </p:set>
+                                    <p:animEffect transition="in" filter="fade">
+                                      <p:cBhvr>
+                                        <p:cTn id="17" dur="500"/>
+                                        <p:tgtEl>
+                                          <p:spTgt spid="3">
+                                            <p:txEl>
+                                              <p:pRg st="2" end="2"/>
+                                            </p:txEl>
+                                          </p:spTgt>
+                                        </p:tgtEl>
+                                      </p:cBhvr>
+                                    </p:animEffect>
+                                  </p:childTnLst>
+                                </p:cTn>
+                              </p:par>
+                            </p:childTnLst>
+                          </p:cTn>
+                        </p:par>
+                      </p:childTnLst>
+                    </p:cTn>
+                  </p:par>
+                  <p:par>
+                    <p:cTn id="18" fill="hold">
+                      <p:stCondLst>
+                        <p:cond delay="indefinite"/>
+                      </p:stCondLst>
+                      <p:childTnLst>
+                        <p:par>
+                          <p:cTn id="19" fill="hold">
+                            <p:stCondLst>
+                              <p:cond delay="0"/>
+                            </p:stCondLst>
+                            <p:childTnLst>
+                              <p:par>
+                                <p:cTn id="20" presetID="10" presetClass="entr" presetSubtype="0" fill="hold" grpId="0" nodeType="clickEffect">
+                                  <p:stCondLst>
+                                    <p:cond delay="0"/>
+                                  </p:stCondLst>
+                                  <p:childTnLst>
+                                    <p:set>
+                                      <p:cBhvr>
+                                        <p:cTn id="21" dur="1" fill="hold">
+                                          <p:stCondLst>
+                                            <p:cond delay="0"/>
+                                          </p:stCondLst>
+                                        </p:cTn>
+                                        <p:tgtEl>
+                                          <p:spTgt spid="3">
+                                            <p:txEl>
+                                              <p:pRg st="3" end="3"/>
+                                            </p:txEl>
+                                          </p:spTgt>
+                                        </p:tgtEl>
+                                        <p:attrNameLst>
+                                          <p:attrName>style.visibility</p:attrName>
+                                        </p:attrNameLst>
+                                      </p:cBhvr>
+                                      <p:to>
+                                        <p:strVal val="visible"/>
+                                      </p:to>
+                                    </p:set>
+                                    <p:animEffect transition="in" filter="fade">
+                                      <p:cBhvr>
+                                        <p:cTn id="22" dur="500"/>
+                                        <p:tgtEl>
+                                          <p:spTgt spid="3">
+                                            <p:txEl>
+                                              <p:pRg st="3" end="3"/>
+                                            </p:txEl>
+                                          </p:spTgt>
+                                        </p:tgtEl>
+                                      </p:cBhvr>
+                                    </p:animEffect>
+                                  </p:childTnLst>
+                                </p:cTn>
+                              </p:par>
+                            </p:childTnLst>
+                          </p:cTn>
+                        </p:par>
+                      </p:childTnLst>
+                    </p:cTn>
+                  </p:par>
+                  <p:par>
+                    <p:cTn id="23" fill="hold">
+                      <p:stCondLst>
+                        <p:cond delay="indefinite"/>
+                      </p:stCondLst>
+                      <p:childTnLst>
+                        <p:par>
+                          <p:cTn id="24" fill="hold">
+                            <p:stCondLst>
+                              <p:cond delay="0"/>
+                            </p:stCondLst>
+                            <p:childTnLst>
+                              <p:par>
+                                <p:cTn id="25" presetID="10" presetClass="entr" presetSubtype="0" fill="hold" grpId="0" nodeType="clickEffect">
+                                  <p:stCondLst>
+                                    <p:cond delay="0"/>
+                                  </p:stCondLst>
+                                  <p:childTnLst>
+                                    <p:set>
+                                      <p:cBhvr>
+                                        <p:cTn id="26" dur="1" fill="hold">
+                                          <p:stCondLst>
+                                            <p:cond delay="0"/>
+                                          </p:stCondLst>
+                                        </p:cTn>
+                                        <p:tgtEl>
+                                          <p:spTgt spid="3">
+                                            <p:txEl>
+                                              <p:pRg st="4" end="4"/>
+                                            </p:txEl>
+                                          </p:spTgt>
+                                        </p:tgtEl>
+                                        <p:attrNameLst>
+                                          <p:attrName>style.visibility</p:attrName>
+                                        </p:attrNameLst>
+                                      </p:cBhvr>
+                                      <p:to>
+                                        <p:strVal val="visible"/>
+                                      </p:to>
+                                    </p:set>
+                                    <p:animEffect transition="in" filter="fade">
+                                      <p:cBhvr>
+                                        <p:cTn id="27" dur="500"/>
+                                        <p:tgtEl>
+                                          <p:spTgt spid="3">
+                                            <p:txEl>
+                                              <p:pRg st="4" end="4"/>
+                                            </p:txEl>
+                                          </p:spTgt>
+                                        </p:tgtEl>
+                                      </p:cBhvr>
+                                    </p:animEffect>
+                                  </p:childTnLst>
+                                </p:cTn>
+                              </p:par>
+                            </p:childTnLst>
+                          </p:cTn>
+                        </p:par>
+                      </p:childTnLst>
+                    </p:cTn>
+                  </p:par>
+                  <p:par>
+                    <p:cTn id="28" fill="hold">
+                      <p:stCondLst>
+                        <p:cond delay="indefinite"/>
+                      </p:stCondLst>
+                      <p:childTnLst>
+                        <p:par>
+                          <p:cTn id="29" fill="hold">
+                            <p:stCondLst>
+                              <p:cond delay="0"/>
+                            </p:stCondLst>
+                            <p:childTnLst>
+                              <p:par>
+                                <p:cTn id="30" presetID="10" presetClass="entr" presetSubtype="0" fill="hold" grpId="0" nodeType="clickEffect">
+                                  <p:stCondLst>
+                                    <p:cond delay="0"/>
+                                  </p:stCondLst>
+                                  <p:childTnLst>
+                                    <p:set>
+                                      <p:cBhvr>
+                                        <p:cTn id="31" dur="1" fill="hold">
+                                          <p:stCondLst>
+                                            <p:cond delay="0"/>
+                                          </p:stCondLst>
+                                        </p:cTn>
+                                        <p:tgtEl>
+                                          <p:spTgt spid="3">
+                                            <p:txEl>
+                                              <p:pRg st="5" end="5"/>
+                                            </p:txEl>
+                                          </p:spTgt>
+                                        </p:tgtEl>
+                                        <p:attrNameLst>
+                                          <p:attrName>style.visibility</p:attrName>
+                                        </p:attrNameLst>
+                                      </p:cBhvr>
+                                      <p:to>
+                                        <p:strVal val="visible"/>
+                                      </p:to>
+                                    </p:set>
+                                    <p:animEffect transition="in" filter="fade">
+                                      <p:cBhvr>
+                                        <p:cTn id="32" dur="500"/>
+                                        <p:tgtEl>
+                                          <p:spTgt spid="3">
+                                            <p:txEl>
+                                              <p:pRg st="5" end="5"/>
+                                            </p:txEl>
+                                          </p:spTgt>
+                                        </p:tgtEl>
+                                      </p:cBhvr>
+                                    </p:animEffect>
+                                  </p:childTnLst>
+                                </p:cTn>
+                              </p:par>
+                            </p:childTnLst>
+                          </p:cTn>
+                        </p:par>
+                      </p:childTnLst>
+                    </p:cTn>
+                  </p:par>
+                </p:childTnLst>
+              </p:cTn>
+              <p:prevCondLst>
+                <p:cond evt="onPrev" delay="0">
+                  <p:tgtEl>
+                    <p:sldTgt/>
+                  </p:tgtEl>
+                </p:cond>
+              </p:prevCondLst>
+              <p:nextCondLst>
+                <p:cond evt="onNext" delay="0">
+                  <p:tgtEl>
+                    <p:sldTgt/>
+                  </p:tgtEl>
+                </p:cond>
+              </p:nextCondLst>
+            </p:seq>
+          </p:childTnLst>
+        </p:cTn>
+      </p:par>
+    </p:tnLst>
+    <p:bldLst>
+      <p:bldP spid="3" grpId="0" build="p"/>
+    </p:bldLst>
+  </p:timing>
+</p:sld>
+</file>
+
+<file path=ppt/slides/slide19.xml><?xml version="1.0" encoding="utf-8"?>
+<p:sld xmlns:a="http://schemas.openxmlformats.org/drawingml/2006/main" xmlns:r="http://schemas.openxmlformats.org/officeDocument/2006/relationships" xmlns:p="http://schemas.openxmlformats.org/presentationml/2006/main">
+  <p:cSld>
+    <p:spTree>
+      <p:nvGrpSpPr>
+        <p:cNvPr id="1" name=""/>
+        <p:cNvGrpSpPr/>
+        <p:nvPr/>
+      </p:nvGrpSpPr>
+      <p:grpSpPr/>
+      <p:sp>
+        <p:nvSpPr>
+          <p:cNvPr id="3" name="Content Placeholder 2"/>
+          <p:cNvSpPr>
+            <a:spLocks noGrp="1"/>
+          </p:cNvSpPr>
+          <p:nvPr>
+            <p:ph idx="1"/>
+          </p:nvPr>
+        </p:nvSpPr>
+        <p:spPr>
+          <a:xfrm>
+            <a:off x="306070" y="375920"/>
+            <a:ext cx="9409430" cy="6014720"/>
+          </a:xfrm>
+        </p:spPr>
+        <p:txBody>
+          <a:bodyPr>
+            <a:normAutofit/>
+          </a:bodyPr>
+          <a:p>
+            <a:r>
+              <a:rPr lang="en-US" sz="2200"/>
+              <a:t>Nếu một ứng dụng </a:t>
+            </a:r>
+            <a:r>
+              <a:rPr lang="x-none" altLang="en-US" sz="2200"/>
+              <a:t>chỉ </a:t>
+            </a:r>
+            <a:r>
+              <a:rPr lang="en-US" sz="2200"/>
+              <a:t>có </a:t>
+            </a:r>
+            <a:r>
+              <a:rPr lang="x-none" altLang="en-US" sz="2200"/>
+              <a:t>thông tin về </a:t>
+            </a:r>
+            <a:r>
+              <a:rPr lang="en-US" sz="2200"/>
+              <a:t>các </a:t>
+            </a:r>
+            <a:r>
+              <a:rPr lang="x-none" altLang="en-US" sz="2200"/>
+              <a:t>DBs</a:t>
+            </a:r>
+            <a:r>
+              <a:rPr lang="en-US" sz="2200"/>
+              <a:t>, nó có thể tìm thấy các </a:t>
+            </a:r>
+            <a:r>
+              <a:rPr lang="x-none" altLang="en-US" sz="2200"/>
+              <a:t>EBs</a:t>
+            </a:r>
+            <a:r>
+              <a:rPr lang="en-US" sz="2200"/>
+              <a:t> mà nó quan tâm mà không cần tải xuống mọi </a:t>
+            </a:r>
+            <a:r>
+              <a:rPr lang="x-none" altLang="en-US" sz="2200"/>
+              <a:t>EBs trong DBs</a:t>
+            </a:r>
+            <a:r>
+              <a:rPr lang="en-US" sz="2200"/>
+              <a:t>. </a:t>
+            </a:r>
+            <a:endParaRPr lang="en-US" sz="2200"/>
+          </a:p>
+          <a:p>
+            <a:r>
+              <a:rPr lang="en-US" sz="2200"/>
+              <a:t>Một ứng dụng riêng lẻ sẽ chỉ quan tâm đến một tập nhỏ các ChainID đang được Factom theo dõi. Điều này sẽ hạn chế đáng kể lượng băng thông mà </a:t>
+            </a:r>
+            <a:r>
+              <a:rPr lang="x-none" altLang="en-US" sz="2200"/>
+              <a:t>1 client </a:t>
+            </a:r>
+            <a:r>
+              <a:rPr lang="en-US" sz="2200"/>
+              <a:t>cần phải sử dụng với Factom.</a:t>
+            </a:r>
+            <a:endParaRPr lang="en-US" sz="2200"/>
+          </a:p>
+          <a:p>
+            <a:r>
+              <a:rPr lang="en-US" sz="2200"/>
+              <a:t>Các máy chủ Factom thu thập các Merkle </a:t>
+            </a:r>
+            <a:r>
+              <a:rPr lang="x-none" altLang="en-US" sz="2200"/>
+              <a:t>Roots (MRs)</a:t>
+            </a:r>
+            <a:r>
+              <a:rPr lang="en-US" sz="2200"/>
+              <a:t> của các </a:t>
+            </a:r>
+            <a:r>
+              <a:rPr lang="x-none" altLang="en-US" sz="2200"/>
+              <a:t>EBs</a:t>
+            </a:r>
+            <a:r>
+              <a:rPr lang="en-US" sz="2200"/>
+              <a:t> và gói chúng vào </a:t>
+            </a:r>
+            <a:r>
+              <a:rPr lang="x-none" altLang="en-US" sz="2200"/>
+              <a:t>1</a:t>
+            </a:r>
+            <a:r>
+              <a:rPr lang="en-US" sz="2200"/>
+              <a:t> </a:t>
+            </a:r>
+            <a:r>
+              <a:rPr lang="x-none" altLang="en-US" sz="2200"/>
+              <a:t>DB</a:t>
+            </a:r>
+            <a:r>
+              <a:rPr lang="en-US" sz="2200"/>
+              <a:t>. </a:t>
+            </a:r>
+            <a:endParaRPr lang="en-US" sz="2200"/>
+          </a:p>
+          <a:p>
+            <a:r>
+              <a:rPr lang="x-none" altLang="en-US" sz="2200"/>
+              <a:t>Cứ 10</a:t>
+            </a:r>
+            <a:r>
+              <a:rPr lang="en-US" sz="2200"/>
+              <a:t> </a:t>
+            </a:r>
+            <a:r>
+              <a:rPr lang="x-none" altLang="en-US" sz="2200"/>
+              <a:t>DBs</a:t>
+            </a:r>
+            <a:r>
+              <a:rPr lang="en-US" sz="2200"/>
+              <a:t> liên tiếp </a:t>
+            </a:r>
+            <a:r>
+              <a:rPr lang="x-none" altLang="en-US" sz="2200"/>
+              <a:t>sẽ </a:t>
+            </a:r>
+            <a:r>
+              <a:rPr lang="en-US" sz="2200"/>
+              <a:t>được </a:t>
+            </a:r>
+            <a:r>
+              <a:rPr lang="x-none" altLang="en-US" sz="2200"/>
+              <a:t>hash</a:t>
+            </a:r>
+            <a:r>
+              <a:rPr lang="en-US" sz="2200"/>
+              <a:t> thông qua </a:t>
+            </a:r>
+            <a:r>
+              <a:rPr lang="x-none" altLang="en-US" sz="2200"/>
+              <a:t>1</a:t>
+            </a:r>
+            <a:r>
+              <a:rPr lang="en-US" sz="2200"/>
+              <a:t> Merkle </a:t>
+            </a:r>
+            <a:r>
+              <a:rPr lang="x-none" altLang="en-US" sz="2200"/>
+              <a:t>Tree</a:t>
+            </a:r>
+            <a:r>
+              <a:rPr lang="en-US" sz="2200"/>
+              <a:t>, và gốc Merkle được ghi vào </a:t>
+            </a:r>
+            <a:r>
+              <a:rPr lang="x-none" altLang="en-US" sz="2200"/>
+              <a:t>blockchain của B</a:t>
+            </a:r>
+            <a:r>
+              <a:rPr lang="en-US" sz="2200"/>
+              <a:t>itcoin </a:t>
+            </a:r>
+            <a:r>
+              <a:rPr lang="x-none" altLang="en-US" sz="2200"/>
+              <a:t>=&gt; </a:t>
+            </a:r>
+            <a:r>
+              <a:rPr lang="en-US" sz="2200"/>
+              <a:t>bảo đảm bằng sức mạnh </a:t>
+            </a:r>
+            <a:r>
+              <a:rPr lang="x-none" altLang="en-US" sz="2200"/>
+              <a:t>hash của </a:t>
+            </a:r>
+            <a:r>
+              <a:rPr lang="en-US" sz="2200"/>
+              <a:t>Bitcoin. Quá trình thêm gốc Merkle vào </a:t>
+            </a:r>
+            <a:r>
+              <a:rPr lang="x-none" altLang="en-US" sz="2200"/>
+              <a:t>B</a:t>
+            </a:r>
+            <a:r>
+              <a:rPr lang="en-US" sz="2200"/>
+              <a:t>itcoin gọi là "neo". </a:t>
+            </a:r>
+            <a:endParaRPr lang="en-US" sz="2200"/>
           </a:p>
         </p:txBody>
       </p:sp>
@@ -13484,7 +14576,14 @@
               <a:rPr lang="en-US" dirty="0" err="1"/>
               <a:t>Factom</a:t>
             </a:r>
-            <a:endParaRPr lang="vi-VN" dirty="0" smtClean="0"/>
+            <a:endParaRPr lang="en-US" dirty="0" err="1"/>
+          </a:p>
+          <a:p>
+            <a:r>
+              <a:rPr lang="x-none" altLang="en-US" dirty="0" err="1"/>
+              <a:t>Factom System Overview</a:t>
+            </a:r>
+            <a:endParaRPr lang="x-none" altLang="en-US" dirty="0" err="1" smtClean="0"/>
           </a:p>
           <a:p>
             <a:r>
@@ -13543,6 +14642,2231 @@
 </file>
 
 <file path=ppt/slides/slide20.xml><?xml version="1.0" encoding="utf-8"?>
+<p:sld xmlns:a="http://schemas.openxmlformats.org/drawingml/2006/main" xmlns:r="http://schemas.openxmlformats.org/officeDocument/2006/relationships" xmlns:p="http://schemas.openxmlformats.org/presentationml/2006/main">
+  <p:cSld>
+    <p:spTree>
+      <p:nvGrpSpPr>
+        <p:cNvPr id="1" name=""/>
+        <p:cNvGrpSpPr/>
+        <p:nvPr/>
+      </p:nvGrpSpPr>
+      <p:grpSpPr/>
+      <p:sp>
+        <p:nvSpPr>
+          <p:cNvPr id="2" name="Title 1"/>
+          <p:cNvSpPr>
+            <a:spLocks noGrp="1"/>
+          </p:cNvSpPr>
+          <p:nvPr>
+            <p:ph type="title"/>
+          </p:nvPr>
+        </p:nvSpPr>
+        <p:spPr>
+          <a:xfrm>
+            <a:off x="199179" y="312420"/>
+            <a:ext cx="8596668" cy="1320800"/>
+          </a:xfrm>
+        </p:spPr>
+        <p:txBody>
+          <a:bodyPr>
+            <a:normAutofit fontScale="90000"/>
+          </a:bodyPr>
+          <a:p>
+            <a:r>
+              <a:rPr lang="en-US"/>
+              <a:t>Entry Block Layer: How the Entry Block Layer Organizes Hashes and Data</a:t>
+            </a:r>
+            <a:r>
+              <a:rPr lang="x-none" altLang="en-US"/>
+              <a:t>?</a:t>
+            </a:r>
+            <a:endParaRPr lang="x-none" altLang="en-US"/>
+          </a:p>
+        </p:txBody>
+      </p:sp>
+      <p:sp>
+        <p:nvSpPr>
+          <p:cNvPr id="3" name="Content Placeholder 2"/>
+          <p:cNvSpPr>
+            <a:spLocks noGrp="1"/>
+          </p:cNvSpPr>
+          <p:nvPr>
+            <p:ph idx="1"/>
+          </p:nvPr>
+        </p:nvSpPr>
+        <p:spPr>
+          <a:xfrm>
+            <a:off x="518795" y="2025015"/>
+            <a:ext cx="9008110" cy="3796030"/>
+          </a:xfrm>
+        </p:spPr>
+        <p:txBody>
+          <a:bodyPr>
+            <a:normAutofit lnSpcReduction="10000"/>
+          </a:bodyPr>
+          <a:p>
+            <a:r>
+              <a:rPr lang="en-US" sz="2300"/>
+              <a:t>Entry Blocks là cấp thứ hai của </a:t>
+            </a:r>
+            <a:r>
+              <a:rPr lang="x-none" altLang="en-US" sz="2300"/>
+              <a:t>kiến trúc</a:t>
+            </a:r>
+            <a:r>
+              <a:rPr lang="en-US" sz="2300"/>
+              <a:t> phân cấp trong hệ thống. Các ứng dụng cá nhân sẽ chú ý đến các ChainID</a:t>
+            </a:r>
+            <a:r>
+              <a:rPr lang="x-none" altLang="en-US" sz="2300"/>
+              <a:t>s </a:t>
+            </a:r>
+            <a:r>
+              <a:rPr lang="en-US" sz="2300"/>
+              <a:t>khác nhau. </a:t>
+            </a:r>
+            <a:r>
+              <a:rPr lang="x-none" altLang="en-US" sz="2300"/>
+              <a:t>EBs</a:t>
+            </a:r>
+            <a:r>
+              <a:rPr lang="en-US" sz="2300"/>
+              <a:t> là nơi ứng dụng tìm kiếm Entries từ </a:t>
+            </a:r>
+            <a:r>
+              <a:rPr lang="x-none" altLang="en-US" sz="2300"/>
+              <a:t>1</a:t>
+            </a:r>
+            <a:r>
+              <a:rPr lang="en-US" sz="2300"/>
+              <a:t> ChainID</a:t>
+            </a:r>
+            <a:r>
+              <a:rPr lang="x-none" altLang="en-US" sz="2300"/>
+              <a:t>.</a:t>
+            </a:r>
+            <a:endParaRPr lang="x-none" altLang="en-US" sz="2300"/>
+          </a:p>
+          <a:p>
+            <a:r>
+              <a:rPr lang="en-US" sz="2300"/>
+              <a:t>Có </a:t>
+            </a:r>
+            <a:r>
+              <a:rPr lang="x-none" altLang="en-US" sz="2300"/>
+              <a:t>1 </a:t>
+            </a:r>
+            <a:r>
+              <a:rPr lang="en-US" sz="2300"/>
+              <a:t>E</a:t>
+            </a:r>
+            <a:r>
+              <a:rPr lang="x-none" altLang="en-US" sz="2300"/>
+              <a:t>B</a:t>
+            </a:r>
+            <a:r>
+              <a:rPr lang="en-US" sz="2300"/>
+              <a:t> cho mỗi ChainID </a:t>
+            </a:r>
+            <a:r>
+              <a:rPr lang="x-none" altLang="en-US" sz="2300"/>
+              <a:t>được </a:t>
+            </a:r>
+            <a:r>
+              <a:rPr lang="en-US" sz="2300"/>
+              <a:t>cập nhật cho mỗi D</a:t>
+            </a:r>
+            <a:r>
+              <a:rPr lang="x-none" altLang="en-US" sz="2300"/>
+              <a:t>B</a:t>
+            </a:r>
+            <a:r>
+              <a:rPr lang="en-US" sz="2300"/>
+              <a:t>. Các </a:t>
+            </a:r>
+            <a:r>
+              <a:rPr lang="x-none" altLang="en-US" sz="2300"/>
+              <a:t>EBs</a:t>
+            </a:r>
+            <a:r>
+              <a:rPr lang="en-US" sz="2300"/>
+              <a:t> chứa các </a:t>
+            </a:r>
+            <a:r>
+              <a:rPr lang="x-none" altLang="en-US" sz="2300"/>
+              <a:t>giá trị hash</a:t>
+            </a:r>
+            <a:r>
+              <a:rPr lang="en-US" sz="2300"/>
+              <a:t> của các </a:t>
+            </a:r>
+            <a:r>
+              <a:rPr lang="x-none" altLang="en-US" sz="2300"/>
+              <a:t>Entries </a:t>
+            </a:r>
+            <a:r>
+              <a:rPr lang="en-US" sz="2300"/>
+              <a:t>riêng lẻ. Các </a:t>
+            </a:r>
+            <a:r>
+              <a:rPr lang="x-none" altLang="en-US" sz="2300"/>
+              <a:t>trị </a:t>
+            </a:r>
+            <a:r>
+              <a:rPr lang="en-US" sz="2300"/>
+              <a:t>hash của Entries đều chứng minh sự tồn tại của dữ liệu và đưa ra một khóa để tìm các Entries trong </a:t>
+            </a:r>
+            <a:r>
+              <a:rPr lang="x-none" altLang="en-US" sz="2300"/>
+              <a:t>mạng </a:t>
+            </a:r>
+            <a:r>
+              <a:rPr lang="en-US" sz="2300"/>
+              <a:t>Distributed Hash Table (DHT).</a:t>
+            </a:r>
+            <a:endParaRPr lang="en-US" sz="2300"/>
+          </a:p>
+          <a:p>
+            <a:endParaRPr lang="en-US" sz="2300"/>
+          </a:p>
+        </p:txBody>
+      </p:sp>
+      <p:sp>
+        <p:nvSpPr>
+          <p:cNvPr id="4" name="Slide Number Placeholder 3"/>
+          <p:cNvSpPr>
+            <a:spLocks noGrp="1"/>
+          </p:cNvSpPr>
+          <p:nvPr>
+            <p:ph type="sldNum" sz="quarter" idx="12"/>
+          </p:nvPr>
+        </p:nvSpPr>
+        <p:spPr/>
+        <p:txBody>
+          <a:bodyPr/>
+          <a:p>
+            <a:fld id="{D57F1E4F-1CFF-5643-939E-217C01CDF565}" type="slidenum">
+              <a:rPr lang="en-US" dirty="0"/>
+            </a:fld>
+            <a:endParaRPr lang="en-US" dirty="0"/>
+          </a:p>
+        </p:txBody>
+      </p:sp>
+    </p:spTree>
+  </p:cSld>
+  <p:clrMapOvr>
+    <a:masterClrMapping/>
+  </p:clrMapOvr>
+  <p:transition>
+    <p:fade thruBlk="1"/>
+  </p:transition>
+  <p:timing>
+    <p:tnLst>
+      <p:par>
+        <p:cTn id="1" dur="indefinite" restart="never" nodeType="tmRoot">
+          <p:childTnLst>
+            <p:seq concurrent="1" nextAc="seek">
+              <p:cTn id="2" dur="indefinite" nodeType="mainSeq">
+                <p:childTnLst>
+                  <p:par>
+                    <p:cTn id="3" fill="hold">
+                      <p:stCondLst>
+                        <p:cond delay="indefinite"/>
+                      </p:stCondLst>
+                      <p:childTnLst>
+                        <p:par>
+                          <p:cTn id="4" fill="hold">
+                            <p:stCondLst>
+                              <p:cond delay="0"/>
+                            </p:stCondLst>
+                            <p:childTnLst>
+                              <p:par>
+                                <p:cTn id="5" presetID="10" presetClass="entr" presetSubtype="0" fill="hold" grpId="0" nodeType="clickEffect">
+                                  <p:stCondLst>
+                                    <p:cond delay="0"/>
+                                  </p:stCondLst>
+                                  <p:childTnLst>
+                                    <p:set>
+                                      <p:cBhvr>
+                                        <p:cTn id="6" dur="1" fill="hold">
+                                          <p:stCondLst>
+                                            <p:cond delay="0"/>
+                                          </p:stCondLst>
+                                        </p:cTn>
+                                        <p:tgtEl>
+                                          <p:spTgt spid="3">
+                                            <p:txEl>
+                                              <p:pRg st="0" end="0"/>
+                                            </p:txEl>
+                                          </p:spTgt>
+                                        </p:tgtEl>
+                                        <p:attrNameLst>
+                                          <p:attrName>style.visibility</p:attrName>
+                                        </p:attrNameLst>
+                                      </p:cBhvr>
+                                      <p:to>
+                                        <p:strVal val="visible"/>
+                                      </p:to>
+                                    </p:set>
+                                    <p:animEffect transition="in" filter="fade">
+                                      <p:cBhvr>
+                                        <p:cTn id="7" dur="500"/>
+                                        <p:tgtEl>
+                                          <p:spTgt spid="3">
+                                            <p:txEl>
+                                              <p:pRg st="0" end="0"/>
+                                            </p:txEl>
+                                          </p:spTgt>
+                                        </p:tgtEl>
+                                      </p:cBhvr>
+                                    </p:animEffect>
+                                  </p:childTnLst>
+                                </p:cTn>
+                              </p:par>
+                            </p:childTnLst>
+                          </p:cTn>
+                        </p:par>
+                      </p:childTnLst>
+                    </p:cTn>
+                  </p:par>
+                  <p:par>
+                    <p:cTn id="8" fill="hold">
+                      <p:stCondLst>
+                        <p:cond delay="indefinite"/>
+                      </p:stCondLst>
+                      <p:childTnLst>
+                        <p:par>
+                          <p:cTn id="9" fill="hold">
+                            <p:stCondLst>
+                              <p:cond delay="0"/>
+                            </p:stCondLst>
+                            <p:childTnLst>
+                              <p:par>
+                                <p:cTn id="10" presetID="10" presetClass="entr" presetSubtype="0" fill="hold" grpId="0" nodeType="clickEffect">
+                                  <p:stCondLst>
+                                    <p:cond delay="0"/>
+                                  </p:stCondLst>
+                                  <p:childTnLst>
+                                    <p:set>
+                                      <p:cBhvr>
+                                        <p:cTn id="11" dur="1" fill="hold">
+                                          <p:stCondLst>
+                                            <p:cond delay="0"/>
+                                          </p:stCondLst>
+                                        </p:cTn>
+                                        <p:tgtEl>
+                                          <p:spTgt spid="3">
+                                            <p:txEl>
+                                              <p:pRg st="1" end="1"/>
+                                            </p:txEl>
+                                          </p:spTgt>
+                                        </p:tgtEl>
+                                        <p:attrNameLst>
+                                          <p:attrName>style.visibility</p:attrName>
+                                        </p:attrNameLst>
+                                      </p:cBhvr>
+                                      <p:to>
+                                        <p:strVal val="visible"/>
+                                      </p:to>
+                                    </p:set>
+                                    <p:animEffect transition="in" filter="fade">
+                                      <p:cBhvr>
+                                        <p:cTn id="12" dur="500"/>
+                                        <p:tgtEl>
+                                          <p:spTgt spid="3">
+                                            <p:txEl>
+                                              <p:pRg st="1" end="1"/>
+                                            </p:txEl>
+                                          </p:spTgt>
+                                        </p:tgtEl>
+                                      </p:cBhvr>
+                                    </p:animEffect>
+                                  </p:childTnLst>
+                                </p:cTn>
+                              </p:par>
+                            </p:childTnLst>
+                          </p:cTn>
+                        </p:par>
+                      </p:childTnLst>
+                    </p:cTn>
+                  </p:par>
+                </p:childTnLst>
+              </p:cTn>
+              <p:prevCondLst>
+                <p:cond evt="onPrev" delay="0">
+                  <p:tgtEl>
+                    <p:sldTgt/>
+                  </p:tgtEl>
+                </p:cond>
+              </p:prevCondLst>
+              <p:nextCondLst>
+                <p:cond evt="onNext" delay="0">
+                  <p:tgtEl>
+                    <p:sldTgt/>
+                  </p:tgtEl>
+                </p:cond>
+              </p:nextCondLst>
+            </p:seq>
+          </p:childTnLst>
+        </p:cTn>
+      </p:par>
+    </p:tnLst>
+    <p:bldLst>
+      <p:bldP spid="3" grpId="0" build="p"/>
+    </p:bldLst>
+  </p:timing>
+</p:sld>
+</file>
+
+<file path=ppt/slides/slide21.xml><?xml version="1.0" encoding="utf-8"?>
+<p:sld xmlns:a="http://schemas.openxmlformats.org/drawingml/2006/main" xmlns:r="http://schemas.openxmlformats.org/officeDocument/2006/relationships" xmlns:p="http://schemas.openxmlformats.org/presentationml/2006/main">
+  <p:cSld>
+    <p:spTree>
+      <p:nvGrpSpPr>
+        <p:cNvPr id="1" name=""/>
+        <p:cNvGrpSpPr/>
+        <p:nvPr/>
+      </p:nvGrpSpPr>
+      <p:grpSpPr/>
+      <p:sp>
+        <p:nvSpPr>
+          <p:cNvPr id="4" name="Slide Number Placeholder 3"/>
+          <p:cNvSpPr>
+            <a:spLocks noGrp="1"/>
+          </p:cNvSpPr>
+          <p:nvPr>
+            <p:ph type="sldNum" sz="quarter" idx="12"/>
+          </p:nvPr>
+        </p:nvSpPr>
+        <p:spPr/>
+        <p:txBody>
+          <a:bodyPr/>
+          <a:p>
+            <a:fld id="{D57F1E4F-1CFF-5643-939E-217C01CDF565}" type="slidenum">
+              <a:rPr lang="en-US" dirty="0"/>
+            </a:fld>
+            <a:endParaRPr lang="en-US" dirty="0"/>
+          </a:p>
+        </p:txBody>
+      </p:sp>
+      <p:pic>
+        <p:nvPicPr>
+          <p:cNvPr id="5" name="Picture 4" descr="Whitepaper---Hashes-and-Data-are-Written-to-Entry-Blocks"/>
+          <p:cNvPicPr>
+            <a:picLocks noChangeAspect="1"/>
+          </p:cNvPicPr>
+          <p:nvPr/>
+        </p:nvPicPr>
+        <p:blipFill>
+          <a:blip r:embed="rId1"/>
+          <a:stretch>
+            <a:fillRect/>
+          </a:stretch>
+        </p:blipFill>
+        <p:spPr>
+          <a:xfrm>
+            <a:off x="494030" y="312420"/>
+            <a:ext cx="9375775" cy="6342380"/>
+          </a:xfrm>
+          <a:prstGeom prst="rect">
+            <a:avLst/>
+          </a:prstGeom>
+        </p:spPr>
+      </p:pic>
+    </p:spTree>
+  </p:cSld>
+  <p:clrMapOvr>
+    <a:masterClrMapping/>
+  </p:clrMapOvr>
+  <p:transition>
+    <p:fade thruBlk="1"/>
+  </p:transition>
+</p:sld>
+</file>
+
+<file path=ppt/slides/slide22.xml><?xml version="1.0" encoding="utf-8"?>
+<p:sld xmlns:a="http://schemas.openxmlformats.org/drawingml/2006/main" xmlns:r="http://schemas.openxmlformats.org/officeDocument/2006/relationships" xmlns:p="http://schemas.openxmlformats.org/presentationml/2006/main">
+  <p:cSld>
+    <p:spTree>
+      <p:nvGrpSpPr>
+        <p:cNvPr id="1" name=""/>
+        <p:cNvGrpSpPr/>
+        <p:nvPr/>
+      </p:nvGrpSpPr>
+      <p:grpSpPr/>
+      <p:sp>
+        <p:nvSpPr>
+          <p:cNvPr id="2" name="Title 1"/>
+          <p:cNvSpPr>
+            <a:spLocks noGrp="1"/>
+          </p:cNvSpPr>
+          <p:nvPr>
+            <p:ph type="title"/>
+          </p:nvPr>
+        </p:nvSpPr>
+        <p:spPr>
+          <a:xfrm>
+            <a:off x="330624" y="213360"/>
+            <a:ext cx="8596668" cy="1320800"/>
+          </a:xfrm>
+        </p:spPr>
+        <p:txBody>
+          <a:bodyPr/>
+          <a:p>
+            <a:r>
+              <a:rPr lang="en-US"/>
+              <a:t>Entries: How Entries are Created</a:t>
+            </a:r>
+            <a:endParaRPr lang="en-US"/>
+          </a:p>
+        </p:txBody>
+      </p:sp>
+      <p:sp>
+        <p:nvSpPr>
+          <p:cNvPr id="3" name="Content Placeholder 2"/>
+          <p:cNvSpPr>
+            <a:spLocks noGrp="1"/>
+          </p:cNvSpPr>
+          <p:nvPr>
+            <p:ph idx="1"/>
+          </p:nvPr>
+        </p:nvSpPr>
+        <p:spPr>
+          <a:xfrm>
+            <a:off x="75565" y="1000125"/>
+            <a:ext cx="10452735" cy="5555615"/>
+          </a:xfrm>
+        </p:spPr>
+        <p:txBody>
+          <a:bodyPr>
+            <a:normAutofit/>
+          </a:bodyPr>
+          <a:p>
+            <a:r>
+              <a:rPr lang="x-none" altLang="en-US" sz="2300"/>
+              <a:t>Entries được xây dựng bởi người dùng và được submit lên Factom. </a:t>
+            </a:r>
+            <a:endParaRPr lang="x-none" altLang="en-US" sz="2300"/>
+          </a:p>
+          <a:p>
+            <a:r>
+              <a:rPr lang="x-none" altLang="en-US" sz="2300"/>
+              <a:t>Bằng những thông tin được hash hoặc mã hóa, người dùng có thể đảm bảo tính privacy của các entries. Các Entries này có thể là plain text nếu việc mã hóa dữ liệu là không cần thiết. </a:t>
+            </a:r>
+            <a:endParaRPr lang="x-none" altLang="en-US" sz="2300"/>
+          </a:p>
+          <a:p>
+            <a:r>
+              <a:rPr lang="x-none" altLang="en-US" sz="2300"/>
+              <a:t>Bằng việc ghi nhận 1 giá trị hash của 1 tài liệu, Factom có thể cung cấp proof of publication.</a:t>
+            </a:r>
+            <a:endParaRPr lang="x-none" altLang="en-US" sz="2300"/>
+          </a:p>
+          <a:p>
+            <a:r>
+              <a:rPr lang="x-none" altLang="en-US" sz="2300">
+                <a:sym typeface="+mn-ea"/>
+              </a:rPr>
+              <a:t>Dữ liệu cho phép linh động. Có thể nhỏ như Hyperlink. Có thể lớn hơn nhưng không thể quá lớn vì chi phí giới hạn kích thước dữ liệu. Điều này là tương tự như Bitcoin. Các transactions lớn hơn 100 kB+ Bitcoin là có thể nhưng yêu cầu chi trả cho khoảng phí tương ứng. Trong Bitcoin chi phí này sẽ là khổng lồ, bởi vì mỗi full node yêu cầu tất cả blockchain cho việc validate. Trong Factom, chỉ các DBs có level cao nhất yêu cầu full validate 1 chain, do đó chi phí nhỏ hơn.</a:t>
+            </a:r>
+            <a:endParaRPr lang="x-none" altLang="en-US" sz="2300"/>
+          </a:p>
+          <a:p>
+            <a:endParaRPr lang="x-none" altLang="en-US" sz="2300"/>
+          </a:p>
+          <a:p>
+            <a:endParaRPr lang="x-none" altLang="en-US" sz="2300"/>
+          </a:p>
+        </p:txBody>
+      </p:sp>
+      <p:sp>
+        <p:nvSpPr>
+          <p:cNvPr id="4" name="Slide Number Placeholder 3"/>
+          <p:cNvSpPr>
+            <a:spLocks noGrp="1"/>
+          </p:cNvSpPr>
+          <p:nvPr>
+            <p:ph type="sldNum" sz="quarter" idx="12"/>
+          </p:nvPr>
+        </p:nvSpPr>
+        <p:spPr/>
+        <p:txBody>
+          <a:bodyPr/>
+          <a:p>
+            <a:fld id="{D57F1E4F-1CFF-5643-939E-217C01CDF565}" type="slidenum">
+              <a:rPr lang="en-US" dirty="0"/>
+            </a:fld>
+            <a:endParaRPr lang="en-US" dirty="0"/>
+          </a:p>
+        </p:txBody>
+      </p:sp>
+    </p:spTree>
+  </p:cSld>
+  <p:clrMapOvr>
+    <a:masterClrMapping/>
+  </p:clrMapOvr>
+  <p:transition>
+    <p:fade thruBlk="1"/>
+  </p:transition>
+  <p:timing>
+    <p:tnLst>
+      <p:par>
+        <p:cTn id="1" dur="indefinite" restart="never" nodeType="tmRoot">
+          <p:childTnLst>
+            <p:seq concurrent="1" nextAc="seek">
+              <p:cTn id="2" dur="indefinite" nodeType="mainSeq">
+                <p:childTnLst>
+                  <p:par>
+                    <p:cTn id="3" fill="hold">
+                      <p:stCondLst>
+                        <p:cond delay="indefinite"/>
+                      </p:stCondLst>
+                      <p:childTnLst>
+                        <p:par>
+                          <p:cTn id="4" fill="hold">
+                            <p:stCondLst>
+                              <p:cond delay="0"/>
+                            </p:stCondLst>
+                            <p:childTnLst>
+                              <p:par>
+                                <p:cTn id="5" presetID="10" presetClass="entr" presetSubtype="0" fill="hold" grpId="0" nodeType="clickEffect">
+                                  <p:stCondLst>
+                                    <p:cond delay="0"/>
+                                  </p:stCondLst>
+                                  <p:childTnLst>
+                                    <p:set>
+                                      <p:cBhvr>
+                                        <p:cTn id="6" dur="1" fill="hold">
+                                          <p:stCondLst>
+                                            <p:cond delay="0"/>
+                                          </p:stCondLst>
+                                        </p:cTn>
+                                        <p:tgtEl>
+                                          <p:spTgt spid="3">
+                                            <p:txEl>
+                                              <p:pRg st="0" end="0"/>
+                                            </p:txEl>
+                                          </p:spTgt>
+                                        </p:tgtEl>
+                                        <p:attrNameLst>
+                                          <p:attrName>style.visibility</p:attrName>
+                                        </p:attrNameLst>
+                                      </p:cBhvr>
+                                      <p:to>
+                                        <p:strVal val="visible"/>
+                                      </p:to>
+                                    </p:set>
+                                    <p:animEffect transition="in" filter="fade">
+                                      <p:cBhvr>
+                                        <p:cTn id="7" dur="500"/>
+                                        <p:tgtEl>
+                                          <p:spTgt spid="3">
+                                            <p:txEl>
+                                              <p:pRg st="0" end="0"/>
+                                            </p:txEl>
+                                          </p:spTgt>
+                                        </p:tgtEl>
+                                      </p:cBhvr>
+                                    </p:animEffect>
+                                  </p:childTnLst>
+                                </p:cTn>
+                              </p:par>
+                            </p:childTnLst>
+                          </p:cTn>
+                        </p:par>
+                      </p:childTnLst>
+                    </p:cTn>
+                  </p:par>
+                  <p:par>
+                    <p:cTn id="8" fill="hold">
+                      <p:stCondLst>
+                        <p:cond delay="indefinite"/>
+                      </p:stCondLst>
+                      <p:childTnLst>
+                        <p:par>
+                          <p:cTn id="9" fill="hold">
+                            <p:stCondLst>
+                              <p:cond delay="0"/>
+                            </p:stCondLst>
+                            <p:childTnLst>
+                              <p:par>
+                                <p:cTn id="10" presetID="10" presetClass="entr" presetSubtype="0" fill="hold" grpId="0" nodeType="clickEffect">
+                                  <p:stCondLst>
+                                    <p:cond delay="0"/>
+                                  </p:stCondLst>
+                                  <p:childTnLst>
+                                    <p:set>
+                                      <p:cBhvr>
+                                        <p:cTn id="11" dur="1" fill="hold">
+                                          <p:stCondLst>
+                                            <p:cond delay="0"/>
+                                          </p:stCondLst>
+                                        </p:cTn>
+                                        <p:tgtEl>
+                                          <p:spTgt spid="3">
+                                            <p:txEl>
+                                              <p:pRg st="1" end="1"/>
+                                            </p:txEl>
+                                          </p:spTgt>
+                                        </p:tgtEl>
+                                        <p:attrNameLst>
+                                          <p:attrName>style.visibility</p:attrName>
+                                        </p:attrNameLst>
+                                      </p:cBhvr>
+                                      <p:to>
+                                        <p:strVal val="visible"/>
+                                      </p:to>
+                                    </p:set>
+                                    <p:animEffect transition="in" filter="fade">
+                                      <p:cBhvr>
+                                        <p:cTn id="12" dur="500"/>
+                                        <p:tgtEl>
+                                          <p:spTgt spid="3">
+                                            <p:txEl>
+                                              <p:pRg st="1" end="1"/>
+                                            </p:txEl>
+                                          </p:spTgt>
+                                        </p:tgtEl>
+                                      </p:cBhvr>
+                                    </p:animEffect>
+                                  </p:childTnLst>
+                                </p:cTn>
+                              </p:par>
+                            </p:childTnLst>
+                          </p:cTn>
+                        </p:par>
+                      </p:childTnLst>
+                    </p:cTn>
+                  </p:par>
+                  <p:par>
+                    <p:cTn id="13" fill="hold">
+                      <p:stCondLst>
+                        <p:cond delay="indefinite"/>
+                      </p:stCondLst>
+                      <p:childTnLst>
+                        <p:par>
+                          <p:cTn id="14" fill="hold">
+                            <p:stCondLst>
+                              <p:cond delay="0"/>
+                            </p:stCondLst>
+                            <p:childTnLst>
+                              <p:par>
+                                <p:cTn id="15" presetID="10" presetClass="entr" presetSubtype="0" fill="hold" grpId="0" nodeType="clickEffect">
+                                  <p:stCondLst>
+                                    <p:cond delay="0"/>
+                                  </p:stCondLst>
+                                  <p:childTnLst>
+                                    <p:set>
+                                      <p:cBhvr>
+                                        <p:cTn id="16" dur="1" fill="hold">
+                                          <p:stCondLst>
+                                            <p:cond delay="0"/>
+                                          </p:stCondLst>
+                                        </p:cTn>
+                                        <p:tgtEl>
+                                          <p:spTgt spid="3">
+                                            <p:txEl>
+                                              <p:pRg st="2" end="2"/>
+                                            </p:txEl>
+                                          </p:spTgt>
+                                        </p:tgtEl>
+                                        <p:attrNameLst>
+                                          <p:attrName>style.visibility</p:attrName>
+                                        </p:attrNameLst>
+                                      </p:cBhvr>
+                                      <p:to>
+                                        <p:strVal val="visible"/>
+                                      </p:to>
+                                    </p:set>
+                                    <p:animEffect transition="in" filter="fade">
+                                      <p:cBhvr>
+                                        <p:cTn id="17" dur="500"/>
+                                        <p:tgtEl>
+                                          <p:spTgt spid="3">
+                                            <p:txEl>
+                                              <p:pRg st="2" end="2"/>
+                                            </p:txEl>
+                                          </p:spTgt>
+                                        </p:tgtEl>
+                                      </p:cBhvr>
+                                    </p:animEffect>
+                                  </p:childTnLst>
+                                </p:cTn>
+                              </p:par>
+                            </p:childTnLst>
+                          </p:cTn>
+                        </p:par>
+                      </p:childTnLst>
+                    </p:cTn>
+                  </p:par>
+                  <p:par>
+                    <p:cTn id="18" fill="hold">
+                      <p:stCondLst>
+                        <p:cond delay="indefinite"/>
+                      </p:stCondLst>
+                      <p:childTnLst>
+                        <p:par>
+                          <p:cTn id="19" fill="hold">
+                            <p:stCondLst>
+                              <p:cond delay="0"/>
+                            </p:stCondLst>
+                            <p:childTnLst>
+                              <p:par>
+                                <p:cTn id="20" presetID="10" presetClass="entr" presetSubtype="0" fill="hold" grpId="0" nodeType="clickEffect">
+                                  <p:stCondLst>
+                                    <p:cond delay="0"/>
+                                  </p:stCondLst>
+                                  <p:childTnLst>
+                                    <p:set>
+                                      <p:cBhvr>
+                                        <p:cTn id="21" dur="1" fill="hold">
+                                          <p:stCondLst>
+                                            <p:cond delay="0"/>
+                                          </p:stCondLst>
+                                        </p:cTn>
+                                        <p:tgtEl>
+                                          <p:spTgt spid="3">
+                                            <p:txEl>
+                                              <p:pRg st="3" end="3"/>
+                                            </p:txEl>
+                                          </p:spTgt>
+                                        </p:tgtEl>
+                                        <p:attrNameLst>
+                                          <p:attrName>style.visibility</p:attrName>
+                                        </p:attrNameLst>
+                                      </p:cBhvr>
+                                      <p:to>
+                                        <p:strVal val="visible"/>
+                                      </p:to>
+                                    </p:set>
+                                    <p:animEffect transition="in" filter="fade">
+                                      <p:cBhvr>
+                                        <p:cTn id="22" dur="500"/>
+                                        <p:tgtEl>
+                                          <p:spTgt spid="3">
+                                            <p:txEl>
+                                              <p:pRg st="3" end="3"/>
+                                            </p:txEl>
+                                          </p:spTgt>
+                                        </p:tgtEl>
+                                      </p:cBhvr>
+                                    </p:animEffect>
+                                  </p:childTnLst>
+                                </p:cTn>
+                              </p:par>
+                            </p:childTnLst>
+                          </p:cTn>
+                        </p:par>
+                      </p:childTnLst>
+                    </p:cTn>
+                  </p:par>
+                </p:childTnLst>
+              </p:cTn>
+              <p:prevCondLst>
+                <p:cond evt="onPrev" delay="0">
+                  <p:tgtEl>
+                    <p:sldTgt/>
+                  </p:tgtEl>
+                </p:cond>
+              </p:prevCondLst>
+              <p:nextCondLst>
+                <p:cond evt="onNext" delay="0">
+                  <p:tgtEl>
+                    <p:sldTgt/>
+                  </p:tgtEl>
+                </p:cond>
+              </p:nextCondLst>
+            </p:seq>
+          </p:childTnLst>
+        </p:cTn>
+      </p:par>
+    </p:tnLst>
+    <p:bldLst>
+      <p:bldP spid="3" grpId="0" build="p"/>
+    </p:bldLst>
+  </p:timing>
+</p:sld>
+</file>
+
+<file path=ppt/slides/slide23.xml><?xml version="1.0" encoding="utf-8"?>
+<p:sld xmlns:a="http://schemas.openxmlformats.org/drawingml/2006/main" xmlns:r="http://schemas.openxmlformats.org/officeDocument/2006/relationships" xmlns:p="http://schemas.openxmlformats.org/presentationml/2006/main">
+  <p:cSld>
+    <p:spTree>
+      <p:nvGrpSpPr>
+        <p:cNvPr id="1" name=""/>
+        <p:cNvGrpSpPr/>
+        <p:nvPr/>
+      </p:nvGrpSpPr>
+      <p:grpSpPr/>
+      <p:sp>
+        <p:nvSpPr>
+          <p:cNvPr id="2" name="Title 1"/>
+          <p:cNvSpPr>
+            <a:spLocks noGrp="1"/>
+          </p:cNvSpPr>
+          <p:nvPr>
+            <p:ph type="title"/>
+          </p:nvPr>
+        </p:nvSpPr>
+        <p:spPr>
+          <a:xfrm>
+            <a:off x="266065" y="296545"/>
+            <a:ext cx="8279130" cy="1320800"/>
+          </a:xfrm>
+        </p:spPr>
+        <p:txBody>
+          <a:bodyPr/>
+          <a:p>
+            <a:r>
+              <a:rPr lang="en-US"/>
+              <a:t>Chains: How Entries are Organized into Chains</a:t>
+            </a:r>
+            <a:r>
+              <a:rPr lang="x-none" altLang="en-US"/>
+              <a:t>?</a:t>
+            </a:r>
+            <a:endParaRPr lang="x-none" altLang="en-US"/>
+          </a:p>
+        </p:txBody>
+      </p:sp>
+      <p:sp>
+        <p:nvSpPr>
+          <p:cNvPr id="3" name="Content Placeholder 2"/>
+          <p:cNvSpPr>
+            <a:spLocks noGrp="1"/>
+          </p:cNvSpPr>
+          <p:nvPr>
+            <p:ph idx="1"/>
+          </p:nvPr>
+        </p:nvSpPr>
+        <p:spPr>
+          <a:xfrm>
+            <a:off x="265854" y="2161224"/>
+            <a:ext cx="8596668" cy="3880773"/>
+          </a:xfrm>
+        </p:spPr>
+        <p:txBody>
+          <a:bodyPr/>
+          <a:p>
+            <a:r>
+              <a:rPr lang="x-none" altLang="en-US"/>
+              <a:t>Các Chains trong Factom là các chuỗi Entries cái phản ánh các sự kiện liên quan đến 1 ứng dụng. Những chuỗi này là cốt lõi của Bitcoin 2.0. </a:t>
+            </a:r>
+            <a:endParaRPr lang="x-none" altLang="en-US"/>
+          </a:p>
+          <a:p>
+            <a:r>
+              <a:rPr lang="x-none" altLang="en-US"/>
+              <a:t>Chains là sự diễn giải logic dữ liệu được đặt bên trong DBs và EBs. DBs chỉ ra Chains nào được updated. EBs chỉ ra Entries được updated vào Chain nào.</a:t>
+            </a:r>
+            <a:endParaRPr lang="x-none" altLang="en-US"/>
+          </a:p>
+        </p:txBody>
+      </p:sp>
+      <p:sp>
+        <p:nvSpPr>
+          <p:cNvPr id="4" name="Slide Number Placeholder 3"/>
+          <p:cNvSpPr>
+            <a:spLocks noGrp="1"/>
+          </p:cNvSpPr>
+          <p:nvPr>
+            <p:ph type="sldNum" sz="quarter" idx="12"/>
+          </p:nvPr>
+        </p:nvSpPr>
+        <p:spPr/>
+        <p:txBody>
+          <a:bodyPr/>
+          <a:p>
+            <a:fld id="{D57F1E4F-1CFF-5643-939E-217C01CDF565}" type="slidenum">
+              <a:rPr lang="en-US" dirty="0"/>
+            </a:fld>
+            <a:endParaRPr lang="en-US" dirty="0"/>
+          </a:p>
+        </p:txBody>
+      </p:sp>
+    </p:spTree>
+  </p:cSld>
+  <p:clrMapOvr>
+    <a:masterClrMapping/>
+  </p:clrMapOvr>
+  <p:transition>
+    <p:fade thruBlk="1"/>
+  </p:transition>
+  <p:timing>
+    <p:tnLst>
+      <p:par>
+        <p:cTn id="1" dur="indefinite" restart="never" nodeType="tmRoot">
+          <p:childTnLst>
+            <p:seq concurrent="1" nextAc="seek">
+              <p:cTn id="2" dur="indefinite" nodeType="mainSeq">
+                <p:childTnLst>
+                  <p:par>
+                    <p:cTn id="3" fill="hold">
+                      <p:stCondLst>
+                        <p:cond delay="indefinite"/>
+                      </p:stCondLst>
+                      <p:childTnLst>
+                        <p:par>
+                          <p:cTn id="4" fill="hold">
+                            <p:stCondLst>
+                              <p:cond delay="0"/>
+                            </p:stCondLst>
+                            <p:childTnLst>
+                              <p:par>
+                                <p:cTn id="5" presetID="10" presetClass="entr" presetSubtype="0" fill="hold" grpId="0" nodeType="clickEffect">
+                                  <p:stCondLst>
+                                    <p:cond delay="0"/>
+                                  </p:stCondLst>
+                                  <p:childTnLst>
+                                    <p:set>
+                                      <p:cBhvr>
+                                        <p:cTn id="6" dur="1" fill="hold">
+                                          <p:stCondLst>
+                                            <p:cond delay="0"/>
+                                          </p:stCondLst>
+                                        </p:cTn>
+                                        <p:tgtEl>
+                                          <p:spTgt spid="3">
+                                            <p:txEl>
+                                              <p:pRg st="0" end="0"/>
+                                            </p:txEl>
+                                          </p:spTgt>
+                                        </p:tgtEl>
+                                        <p:attrNameLst>
+                                          <p:attrName>style.visibility</p:attrName>
+                                        </p:attrNameLst>
+                                      </p:cBhvr>
+                                      <p:to>
+                                        <p:strVal val="visible"/>
+                                      </p:to>
+                                    </p:set>
+                                    <p:animEffect transition="in" filter="fade">
+                                      <p:cBhvr>
+                                        <p:cTn id="7" dur="500"/>
+                                        <p:tgtEl>
+                                          <p:spTgt spid="3">
+                                            <p:txEl>
+                                              <p:pRg st="0" end="0"/>
+                                            </p:txEl>
+                                          </p:spTgt>
+                                        </p:tgtEl>
+                                      </p:cBhvr>
+                                    </p:animEffect>
+                                  </p:childTnLst>
+                                </p:cTn>
+                              </p:par>
+                            </p:childTnLst>
+                          </p:cTn>
+                        </p:par>
+                      </p:childTnLst>
+                    </p:cTn>
+                  </p:par>
+                  <p:par>
+                    <p:cTn id="8" fill="hold">
+                      <p:stCondLst>
+                        <p:cond delay="indefinite"/>
+                      </p:stCondLst>
+                      <p:childTnLst>
+                        <p:par>
+                          <p:cTn id="9" fill="hold">
+                            <p:stCondLst>
+                              <p:cond delay="0"/>
+                            </p:stCondLst>
+                            <p:childTnLst>
+                              <p:par>
+                                <p:cTn id="10" presetID="10" presetClass="entr" presetSubtype="0" fill="hold" grpId="0" nodeType="clickEffect">
+                                  <p:stCondLst>
+                                    <p:cond delay="0"/>
+                                  </p:stCondLst>
+                                  <p:childTnLst>
+                                    <p:set>
+                                      <p:cBhvr>
+                                        <p:cTn id="11" dur="1" fill="hold">
+                                          <p:stCondLst>
+                                            <p:cond delay="0"/>
+                                          </p:stCondLst>
+                                        </p:cTn>
+                                        <p:tgtEl>
+                                          <p:spTgt spid="3">
+                                            <p:txEl>
+                                              <p:pRg st="1" end="1"/>
+                                            </p:txEl>
+                                          </p:spTgt>
+                                        </p:tgtEl>
+                                        <p:attrNameLst>
+                                          <p:attrName>style.visibility</p:attrName>
+                                        </p:attrNameLst>
+                                      </p:cBhvr>
+                                      <p:to>
+                                        <p:strVal val="visible"/>
+                                      </p:to>
+                                    </p:set>
+                                    <p:animEffect transition="in" filter="fade">
+                                      <p:cBhvr>
+                                        <p:cTn id="12" dur="500"/>
+                                        <p:tgtEl>
+                                          <p:spTgt spid="3">
+                                            <p:txEl>
+                                              <p:pRg st="1" end="1"/>
+                                            </p:txEl>
+                                          </p:spTgt>
+                                        </p:tgtEl>
+                                      </p:cBhvr>
+                                    </p:animEffect>
+                                  </p:childTnLst>
+                                </p:cTn>
+                              </p:par>
+                            </p:childTnLst>
+                          </p:cTn>
+                        </p:par>
+                      </p:childTnLst>
+                    </p:cTn>
+                  </p:par>
+                </p:childTnLst>
+              </p:cTn>
+              <p:prevCondLst>
+                <p:cond evt="onPrev" delay="0">
+                  <p:tgtEl>
+                    <p:sldTgt/>
+                  </p:tgtEl>
+                </p:cond>
+              </p:prevCondLst>
+              <p:nextCondLst>
+                <p:cond evt="onNext" delay="0">
+                  <p:tgtEl>
+                    <p:sldTgt/>
+                  </p:tgtEl>
+                </p:cond>
+              </p:nextCondLst>
+            </p:seq>
+          </p:childTnLst>
+        </p:cTn>
+      </p:par>
+    </p:tnLst>
+    <p:bldLst>
+      <p:bldP spid="3" grpId="0" build="p"/>
+    </p:bldLst>
+  </p:timing>
+</p:sld>
+</file>
+
+<file path=ppt/slides/slide24.xml><?xml version="1.0" encoding="utf-8"?>
+<p:sld xmlns:a="http://schemas.openxmlformats.org/drawingml/2006/main" xmlns:r="http://schemas.openxmlformats.org/officeDocument/2006/relationships" xmlns:p="http://schemas.openxmlformats.org/presentationml/2006/main">
+  <p:cSld>
+    <p:spTree>
+      <p:nvGrpSpPr>
+        <p:cNvPr id="1" name=""/>
+        <p:cNvGrpSpPr/>
+        <p:nvPr/>
+      </p:nvGrpSpPr>
+      <p:grpSpPr/>
+      <p:sp>
+        <p:nvSpPr>
+          <p:cNvPr id="4" name="Slide Number Placeholder 3"/>
+          <p:cNvSpPr>
+            <a:spLocks noGrp="1"/>
+          </p:cNvSpPr>
+          <p:nvPr>
+            <p:ph type="sldNum" sz="quarter" idx="12"/>
+          </p:nvPr>
+        </p:nvSpPr>
+        <p:spPr/>
+        <p:txBody>
+          <a:bodyPr/>
+          <a:p>
+            <a:fld id="{D57F1E4F-1CFF-5643-939E-217C01CDF565}" type="slidenum">
+              <a:rPr lang="en-US" dirty="0"/>
+            </a:fld>
+            <a:endParaRPr lang="en-US" dirty="0"/>
+          </a:p>
+        </p:txBody>
+      </p:sp>
+      <p:pic>
+        <p:nvPicPr>
+          <p:cNvPr id="5" name="Picture 4" descr="Whitepaper---Factom-Complete-System"/>
+          <p:cNvPicPr>
+            <a:picLocks noChangeAspect="1"/>
+          </p:cNvPicPr>
+          <p:nvPr/>
+        </p:nvPicPr>
+        <p:blipFill>
+          <a:blip r:embed="rId1"/>
+          <a:stretch>
+            <a:fillRect/>
+          </a:stretch>
+        </p:blipFill>
+        <p:spPr>
+          <a:xfrm>
+            <a:off x="456565" y="146685"/>
+            <a:ext cx="8403590" cy="6627495"/>
+          </a:xfrm>
+          <a:prstGeom prst="rect">
+            <a:avLst/>
+          </a:prstGeom>
+        </p:spPr>
+      </p:pic>
+    </p:spTree>
+  </p:cSld>
+  <p:clrMapOvr>
+    <a:masterClrMapping/>
+  </p:clrMapOvr>
+  <p:transition>
+    <p:fade thruBlk="1"/>
+  </p:transition>
+</p:sld>
+</file>
+
+<file path=ppt/slides/slide25.xml><?xml version="1.0" encoding="utf-8"?>
+<p:sld xmlns:a="http://schemas.openxmlformats.org/drawingml/2006/main" xmlns:r="http://schemas.openxmlformats.org/officeDocument/2006/relationships" xmlns:p="http://schemas.openxmlformats.org/presentationml/2006/main">
+  <p:cSld>
+    <p:spTree>
+      <p:nvGrpSpPr>
+        <p:cNvPr id="1" name=""/>
+        <p:cNvGrpSpPr/>
+        <p:nvPr/>
+      </p:nvGrpSpPr>
+      <p:grpSpPr>
+        <a:xfrm>
+          <a:off x="0" y="0"/>
+          <a:ext cx="0" cy="0"/>
+          <a:chOff x="0" y="0"/>
+          <a:chExt cx="0" cy="0"/>
+        </a:xfrm>
+      </p:grpSpPr>
+      <p:sp>
+        <p:nvSpPr>
+          <p:cNvPr id="2" name="Title 1"/>
+          <p:cNvSpPr>
+            <a:spLocks noGrp="1"/>
+          </p:cNvSpPr>
+          <p:nvPr>
+            <p:ph type="title"/>
+          </p:nvPr>
+        </p:nvSpPr>
+        <p:spPr>
+          <a:xfrm>
+            <a:off x="150495" y="196850"/>
+            <a:ext cx="10113645" cy="1320800"/>
+          </a:xfrm>
+        </p:spPr>
+        <p:txBody>
+          <a:bodyPr/>
+          <a:lstStyle/>
+          <a:p>
+            <a:r>
+              <a:rPr lang="vi-VN" dirty="0" smtClean="0"/>
+              <a:t>Factom Ecosystem </a:t>
+            </a:r>
+            <a:r>
+              <a:rPr lang="en-US" dirty="0" smtClean="0"/>
+              <a:t>–</a:t>
+            </a:r>
+            <a:r>
+              <a:rPr lang="vi-VN" dirty="0" smtClean="0"/>
+              <a:t> Hệ sinh thái</a:t>
+            </a:r>
+            <a:endParaRPr lang="en-US" dirty="0"/>
+          </a:p>
+        </p:txBody>
+      </p:sp>
+      <p:sp>
+        <p:nvSpPr>
+          <p:cNvPr id="3" name="Content Placeholder 2"/>
+          <p:cNvSpPr>
+            <a:spLocks noGrp="1"/>
+          </p:cNvSpPr>
+          <p:nvPr>
+            <p:ph idx="1"/>
+          </p:nvPr>
+        </p:nvSpPr>
+        <p:spPr>
+          <a:xfrm>
+            <a:off x="150495" y="1517650"/>
+            <a:ext cx="9569450" cy="4620260"/>
+          </a:xfrm>
+        </p:spPr>
+        <p:txBody>
+          <a:bodyPr>
+            <a:normAutofit fontScale="90000"/>
+          </a:bodyPr>
+          <a:lstStyle/>
+          <a:p>
+            <a:r>
+              <a:rPr lang="x-none" altLang="en-US" dirty="0"/>
+              <a:t>Một khi hệ thống được thiết lập, bao gồm việc phát hành các Factoids và các tài khoản người sử dụng, giá trị token được chuyển đổi giữa các người dùng, Factom và Bitcoin theo các tương tác sau:</a:t>
+            </a:r>
+            <a:endParaRPr lang="x-none" altLang="en-US" dirty="0"/>
+          </a:p>
+          <a:p>
+            <a:pPr lvl="1"/>
+            <a:r>
+              <a:rPr lang="x-none" altLang="en-US" dirty="0"/>
+              <a:t>Người sở hữu ứng dụng mua Entry Credits bằng Factoids.</a:t>
+            </a:r>
+            <a:endParaRPr lang="x-none" altLang="en-US" dirty="0"/>
+          </a:p>
+          <a:p>
+            <a:pPr lvl="1"/>
+            <a:r>
+              <a:rPr lang="x-none" altLang="en-US" dirty="0"/>
+              <a:t>Ứng dụng ghi nhận một Entry.</a:t>
+            </a:r>
+            <a:endParaRPr lang="x-none" altLang="en-US" dirty="0"/>
+          </a:p>
+          <a:p>
+            <a:pPr lvl="1"/>
+            <a:r>
+              <a:rPr lang="x-none" altLang="en-US" dirty="0"/>
+              <a:t>Các máy chủ Factom tạo ra Entry Blocks và Directory Blocks.</a:t>
+            </a:r>
+            <a:endParaRPr lang="x-none" altLang="en-US" dirty="0"/>
+          </a:p>
+          <a:p>
+            <a:pPr lvl="1"/>
+            <a:r>
+              <a:rPr lang="x-none" altLang="en-US" dirty="0"/>
+              <a:t>Factom gắn giá trị hash của Directory Block vào blockchain.</a:t>
+            </a:r>
+            <a:endParaRPr lang="x-none" altLang="en-US" dirty="0"/>
+          </a:p>
+        </p:txBody>
+      </p:sp>
+      <p:sp>
+        <p:nvSpPr>
+          <p:cNvPr id="4" name="Slide Number Placeholder 3"/>
+          <p:cNvSpPr>
+            <a:spLocks noGrp="1"/>
+          </p:cNvSpPr>
+          <p:nvPr>
+            <p:ph type="sldNum" sz="quarter" idx="12"/>
+          </p:nvPr>
+        </p:nvSpPr>
+        <p:spPr/>
+        <p:txBody>
+          <a:bodyPr/>
+          <a:lstStyle/>
+          <a:p>
+            <a:fld id="{D57F1E4F-1CFF-5643-939E-217C01CDF565}" type="slidenum">
+              <a:rPr lang="en-US" smtClean="0"/>
+            </a:fld>
+            <a:endParaRPr lang="en-US" dirty="0"/>
+          </a:p>
+        </p:txBody>
+      </p:sp>
+    </p:spTree>
+  </p:cSld>
+  <p:clrMapOvr>
+    <a:masterClrMapping/>
+  </p:clrMapOvr>
+  <p:transition>
+    <p:fade thruBlk="1"/>
+  </p:transition>
+  <p:timing>
+    <p:tnLst>
+      <p:par>
+        <p:cTn id="1" dur="indefinite" restart="never" nodeType="tmRoot">
+          <p:childTnLst>
+            <p:seq concurrent="1" nextAc="seek">
+              <p:cTn id="2" dur="indefinite" nodeType="mainSeq">
+                <p:childTnLst>
+                  <p:par>
+                    <p:cTn id="3" fill="hold">
+                      <p:stCondLst>
+                        <p:cond delay="indefinite"/>
+                      </p:stCondLst>
+                      <p:childTnLst>
+                        <p:par>
+                          <p:cTn id="4" fill="hold">
+                            <p:stCondLst>
+                              <p:cond delay="0"/>
+                            </p:stCondLst>
+                            <p:childTnLst>
+                              <p:par>
+                                <p:cTn id="5" presetID="10" presetClass="entr" presetSubtype="0" fill="hold" grpId="0" nodeType="clickEffect">
+                                  <p:stCondLst>
+                                    <p:cond delay="0"/>
+                                  </p:stCondLst>
+                                  <p:childTnLst>
+                                    <p:set>
+                                      <p:cBhvr>
+                                        <p:cTn id="6" dur="1" fill="hold">
+                                          <p:stCondLst>
+                                            <p:cond delay="0"/>
+                                          </p:stCondLst>
+                                        </p:cTn>
+                                        <p:tgtEl>
+                                          <p:spTgt spid="3">
+                                            <p:txEl>
+                                              <p:pRg st="0" end="0"/>
+                                            </p:txEl>
+                                          </p:spTgt>
+                                        </p:tgtEl>
+                                        <p:attrNameLst>
+                                          <p:attrName>style.visibility</p:attrName>
+                                        </p:attrNameLst>
+                                      </p:cBhvr>
+                                      <p:to>
+                                        <p:strVal val="visible"/>
+                                      </p:to>
+                                    </p:set>
+                                    <p:animEffect transition="in" filter="fade">
+                                      <p:cBhvr>
+                                        <p:cTn id="7" dur="500"/>
+                                        <p:tgtEl>
+                                          <p:spTgt spid="3">
+                                            <p:txEl>
+                                              <p:pRg st="0" end="0"/>
+                                            </p:txEl>
+                                          </p:spTgt>
+                                        </p:tgtEl>
+                                      </p:cBhvr>
+                                    </p:animEffect>
+                                  </p:childTnLst>
+                                </p:cTn>
+                              </p:par>
+                            </p:childTnLst>
+                          </p:cTn>
+                        </p:par>
+                      </p:childTnLst>
+                    </p:cTn>
+                  </p:par>
+                  <p:par>
+                    <p:cTn id="8" fill="hold">
+                      <p:stCondLst>
+                        <p:cond delay="indefinite"/>
+                      </p:stCondLst>
+                      <p:childTnLst>
+                        <p:par>
+                          <p:cTn id="9" fill="hold">
+                            <p:stCondLst>
+                              <p:cond delay="0"/>
+                            </p:stCondLst>
+                            <p:childTnLst>
+                              <p:par>
+                                <p:cTn id="10" presetID="10" presetClass="entr" presetSubtype="0" fill="hold" grpId="0" nodeType="clickEffect">
+                                  <p:stCondLst>
+                                    <p:cond delay="0"/>
+                                  </p:stCondLst>
+                                  <p:childTnLst>
+                                    <p:set>
+                                      <p:cBhvr>
+                                        <p:cTn id="11" dur="1" fill="hold">
+                                          <p:stCondLst>
+                                            <p:cond delay="0"/>
+                                          </p:stCondLst>
+                                        </p:cTn>
+                                        <p:tgtEl>
+                                          <p:spTgt spid="3">
+                                            <p:txEl>
+                                              <p:pRg st="1" end="1"/>
+                                            </p:txEl>
+                                          </p:spTgt>
+                                        </p:tgtEl>
+                                        <p:attrNameLst>
+                                          <p:attrName>style.visibility</p:attrName>
+                                        </p:attrNameLst>
+                                      </p:cBhvr>
+                                      <p:to>
+                                        <p:strVal val="visible"/>
+                                      </p:to>
+                                    </p:set>
+                                    <p:animEffect transition="in" filter="fade">
+                                      <p:cBhvr>
+                                        <p:cTn id="12" dur="500"/>
+                                        <p:tgtEl>
+                                          <p:spTgt spid="3">
+                                            <p:txEl>
+                                              <p:pRg st="1" end="1"/>
+                                            </p:txEl>
+                                          </p:spTgt>
+                                        </p:tgtEl>
+                                      </p:cBhvr>
+                                    </p:animEffect>
+                                  </p:childTnLst>
+                                </p:cTn>
+                              </p:par>
+                            </p:childTnLst>
+                          </p:cTn>
+                        </p:par>
+                      </p:childTnLst>
+                    </p:cTn>
+                  </p:par>
+                  <p:par>
+                    <p:cTn id="13" fill="hold">
+                      <p:stCondLst>
+                        <p:cond delay="indefinite"/>
+                      </p:stCondLst>
+                      <p:childTnLst>
+                        <p:par>
+                          <p:cTn id="14" fill="hold">
+                            <p:stCondLst>
+                              <p:cond delay="0"/>
+                            </p:stCondLst>
+                            <p:childTnLst>
+                              <p:par>
+                                <p:cTn id="15" presetID="10" presetClass="entr" presetSubtype="0" fill="hold" grpId="0" nodeType="clickEffect">
+                                  <p:stCondLst>
+                                    <p:cond delay="0"/>
+                                  </p:stCondLst>
+                                  <p:childTnLst>
+                                    <p:set>
+                                      <p:cBhvr>
+                                        <p:cTn id="16" dur="1" fill="hold">
+                                          <p:stCondLst>
+                                            <p:cond delay="0"/>
+                                          </p:stCondLst>
+                                        </p:cTn>
+                                        <p:tgtEl>
+                                          <p:spTgt spid="3">
+                                            <p:txEl>
+                                              <p:pRg st="2" end="2"/>
+                                            </p:txEl>
+                                          </p:spTgt>
+                                        </p:tgtEl>
+                                        <p:attrNameLst>
+                                          <p:attrName>style.visibility</p:attrName>
+                                        </p:attrNameLst>
+                                      </p:cBhvr>
+                                      <p:to>
+                                        <p:strVal val="visible"/>
+                                      </p:to>
+                                    </p:set>
+                                    <p:animEffect transition="in" filter="fade">
+                                      <p:cBhvr>
+                                        <p:cTn id="17" dur="500"/>
+                                        <p:tgtEl>
+                                          <p:spTgt spid="3">
+                                            <p:txEl>
+                                              <p:pRg st="2" end="2"/>
+                                            </p:txEl>
+                                          </p:spTgt>
+                                        </p:tgtEl>
+                                      </p:cBhvr>
+                                    </p:animEffect>
+                                  </p:childTnLst>
+                                </p:cTn>
+                              </p:par>
+                            </p:childTnLst>
+                          </p:cTn>
+                        </p:par>
+                      </p:childTnLst>
+                    </p:cTn>
+                  </p:par>
+                  <p:par>
+                    <p:cTn id="18" fill="hold">
+                      <p:stCondLst>
+                        <p:cond delay="indefinite"/>
+                      </p:stCondLst>
+                      <p:childTnLst>
+                        <p:par>
+                          <p:cTn id="19" fill="hold">
+                            <p:stCondLst>
+                              <p:cond delay="0"/>
+                            </p:stCondLst>
+                            <p:childTnLst>
+                              <p:par>
+                                <p:cTn id="20" presetID="10" presetClass="entr" presetSubtype="0" fill="hold" grpId="0" nodeType="clickEffect">
+                                  <p:stCondLst>
+                                    <p:cond delay="0"/>
+                                  </p:stCondLst>
+                                  <p:childTnLst>
+                                    <p:set>
+                                      <p:cBhvr>
+                                        <p:cTn id="21" dur="1" fill="hold">
+                                          <p:stCondLst>
+                                            <p:cond delay="0"/>
+                                          </p:stCondLst>
+                                        </p:cTn>
+                                        <p:tgtEl>
+                                          <p:spTgt spid="3">
+                                            <p:txEl>
+                                              <p:pRg st="3" end="3"/>
+                                            </p:txEl>
+                                          </p:spTgt>
+                                        </p:tgtEl>
+                                        <p:attrNameLst>
+                                          <p:attrName>style.visibility</p:attrName>
+                                        </p:attrNameLst>
+                                      </p:cBhvr>
+                                      <p:to>
+                                        <p:strVal val="visible"/>
+                                      </p:to>
+                                    </p:set>
+                                    <p:animEffect transition="in" filter="fade">
+                                      <p:cBhvr>
+                                        <p:cTn id="22" dur="500"/>
+                                        <p:tgtEl>
+                                          <p:spTgt spid="3">
+                                            <p:txEl>
+                                              <p:pRg st="3" end="3"/>
+                                            </p:txEl>
+                                          </p:spTgt>
+                                        </p:tgtEl>
+                                      </p:cBhvr>
+                                    </p:animEffect>
+                                  </p:childTnLst>
+                                </p:cTn>
+                              </p:par>
+                            </p:childTnLst>
+                          </p:cTn>
+                        </p:par>
+                      </p:childTnLst>
+                    </p:cTn>
+                  </p:par>
+                  <p:par>
+                    <p:cTn id="23" fill="hold">
+                      <p:stCondLst>
+                        <p:cond delay="indefinite"/>
+                      </p:stCondLst>
+                      <p:childTnLst>
+                        <p:par>
+                          <p:cTn id="24" fill="hold">
+                            <p:stCondLst>
+                              <p:cond delay="0"/>
+                            </p:stCondLst>
+                            <p:childTnLst>
+                              <p:par>
+                                <p:cTn id="25" presetID="10" presetClass="entr" presetSubtype="0" fill="hold" grpId="0" nodeType="clickEffect">
+                                  <p:stCondLst>
+                                    <p:cond delay="0"/>
+                                  </p:stCondLst>
+                                  <p:childTnLst>
+                                    <p:set>
+                                      <p:cBhvr>
+                                        <p:cTn id="26" dur="1" fill="hold">
+                                          <p:stCondLst>
+                                            <p:cond delay="0"/>
+                                          </p:stCondLst>
+                                        </p:cTn>
+                                        <p:tgtEl>
+                                          <p:spTgt spid="3">
+                                            <p:txEl>
+                                              <p:pRg st="4" end="4"/>
+                                            </p:txEl>
+                                          </p:spTgt>
+                                        </p:tgtEl>
+                                        <p:attrNameLst>
+                                          <p:attrName>style.visibility</p:attrName>
+                                        </p:attrNameLst>
+                                      </p:cBhvr>
+                                      <p:to>
+                                        <p:strVal val="visible"/>
+                                      </p:to>
+                                    </p:set>
+                                    <p:animEffect transition="in" filter="fade">
+                                      <p:cBhvr>
+                                        <p:cTn id="27" dur="500"/>
+                                        <p:tgtEl>
+                                          <p:spTgt spid="3">
+                                            <p:txEl>
+                                              <p:pRg st="4" end="4"/>
+                                            </p:txEl>
+                                          </p:spTgt>
+                                        </p:tgtEl>
+                                      </p:cBhvr>
+                                    </p:animEffect>
+                                  </p:childTnLst>
+                                </p:cTn>
+                              </p:par>
+                            </p:childTnLst>
+                          </p:cTn>
+                        </p:par>
+                      </p:childTnLst>
+                    </p:cTn>
+                  </p:par>
+                </p:childTnLst>
+              </p:cTn>
+              <p:prevCondLst>
+                <p:cond evt="onPrev" delay="0">
+                  <p:tgtEl>
+                    <p:sldTgt/>
+                  </p:tgtEl>
+                </p:cond>
+              </p:prevCondLst>
+              <p:nextCondLst>
+                <p:cond evt="onNext" delay="0">
+                  <p:tgtEl>
+                    <p:sldTgt/>
+                  </p:tgtEl>
+                </p:cond>
+              </p:nextCondLst>
+            </p:seq>
+          </p:childTnLst>
+        </p:cTn>
+      </p:par>
+    </p:tnLst>
+    <p:bldLst>
+      <p:bldP spid="3" grpId="0" uiExpand="1" build="p"/>
+    </p:bldLst>
+  </p:timing>
+</p:sld>
+</file>
+
+<file path=ppt/slides/slide26.xml><?xml version="1.0" encoding="utf-8"?>
+<p:sld xmlns:a="http://schemas.openxmlformats.org/drawingml/2006/main" xmlns:r="http://schemas.openxmlformats.org/officeDocument/2006/relationships" xmlns:p="http://schemas.openxmlformats.org/presentationml/2006/main">
+  <p:cSld>
+    <p:spTree>
+      <p:nvGrpSpPr>
+        <p:cNvPr id="1" name=""/>
+        <p:cNvGrpSpPr/>
+        <p:nvPr/>
+      </p:nvGrpSpPr>
+      <p:grpSpPr/>
+      <p:sp>
+        <p:nvSpPr>
+          <p:cNvPr id="4" name="Slide Number Placeholder 3"/>
+          <p:cNvSpPr>
+            <a:spLocks noGrp="1"/>
+          </p:cNvSpPr>
+          <p:nvPr>
+            <p:ph type="sldNum" sz="quarter" idx="12"/>
+          </p:nvPr>
+        </p:nvSpPr>
+        <p:spPr/>
+        <p:txBody>
+          <a:bodyPr/>
+          <a:p>
+            <a:fld id="{D57F1E4F-1CFF-5643-939E-217C01CDF565}" type="slidenum">
+              <a:rPr lang="en-US" dirty="0"/>
+            </a:fld>
+            <a:endParaRPr lang="en-US" dirty="0"/>
+          </a:p>
+        </p:txBody>
+      </p:sp>
+      <p:pic>
+        <p:nvPicPr>
+          <p:cNvPr id="143" name="Shape 143"/>
+          <p:cNvPicPr preferRelativeResize="0">
+            <a:picLocks noChangeAspect="1"/>
+          </p:cNvPicPr>
+          <p:nvPr>
+            <p:ph idx="1"/>
+          </p:nvPr>
+        </p:nvPicPr>
+        <p:blipFill>
+          <a:blip r:embed="rId1"/>
+          <a:stretch>
+            <a:fillRect/>
+          </a:stretch>
+        </p:blipFill>
+        <p:spPr>
+          <a:xfrm>
+            <a:off x="470535" y="518795"/>
+            <a:ext cx="9921875" cy="5690235"/>
+          </a:xfrm>
+          <a:prstGeom prst="rect">
+            <a:avLst/>
+          </a:prstGeom>
+          <a:noFill/>
+          <a:ln>
+            <a:noFill/>
+          </a:ln>
+        </p:spPr>
+      </p:pic>
+    </p:spTree>
+  </p:cSld>
+  <p:clrMapOvr>
+    <a:masterClrMapping/>
+  </p:clrMapOvr>
+  <p:transition>
+    <p:fade thruBlk="1"/>
+  </p:transition>
+</p:sld>
+</file>
+
+<file path=ppt/slides/slide27.xml><?xml version="1.0" encoding="utf-8"?>
+<p:sld xmlns:a="http://schemas.openxmlformats.org/drawingml/2006/main" xmlns:r="http://schemas.openxmlformats.org/officeDocument/2006/relationships" xmlns:p="http://schemas.openxmlformats.org/presentationml/2006/main">
+  <p:cSld>
+    <p:spTree>
+      <p:nvGrpSpPr>
+        <p:cNvPr id="1" name=""/>
+        <p:cNvGrpSpPr/>
+        <p:nvPr/>
+      </p:nvGrpSpPr>
+      <p:grpSpPr/>
+      <p:sp>
+        <p:nvSpPr>
+          <p:cNvPr id="4" name="Slide Number Placeholder 3"/>
+          <p:cNvSpPr>
+            <a:spLocks noGrp="1"/>
+          </p:cNvSpPr>
+          <p:nvPr>
+            <p:ph type="sldNum" sz="quarter" idx="12"/>
+          </p:nvPr>
+        </p:nvSpPr>
+        <p:spPr/>
+        <p:txBody>
+          <a:bodyPr/>
+          <a:p>
+            <a:fld id="{D57F1E4F-1CFF-5643-939E-217C01CDF565}" type="slidenum">
+              <a:rPr lang="en-US" dirty="0"/>
+            </a:fld>
+            <a:endParaRPr lang="en-US" dirty="0"/>
+          </a:p>
+        </p:txBody>
+      </p:sp>
+      <p:pic>
+        <p:nvPicPr>
+          <p:cNvPr id="5" name="Picture 4" descr="Whitepaper---Factom-Complete-System"/>
+          <p:cNvPicPr>
+            <a:picLocks noChangeAspect="1"/>
+          </p:cNvPicPr>
+          <p:nvPr/>
+        </p:nvPicPr>
+        <p:blipFill>
+          <a:blip r:embed="rId1"/>
+          <a:stretch>
+            <a:fillRect/>
+          </a:stretch>
+        </p:blipFill>
+        <p:spPr>
+          <a:xfrm>
+            <a:off x="456565" y="146685"/>
+            <a:ext cx="8403590" cy="6627495"/>
+          </a:xfrm>
+          <a:prstGeom prst="rect">
+            <a:avLst/>
+          </a:prstGeom>
+        </p:spPr>
+      </p:pic>
+    </p:spTree>
+  </p:cSld>
+  <p:clrMapOvr>
+    <a:masterClrMapping/>
+  </p:clrMapOvr>
+  <p:transition>
+    <p:fade thruBlk="1"/>
+  </p:transition>
+</p:sld>
+</file>
+
+<file path=ppt/slides/slide28.xml><?xml version="1.0" encoding="utf-8"?>
+<p:sld xmlns:a="http://schemas.openxmlformats.org/drawingml/2006/main" xmlns:r="http://schemas.openxmlformats.org/officeDocument/2006/relationships" xmlns:p="http://schemas.openxmlformats.org/presentationml/2006/main">
+  <p:cSld>
+    <p:spTree>
+      <p:nvGrpSpPr>
+        <p:cNvPr id="1" name=""/>
+        <p:cNvGrpSpPr/>
+        <p:nvPr/>
+      </p:nvGrpSpPr>
+      <p:grpSpPr/>
+      <p:sp>
+        <p:nvSpPr>
+          <p:cNvPr id="2" name="Title 1"/>
+          <p:cNvSpPr>
+            <a:spLocks noGrp="1"/>
+          </p:cNvSpPr>
+          <p:nvPr>
+            <p:ph type="title"/>
+          </p:nvPr>
+        </p:nvSpPr>
+        <p:spPr>
+          <a:xfrm>
+            <a:off x="217170" y="246380"/>
+            <a:ext cx="10588625" cy="1320800"/>
+          </a:xfrm>
+        </p:spPr>
+        <p:txBody>
+          <a:bodyPr/>
+          <a:p>
+            <a:r>
+              <a:rPr lang="en-US"/>
+              <a:t>Applications Validate Factom Chains</a:t>
+            </a:r>
+            <a:endParaRPr lang="en-US"/>
+          </a:p>
+        </p:txBody>
+      </p:sp>
+      <p:sp>
+        <p:nvSpPr>
+          <p:cNvPr id="3" name="Content Placeholder 2"/>
+          <p:cNvSpPr>
+            <a:spLocks noGrp="1"/>
+          </p:cNvSpPr>
+          <p:nvPr>
+            <p:ph idx="1"/>
+          </p:nvPr>
+        </p:nvSpPr>
+        <p:spPr>
+          <a:xfrm>
+            <a:off x="448310" y="1567180"/>
+            <a:ext cx="9337040" cy="4803775"/>
+          </a:xfrm>
+        </p:spPr>
+        <p:txBody>
+          <a:bodyPr>
+            <a:normAutofit fontScale="90000" lnSpcReduction="10000"/>
+          </a:bodyPr>
+          <a:p>
+            <a:pPr>
+              <a:lnSpc>
+                <a:spcPct val="150000"/>
+              </a:lnSpc>
+            </a:pPr>
+            <a:r>
+              <a:rPr lang="x-none" altLang="en-US"/>
+              <a:t>Factom không validate Entries.</a:t>
+            </a:r>
+            <a:endParaRPr lang="x-none" altLang="en-US"/>
+          </a:p>
+          <a:p>
+            <a:pPr>
+              <a:lnSpc>
+                <a:spcPct val="150000"/>
+              </a:lnSpc>
+            </a:pPr>
+            <a:r>
+              <a:rPr lang="x-none" altLang="en-US"/>
+              <a:t>Thay vào đó, E</a:t>
+            </a:r>
+            <a:r>
+              <a:rPr lang="x-none" altLang="en-US">
+                <a:sym typeface="+mn-ea"/>
+              </a:rPr>
+              <a:t>ntries </a:t>
+            </a:r>
+            <a:r>
+              <a:rPr lang="x-none" altLang="en-US"/>
+              <a:t>được valiated bởi users hoặc các ứng dụng ở phía client.</a:t>
+            </a:r>
+            <a:endParaRPr lang="x-none" altLang="en-US"/>
+          </a:p>
+          <a:p>
+            <a:pPr>
+              <a:lnSpc>
+                <a:spcPct val="150000"/>
+              </a:lnSpc>
+            </a:pPr>
+            <a:r>
+              <a:rPr lang="x-none" altLang="en-US"/>
+              <a:t>Miễn là ứng dụng hiểu được và biết các luật một Chain được tạo ra thì sự tồn tại của các Entries invalid không gây ra sự gián đoạn.</a:t>
+            </a:r>
+            <a:endParaRPr lang="x-none" altLang="en-US"/>
+          </a:p>
+          <a:p>
+            <a:pPr>
+              <a:lnSpc>
+                <a:spcPct val="150000"/>
+              </a:lnSpc>
+            </a:pPr>
+            <a:r>
+              <a:rPr lang="x-none" altLang="en-US"/>
+              <a:t>Các Entries không tuân theo luật mà ứng dụng hiểu trong một Chain có thể được ignored bởi ứng dụng.</a:t>
+            </a:r>
+            <a:endParaRPr lang="x-none" altLang="en-US"/>
+          </a:p>
+        </p:txBody>
+      </p:sp>
+      <p:sp>
+        <p:nvSpPr>
+          <p:cNvPr id="4" name="Slide Number Placeholder 3"/>
+          <p:cNvSpPr>
+            <a:spLocks noGrp="1"/>
+          </p:cNvSpPr>
+          <p:nvPr>
+            <p:ph type="sldNum" sz="quarter" idx="12"/>
+          </p:nvPr>
+        </p:nvSpPr>
+        <p:spPr/>
+        <p:txBody>
+          <a:bodyPr/>
+          <a:p>
+            <a:fld id="{D57F1E4F-1CFF-5643-939E-217C01CDF565}" type="slidenum">
+              <a:rPr lang="en-US" dirty="0"/>
+            </a:fld>
+            <a:endParaRPr lang="en-US" dirty="0"/>
+          </a:p>
+        </p:txBody>
+      </p:sp>
+    </p:spTree>
+  </p:cSld>
+  <p:clrMapOvr>
+    <a:masterClrMapping/>
+  </p:clrMapOvr>
+  <p:transition>
+    <p:fade thruBlk="1"/>
+  </p:transition>
+  <p:timing>
+    <p:tnLst>
+      <p:par>
+        <p:cTn id="1" dur="indefinite" restart="never" nodeType="tmRoot">
+          <p:childTnLst>
+            <p:seq concurrent="1" nextAc="seek">
+              <p:cTn id="2" dur="indefinite" nodeType="mainSeq">
+                <p:childTnLst>
+                  <p:par>
+                    <p:cTn id="3" fill="hold">
+                      <p:stCondLst>
+                        <p:cond delay="indefinite"/>
+                      </p:stCondLst>
+                      <p:childTnLst>
+                        <p:par>
+                          <p:cTn id="4" fill="hold">
+                            <p:stCondLst>
+                              <p:cond delay="0"/>
+                            </p:stCondLst>
+                            <p:childTnLst>
+                              <p:par>
+                                <p:cTn id="5" presetID="10" presetClass="entr" presetSubtype="0" fill="hold" grpId="0" nodeType="clickEffect">
+                                  <p:stCondLst>
+                                    <p:cond delay="0"/>
+                                  </p:stCondLst>
+                                  <p:childTnLst>
+                                    <p:set>
+                                      <p:cBhvr>
+                                        <p:cTn id="6" dur="1" fill="hold">
+                                          <p:stCondLst>
+                                            <p:cond delay="0"/>
+                                          </p:stCondLst>
+                                        </p:cTn>
+                                        <p:tgtEl>
+                                          <p:spTgt spid="3">
+                                            <p:txEl>
+                                              <p:pRg st="0" end="0"/>
+                                            </p:txEl>
+                                          </p:spTgt>
+                                        </p:tgtEl>
+                                        <p:attrNameLst>
+                                          <p:attrName>style.visibility</p:attrName>
+                                        </p:attrNameLst>
+                                      </p:cBhvr>
+                                      <p:to>
+                                        <p:strVal val="visible"/>
+                                      </p:to>
+                                    </p:set>
+                                    <p:animEffect transition="in" filter="fade">
+                                      <p:cBhvr>
+                                        <p:cTn id="7" dur="500"/>
+                                        <p:tgtEl>
+                                          <p:spTgt spid="3">
+                                            <p:txEl>
+                                              <p:pRg st="0" end="0"/>
+                                            </p:txEl>
+                                          </p:spTgt>
+                                        </p:tgtEl>
+                                      </p:cBhvr>
+                                    </p:animEffect>
+                                  </p:childTnLst>
+                                </p:cTn>
+                              </p:par>
+                            </p:childTnLst>
+                          </p:cTn>
+                        </p:par>
+                      </p:childTnLst>
+                    </p:cTn>
+                  </p:par>
+                  <p:par>
+                    <p:cTn id="8" fill="hold">
+                      <p:stCondLst>
+                        <p:cond delay="indefinite"/>
+                      </p:stCondLst>
+                      <p:childTnLst>
+                        <p:par>
+                          <p:cTn id="9" fill="hold">
+                            <p:stCondLst>
+                              <p:cond delay="0"/>
+                            </p:stCondLst>
+                            <p:childTnLst>
+                              <p:par>
+                                <p:cTn id="10" presetID="10" presetClass="entr" presetSubtype="0" fill="hold" grpId="0" nodeType="clickEffect">
+                                  <p:stCondLst>
+                                    <p:cond delay="0"/>
+                                  </p:stCondLst>
+                                  <p:childTnLst>
+                                    <p:set>
+                                      <p:cBhvr>
+                                        <p:cTn id="11" dur="1" fill="hold">
+                                          <p:stCondLst>
+                                            <p:cond delay="0"/>
+                                          </p:stCondLst>
+                                        </p:cTn>
+                                        <p:tgtEl>
+                                          <p:spTgt spid="3">
+                                            <p:txEl>
+                                              <p:pRg st="1" end="1"/>
+                                            </p:txEl>
+                                          </p:spTgt>
+                                        </p:tgtEl>
+                                        <p:attrNameLst>
+                                          <p:attrName>style.visibility</p:attrName>
+                                        </p:attrNameLst>
+                                      </p:cBhvr>
+                                      <p:to>
+                                        <p:strVal val="visible"/>
+                                      </p:to>
+                                    </p:set>
+                                    <p:animEffect transition="in" filter="fade">
+                                      <p:cBhvr>
+                                        <p:cTn id="12" dur="500"/>
+                                        <p:tgtEl>
+                                          <p:spTgt spid="3">
+                                            <p:txEl>
+                                              <p:pRg st="1" end="1"/>
+                                            </p:txEl>
+                                          </p:spTgt>
+                                        </p:tgtEl>
+                                      </p:cBhvr>
+                                    </p:animEffect>
+                                  </p:childTnLst>
+                                </p:cTn>
+                              </p:par>
+                            </p:childTnLst>
+                          </p:cTn>
+                        </p:par>
+                      </p:childTnLst>
+                    </p:cTn>
+                  </p:par>
+                  <p:par>
+                    <p:cTn id="13" fill="hold">
+                      <p:stCondLst>
+                        <p:cond delay="indefinite"/>
+                      </p:stCondLst>
+                      <p:childTnLst>
+                        <p:par>
+                          <p:cTn id="14" fill="hold">
+                            <p:stCondLst>
+                              <p:cond delay="0"/>
+                            </p:stCondLst>
+                            <p:childTnLst>
+                              <p:par>
+                                <p:cTn id="15" presetID="10" presetClass="entr" presetSubtype="0" fill="hold" grpId="0" nodeType="clickEffect">
+                                  <p:stCondLst>
+                                    <p:cond delay="0"/>
+                                  </p:stCondLst>
+                                  <p:childTnLst>
+                                    <p:set>
+                                      <p:cBhvr>
+                                        <p:cTn id="16" dur="1" fill="hold">
+                                          <p:stCondLst>
+                                            <p:cond delay="0"/>
+                                          </p:stCondLst>
+                                        </p:cTn>
+                                        <p:tgtEl>
+                                          <p:spTgt spid="3">
+                                            <p:txEl>
+                                              <p:pRg st="2" end="2"/>
+                                            </p:txEl>
+                                          </p:spTgt>
+                                        </p:tgtEl>
+                                        <p:attrNameLst>
+                                          <p:attrName>style.visibility</p:attrName>
+                                        </p:attrNameLst>
+                                      </p:cBhvr>
+                                      <p:to>
+                                        <p:strVal val="visible"/>
+                                      </p:to>
+                                    </p:set>
+                                    <p:animEffect transition="in" filter="fade">
+                                      <p:cBhvr>
+                                        <p:cTn id="17" dur="500"/>
+                                        <p:tgtEl>
+                                          <p:spTgt spid="3">
+                                            <p:txEl>
+                                              <p:pRg st="2" end="2"/>
+                                            </p:txEl>
+                                          </p:spTgt>
+                                        </p:tgtEl>
+                                      </p:cBhvr>
+                                    </p:animEffect>
+                                  </p:childTnLst>
+                                </p:cTn>
+                              </p:par>
+                            </p:childTnLst>
+                          </p:cTn>
+                        </p:par>
+                      </p:childTnLst>
+                    </p:cTn>
+                  </p:par>
+                  <p:par>
+                    <p:cTn id="18" fill="hold">
+                      <p:stCondLst>
+                        <p:cond delay="indefinite"/>
+                      </p:stCondLst>
+                      <p:childTnLst>
+                        <p:par>
+                          <p:cTn id="19" fill="hold">
+                            <p:stCondLst>
+                              <p:cond delay="0"/>
+                            </p:stCondLst>
+                            <p:childTnLst>
+                              <p:par>
+                                <p:cTn id="20" presetID="10" presetClass="entr" presetSubtype="0" fill="hold" grpId="0" nodeType="clickEffect">
+                                  <p:stCondLst>
+                                    <p:cond delay="0"/>
+                                  </p:stCondLst>
+                                  <p:childTnLst>
+                                    <p:set>
+                                      <p:cBhvr>
+                                        <p:cTn id="21" dur="1" fill="hold">
+                                          <p:stCondLst>
+                                            <p:cond delay="0"/>
+                                          </p:stCondLst>
+                                        </p:cTn>
+                                        <p:tgtEl>
+                                          <p:spTgt spid="3">
+                                            <p:txEl>
+                                              <p:pRg st="3" end="3"/>
+                                            </p:txEl>
+                                          </p:spTgt>
+                                        </p:tgtEl>
+                                        <p:attrNameLst>
+                                          <p:attrName>style.visibility</p:attrName>
+                                        </p:attrNameLst>
+                                      </p:cBhvr>
+                                      <p:to>
+                                        <p:strVal val="visible"/>
+                                      </p:to>
+                                    </p:set>
+                                    <p:animEffect transition="in" filter="fade">
+                                      <p:cBhvr>
+                                        <p:cTn id="22" dur="500"/>
+                                        <p:tgtEl>
+                                          <p:spTgt spid="3">
+                                            <p:txEl>
+                                              <p:pRg st="3" end="3"/>
+                                            </p:txEl>
+                                          </p:spTgt>
+                                        </p:tgtEl>
+                                      </p:cBhvr>
+                                    </p:animEffect>
+                                  </p:childTnLst>
+                                </p:cTn>
+                              </p:par>
+                            </p:childTnLst>
+                          </p:cTn>
+                        </p:par>
+                      </p:childTnLst>
+                    </p:cTn>
+                  </p:par>
+                </p:childTnLst>
+              </p:cTn>
+              <p:prevCondLst>
+                <p:cond evt="onPrev" delay="0">
+                  <p:tgtEl>
+                    <p:sldTgt/>
+                  </p:tgtEl>
+                </p:cond>
+              </p:prevCondLst>
+              <p:nextCondLst>
+                <p:cond evt="onNext" delay="0">
+                  <p:tgtEl>
+                    <p:sldTgt/>
+                  </p:tgtEl>
+                </p:cond>
+              </p:nextCondLst>
+            </p:seq>
+          </p:childTnLst>
+        </p:cTn>
+      </p:par>
+    </p:tnLst>
+    <p:bldLst>
+      <p:bldP spid="3" grpId="0" build="p"/>
+    </p:bldLst>
+  </p:timing>
+</p:sld>
+</file>
+
+<file path=ppt/slides/slide29.xml><?xml version="1.0" encoding="utf-8"?>
 <p:sld xmlns:a="http://schemas.openxmlformats.org/drawingml/2006/main" xmlns:r="http://schemas.openxmlformats.org/officeDocument/2006/relationships" xmlns:p="http://schemas.openxmlformats.org/presentationml/2006/main">
   <p:cSld>
     <p:spTree>
@@ -13988,7 +17312,538 @@
 </p:sld>
 </file>
 
-<file path=ppt/slides/slide21.xml><?xml version="1.0" encoding="utf-8"?>
+<file path=ppt/slides/slide3.xml><?xml version="1.0" encoding="utf-8"?>
+<p:sld xmlns:a="http://schemas.openxmlformats.org/drawingml/2006/main" xmlns:r="http://schemas.openxmlformats.org/officeDocument/2006/relationships" xmlns:p="http://schemas.openxmlformats.org/presentationml/2006/main">
+  <p:cSld>
+    <p:spTree>
+      <p:nvGrpSpPr>
+        <p:cNvPr id="1" name=""/>
+        <p:cNvGrpSpPr/>
+        <p:nvPr/>
+      </p:nvGrpSpPr>
+      <p:grpSpPr>
+        <a:xfrm>
+          <a:off x="0" y="0"/>
+          <a:ext cx="0" cy="0"/>
+          <a:chOff x="0" y="0"/>
+          <a:chExt cx="0" cy="0"/>
+        </a:xfrm>
+      </p:grpSpPr>
+      <p:sp>
+        <p:nvSpPr>
+          <p:cNvPr id="2" name="Title 1"/>
+          <p:cNvSpPr>
+            <a:spLocks noGrp="1"/>
+          </p:cNvSpPr>
+          <p:nvPr>
+            <p:ph type="title"/>
+          </p:nvPr>
+        </p:nvSpPr>
+        <p:spPr>
+          <a:xfrm>
+            <a:off x="336550" y="314960"/>
+            <a:ext cx="10164445" cy="1320800"/>
+          </a:xfrm>
+        </p:spPr>
+        <p:txBody>
+          <a:bodyPr/>
+          <a:lstStyle/>
+          <a:p>
+            <a:r>
+              <a:rPr lang="vi-VN" dirty="0" smtClean="0">
+                <a:sym typeface="+mn-ea"/>
+              </a:rPr>
+              <a:t>Động lực </a:t>
+            </a:r>
+            <a:r>
+              <a:rPr lang="x-none" altLang="vi-VN" dirty="0" smtClean="0">
+                <a:sym typeface="+mn-ea"/>
+              </a:rPr>
+              <a:t>phát triển và mục tiêu thiết kế</a:t>
+            </a:r>
+            <a:endParaRPr lang="en-US" dirty="0"/>
+          </a:p>
+        </p:txBody>
+      </p:sp>
+      <p:sp>
+        <p:nvSpPr>
+          <p:cNvPr id="4" name="Slide Number Placeholder 3"/>
+          <p:cNvSpPr>
+            <a:spLocks noGrp="1"/>
+          </p:cNvSpPr>
+          <p:nvPr>
+            <p:ph type="sldNum" sz="quarter" idx="12"/>
+          </p:nvPr>
+        </p:nvSpPr>
+        <p:spPr/>
+        <p:txBody>
+          <a:bodyPr/>
+          <a:lstStyle/>
+          <a:p>
+            <a:fld id="{D57F1E4F-1CFF-5643-939E-217C01CDF565}" type="slidenum">
+              <a:rPr lang="en-US" smtClean="0"/>
+            </a:fld>
+            <a:endParaRPr lang="en-US" dirty="0"/>
+          </a:p>
+        </p:txBody>
+      </p:sp>
+      <p:pic>
+        <p:nvPicPr>
+          <p:cNvPr id="5" name="Picture 4"/>
+          <p:cNvPicPr>
+            <a:picLocks noChangeAspect="1"/>
+          </p:cNvPicPr>
+          <p:nvPr/>
+        </p:nvPicPr>
+        <p:blipFill>
+          <a:blip r:embed="rId1">
+            <a:extLst>
+              <a:ext uri="{28A0092B-C50C-407E-A947-70E740481C1C}">
+                <a14:useLocalDpi xmlns:a14="http://schemas.microsoft.com/office/drawing/2010/main" val="0"/>
+              </a:ext>
+            </a:extLst>
+          </a:blip>
+          <a:stretch>
+            <a:fillRect/>
+          </a:stretch>
+        </p:blipFill>
+        <p:spPr>
+          <a:xfrm>
+            <a:off x="497068" y="1377614"/>
+            <a:ext cx="3321743" cy="1860176"/>
+          </a:xfrm>
+          <a:prstGeom prst="rect">
+            <a:avLst/>
+          </a:prstGeom>
+        </p:spPr>
+      </p:pic>
+      <p:pic>
+        <p:nvPicPr>
+          <p:cNvPr id="6" name="Picture 5"/>
+          <p:cNvPicPr>
+            <a:picLocks noChangeAspect="1"/>
+          </p:cNvPicPr>
+          <p:nvPr/>
+        </p:nvPicPr>
+        <p:blipFill>
+          <a:blip r:embed="rId2">
+            <a:extLst>
+              <a:ext uri="{28A0092B-C50C-407E-A947-70E740481C1C}">
+                <a14:useLocalDpi xmlns:a14="http://schemas.microsoft.com/office/drawing/2010/main" val="0"/>
+              </a:ext>
+            </a:extLst>
+          </a:blip>
+          <a:stretch>
+            <a:fillRect/>
+          </a:stretch>
+        </p:blipFill>
+        <p:spPr>
+          <a:xfrm>
+            <a:off x="4904887" y="1377614"/>
+            <a:ext cx="3384190" cy="1931092"/>
+          </a:xfrm>
+          <a:prstGeom prst="rect">
+            <a:avLst/>
+          </a:prstGeom>
+        </p:spPr>
+      </p:pic>
+      <p:pic>
+        <p:nvPicPr>
+          <p:cNvPr id="7" name="Picture 6"/>
+          <p:cNvPicPr>
+            <a:picLocks noChangeAspect="1"/>
+          </p:cNvPicPr>
+          <p:nvPr/>
+        </p:nvPicPr>
+        <p:blipFill>
+          <a:blip r:embed="rId3">
+            <a:extLst>
+              <a:ext uri="{28A0092B-C50C-407E-A947-70E740481C1C}">
+                <a14:useLocalDpi xmlns:a14="http://schemas.microsoft.com/office/drawing/2010/main" val="0"/>
+              </a:ext>
+            </a:extLst>
+          </a:blip>
+          <a:stretch>
+            <a:fillRect/>
+          </a:stretch>
+        </p:blipFill>
+        <p:spPr>
+          <a:xfrm>
+            <a:off x="497068" y="4029216"/>
+            <a:ext cx="2705834" cy="1544007"/>
+          </a:xfrm>
+          <a:prstGeom prst="rect">
+            <a:avLst/>
+          </a:prstGeom>
+        </p:spPr>
+      </p:pic>
+      <p:pic>
+        <p:nvPicPr>
+          <p:cNvPr id="9" name="Picture 8"/>
+          <p:cNvPicPr>
+            <a:picLocks noChangeAspect="1"/>
+          </p:cNvPicPr>
+          <p:nvPr/>
+        </p:nvPicPr>
+        <p:blipFill>
+          <a:blip r:embed="rId4">
+            <a:extLst>
+              <a:ext uri="{28A0092B-C50C-407E-A947-70E740481C1C}">
+                <a14:useLocalDpi xmlns:a14="http://schemas.microsoft.com/office/drawing/2010/main" val="0"/>
+              </a:ext>
+            </a:extLst>
+          </a:blip>
+          <a:stretch>
+            <a:fillRect/>
+          </a:stretch>
+        </p:blipFill>
+        <p:spPr>
+          <a:xfrm>
+            <a:off x="3604845" y="4016610"/>
+            <a:ext cx="1601667" cy="1544007"/>
+          </a:xfrm>
+          <a:prstGeom prst="rect">
+            <a:avLst/>
+          </a:prstGeom>
+        </p:spPr>
+      </p:pic>
+      <p:pic>
+        <p:nvPicPr>
+          <p:cNvPr id="10" name="Picture 9"/>
+          <p:cNvPicPr>
+            <a:picLocks noChangeAspect="1"/>
+          </p:cNvPicPr>
+          <p:nvPr/>
+        </p:nvPicPr>
+        <p:blipFill>
+          <a:blip r:embed="rId5">
+            <a:extLst>
+              <a:ext uri="{28A0092B-C50C-407E-A947-70E740481C1C}">
+                <a14:useLocalDpi xmlns:a14="http://schemas.microsoft.com/office/drawing/2010/main" val="0"/>
+              </a:ext>
+            </a:extLst>
+          </a:blip>
+          <a:stretch>
+            <a:fillRect/>
+          </a:stretch>
+        </p:blipFill>
+        <p:spPr>
+          <a:xfrm>
+            <a:off x="5603159" y="3934282"/>
+            <a:ext cx="2987543" cy="1708665"/>
+          </a:xfrm>
+          <a:prstGeom prst="rect">
+            <a:avLst/>
+          </a:prstGeom>
+        </p:spPr>
+      </p:pic>
+    </p:spTree>
+  </p:cSld>
+  <p:clrMapOvr>
+    <a:masterClrMapping/>
+  </p:clrMapOvr>
+  <p:transition>
+    <p:fade/>
+  </p:transition>
+  <p:timing>
+    <p:tnLst>
+      <p:par>
+        <p:cTn id="1" dur="indefinite" restart="never" nodeType="tmRoot">
+          <p:childTnLst>
+            <p:seq concurrent="1" nextAc="seek">
+              <p:cTn id="2" dur="indefinite" nodeType="mainSeq">
+                <p:childTnLst>
+                  <p:par>
+                    <p:cTn id="3" fill="hold">
+                      <p:stCondLst>
+                        <p:cond delay="indefinite"/>
+                      </p:stCondLst>
+                      <p:childTnLst>
+                        <p:par>
+                          <p:cTn id="4" fill="hold">
+                            <p:stCondLst>
+                              <p:cond delay="0"/>
+                            </p:stCondLst>
+                            <p:childTnLst>
+                              <p:par>
+                                <p:cTn id="5" presetID="10" presetClass="entr" presetSubtype="0" fill="hold" nodeType="clickEffect">
+                                  <p:stCondLst>
+                                    <p:cond delay="0"/>
+                                  </p:stCondLst>
+                                  <p:childTnLst>
+                                    <p:set>
+                                      <p:cBhvr>
+                                        <p:cTn id="6" dur="1" fill="hold">
+                                          <p:stCondLst>
+                                            <p:cond delay="0"/>
+                                          </p:stCondLst>
+                                        </p:cTn>
+                                        <p:tgtEl>
+                                          <p:spTgt spid="5"/>
+                                        </p:tgtEl>
+                                        <p:attrNameLst>
+                                          <p:attrName>style.visibility</p:attrName>
+                                        </p:attrNameLst>
+                                      </p:cBhvr>
+                                      <p:to>
+                                        <p:strVal val="visible"/>
+                                      </p:to>
+                                    </p:set>
+                                    <p:animEffect transition="in" filter="fade">
+                                      <p:cBhvr>
+                                        <p:cTn id="7" dur="500"/>
+                                        <p:tgtEl>
+                                          <p:spTgt spid="5"/>
+                                        </p:tgtEl>
+                                      </p:cBhvr>
+                                    </p:animEffect>
+                                  </p:childTnLst>
+                                </p:cTn>
+                              </p:par>
+                            </p:childTnLst>
+                          </p:cTn>
+                        </p:par>
+                      </p:childTnLst>
+                    </p:cTn>
+                  </p:par>
+                  <p:par>
+                    <p:cTn id="8" fill="hold">
+                      <p:stCondLst>
+                        <p:cond delay="indefinite"/>
+                      </p:stCondLst>
+                      <p:childTnLst>
+                        <p:par>
+                          <p:cTn id="9" fill="hold">
+                            <p:stCondLst>
+                              <p:cond delay="0"/>
+                            </p:stCondLst>
+                            <p:childTnLst>
+                              <p:par>
+                                <p:cTn id="10" presetID="10" presetClass="entr" presetSubtype="0" fill="hold" nodeType="clickEffect">
+                                  <p:stCondLst>
+                                    <p:cond delay="0"/>
+                                  </p:stCondLst>
+                                  <p:childTnLst>
+                                    <p:set>
+                                      <p:cBhvr>
+                                        <p:cTn id="11" dur="1" fill="hold">
+                                          <p:stCondLst>
+                                            <p:cond delay="0"/>
+                                          </p:stCondLst>
+                                        </p:cTn>
+                                        <p:tgtEl>
+                                          <p:spTgt spid="6"/>
+                                        </p:tgtEl>
+                                        <p:attrNameLst>
+                                          <p:attrName>style.visibility</p:attrName>
+                                        </p:attrNameLst>
+                                      </p:cBhvr>
+                                      <p:to>
+                                        <p:strVal val="visible"/>
+                                      </p:to>
+                                    </p:set>
+                                    <p:animEffect transition="in" filter="fade">
+                                      <p:cBhvr>
+                                        <p:cTn id="12" dur="500"/>
+                                        <p:tgtEl>
+                                          <p:spTgt spid="6"/>
+                                        </p:tgtEl>
+                                      </p:cBhvr>
+                                    </p:animEffect>
+                                  </p:childTnLst>
+                                </p:cTn>
+                              </p:par>
+                            </p:childTnLst>
+                          </p:cTn>
+                        </p:par>
+                      </p:childTnLst>
+                    </p:cTn>
+                  </p:par>
+                  <p:par>
+                    <p:cTn id="13" fill="hold">
+                      <p:stCondLst>
+                        <p:cond delay="indefinite"/>
+                      </p:stCondLst>
+                      <p:childTnLst>
+                        <p:par>
+                          <p:cTn id="14" fill="hold">
+                            <p:stCondLst>
+                              <p:cond delay="0"/>
+                            </p:stCondLst>
+                            <p:childTnLst>
+                              <p:par>
+                                <p:cTn id="15" presetID="10" presetClass="entr" presetSubtype="0" fill="hold" nodeType="clickEffect">
+                                  <p:stCondLst>
+                                    <p:cond delay="0"/>
+                                  </p:stCondLst>
+                                  <p:childTnLst>
+                                    <p:set>
+                                      <p:cBhvr>
+                                        <p:cTn id="16" dur="1" fill="hold">
+                                          <p:stCondLst>
+                                            <p:cond delay="0"/>
+                                          </p:stCondLst>
+                                        </p:cTn>
+                                        <p:tgtEl>
+                                          <p:spTgt spid="7"/>
+                                        </p:tgtEl>
+                                        <p:attrNameLst>
+                                          <p:attrName>style.visibility</p:attrName>
+                                        </p:attrNameLst>
+                                      </p:cBhvr>
+                                      <p:to>
+                                        <p:strVal val="visible"/>
+                                      </p:to>
+                                    </p:set>
+                                    <p:animEffect transition="in" filter="fade">
+                                      <p:cBhvr>
+                                        <p:cTn id="17" dur="500"/>
+                                        <p:tgtEl>
+                                          <p:spTgt spid="7"/>
+                                        </p:tgtEl>
+                                      </p:cBhvr>
+                                    </p:animEffect>
+                                  </p:childTnLst>
+                                </p:cTn>
+                              </p:par>
+                            </p:childTnLst>
+                          </p:cTn>
+                        </p:par>
+                      </p:childTnLst>
+                    </p:cTn>
+                  </p:par>
+                  <p:par>
+                    <p:cTn id="18" fill="hold">
+                      <p:stCondLst>
+                        <p:cond delay="indefinite"/>
+                      </p:stCondLst>
+                      <p:childTnLst>
+                        <p:par>
+                          <p:cTn id="19" fill="hold">
+                            <p:stCondLst>
+                              <p:cond delay="0"/>
+                            </p:stCondLst>
+                            <p:childTnLst>
+                              <p:par>
+                                <p:cTn id="20" presetID="10" presetClass="entr" presetSubtype="0" fill="hold" nodeType="clickEffect">
+                                  <p:stCondLst>
+                                    <p:cond delay="0"/>
+                                  </p:stCondLst>
+                                  <p:childTnLst>
+                                    <p:set>
+                                      <p:cBhvr>
+                                        <p:cTn id="21" dur="1" fill="hold">
+                                          <p:stCondLst>
+                                            <p:cond delay="0"/>
+                                          </p:stCondLst>
+                                        </p:cTn>
+                                        <p:tgtEl>
+                                          <p:spTgt spid="9"/>
+                                        </p:tgtEl>
+                                        <p:attrNameLst>
+                                          <p:attrName>style.visibility</p:attrName>
+                                        </p:attrNameLst>
+                                      </p:cBhvr>
+                                      <p:to>
+                                        <p:strVal val="visible"/>
+                                      </p:to>
+                                    </p:set>
+                                    <p:animEffect transition="in" filter="fade">
+                                      <p:cBhvr>
+                                        <p:cTn id="22" dur="500"/>
+                                        <p:tgtEl>
+                                          <p:spTgt spid="9"/>
+                                        </p:tgtEl>
+                                      </p:cBhvr>
+                                    </p:animEffect>
+                                  </p:childTnLst>
+                                </p:cTn>
+                              </p:par>
+                            </p:childTnLst>
+                          </p:cTn>
+                        </p:par>
+                      </p:childTnLst>
+                    </p:cTn>
+                  </p:par>
+                  <p:par>
+                    <p:cTn id="23" fill="hold">
+                      <p:stCondLst>
+                        <p:cond delay="indefinite"/>
+                      </p:stCondLst>
+                      <p:childTnLst>
+                        <p:par>
+                          <p:cTn id="24" fill="hold">
+                            <p:stCondLst>
+                              <p:cond delay="0"/>
+                            </p:stCondLst>
+                            <p:childTnLst>
+                              <p:par>
+                                <p:cTn id="25" presetID="10" presetClass="entr" presetSubtype="0" fill="hold" nodeType="clickEffect">
+                                  <p:stCondLst>
+                                    <p:cond delay="0"/>
+                                  </p:stCondLst>
+                                  <p:childTnLst>
+                                    <p:set>
+                                      <p:cBhvr>
+                                        <p:cTn id="26" dur="1" fill="hold">
+                                          <p:stCondLst>
+                                            <p:cond delay="0"/>
+                                          </p:stCondLst>
+                                        </p:cTn>
+                                        <p:tgtEl>
+                                          <p:spTgt spid="10"/>
+                                        </p:tgtEl>
+                                        <p:attrNameLst>
+                                          <p:attrName>style.visibility</p:attrName>
+                                        </p:attrNameLst>
+                                      </p:cBhvr>
+                                      <p:to>
+                                        <p:strVal val="visible"/>
+                                      </p:to>
+                                    </p:set>
+                                    <p:animEffect transition="in" filter="fade">
+                                      <p:cBhvr>
+                                        <p:cTn id="27" dur="500"/>
+                                        <p:tgtEl>
+                                          <p:spTgt spid="10"/>
+                                        </p:tgtEl>
+                                      </p:cBhvr>
+                                    </p:animEffect>
+                                  </p:childTnLst>
+                                </p:cTn>
+                              </p:par>
+                            </p:childTnLst>
+                          </p:cTn>
+                        </p:par>
+                      </p:childTnLst>
+                    </p:cTn>
+                  </p:par>
+                </p:childTnLst>
+              </p:cTn>
+              <p:prevCondLst>
+                <p:cond evt="onPrev" delay="0">
+                  <p:tgtEl>
+                    <p:sldTgt/>
+                  </p:tgtEl>
+                </p:cond>
+              </p:prevCondLst>
+              <p:nextCondLst>
+                <p:cond evt="onNext" delay="0">
+                  <p:tgtEl>
+                    <p:sldTgt/>
+                  </p:tgtEl>
+                </p:cond>
+              </p:nextCondLst>
+            </p:seq>
+          </p:childTnLst>
+        </p:cTn>
+      </p:par>
+    </p:tnLst>
+  </p:timing>
+</p:sld>
+</file>
+
+<file path=ppt/slides/slide30.xml><?xml version="1.0" encoding="utf-8"?>
 <p:sld xmlns:a="http://schemas.openxmlformats.org/drawingml/2006/main" xmlns:r="http://schemas.openxmlformats.org/officeDocument/2006/relationships" xmlns:p="http://schemas.openxmlformats.org/presentationml/2006/main">
   <p:cSld>
     <p:spTree>
@@ -14047,19 +17902,7 @@
               <a:rPr lang="x-none" altLang="en-US" sz="2000">
                 <a:sym typeface="+mn-ea"/>
               </a:rPr>
-              <a:t>Việc thực thi các tập luật diễn ra hiệu quả. Khi mạng lưới phân tán phải thực thi tập luật validate của bạn, việc validation yêu cầu tất cả các node phải thực hiện. Còn việc vaidate ở phía client chỉ yêu cầu hệ thống quan tâm đến các luật đó để thực thi chúng. Factom cho phép 1 Chain tự định nghĩa các luật của nó trong bất kì ngôn ngữ nào, chạy trên bất kì nền tảng nào</a:t>
-            </a:r>
-            <a:r>
-              <a:rPr lang="x-none" altLang="en-US" sz="2000">
-                <a:sym typeface="+mn-ea"/>
-              </a:rPr>
-              <a:t> mà người thiết kế lựa chọn</a:t>
-            </a:r>
-            <a:r>
-              <a:rPr lang="x-none" altLang="en-US" sz="2000">
-                <a:sym typeface="+mn-ea"/>
-              </a:rPr>
-              <a:t>, và sử dụng bất kì dữ liệu nào bên ngoài. Không có những quyết định nào trên một ứng dụng lại ảnh hưởng đến 1 ứng dụng khác.</a:t>
+              <a:t>Việc thực thi các tập luật diễn ra hiệu quả. Khi mạng lưới phân tán phải thực thi tập luật validate của bạn, việc validation yêu cầu tất cả các node phải thực hiện. Còn việc vaidate ở phía client chỉ yêu cầu hệ thống quan tâm đến các luật đó để thực thi chúng. Factom cho phép 1 Chain tự định nghĩa các luật của nó trong bất kì ngôn ngữ nào, chạy trên bất kì nền tảng nào mà người thiết kế lựa chọn, và sử dụng bất kì dữ liệu nào bên ngoài. Không có những quyết định nào trên một ứng dụng lại ảnh hưởng đến 1 ứng dụng khác.</a:t>
             </a:r>
             <a:endParaRPr lang="x-none" altLang="en-US" sz="2000">
               <a:sym typeface="+mn-ea"/>
@@ -14478,7 +18321,7 @@
 </p:sld>
 </file>
 
-<file path=ppt/slides/slide22.xml><?xml version="1.0" encoding="utf-8"?>
+<file path=ppt/slides/slide31.xml><?xml version="1.0" encoding="utf-8"?>
 <p:sld xmlns:a="http://schemas.openxmlformats.org/drawingml/2006/main" xmlns:r="http://schemas.openxmlformats.org/officeDocument/2006/relationships" xmlns:p="http://schemas.openxmlformats.org/presentationml/2006/main">
   <p:cSld>
     <p:spTree>
@@ -14879,7 +18722,7 @@
 </p:sld>
 </file>
 
-<file path=ppt/slides/slide23.xml><?xml version="1.0" encoding="utf-8"?>
+<file path=ppt/slides/slide32.xml><?xml version="1.0" encoding="utf-8"?>
 <p:sld xmlns:a="http://schemas.openxmlformats.org/drawingml/2006/main" xmlns:r="http://schemas.openxmlformats.org/officeDocument/2006/relationships" xmlns:p="http://schemas.openxmlformats.org/presentationml/2006/main">
   <p:cSld>
     <p:spTree>
@@ -15527,7 +19370,7 @@
 </p:sld>
 </file>
 
-<file path=ppt/slides/slide24.xml><?xml version="1.0" encoding="utf-8"?>
+<file path=ppt/slides/slide33.xml><?xml version="1.0" encoding="utf-8"?>
 <p:sld xmlns:a="http://schemas.openxmlformats.org/drawingml/2006/main" xmlns:r="http://schemas.openxmlformats.org/officeDocument/2006/relationships" xmlns:p="http://schemas.openxmlformats.org/presentationml/2006/main">
   <p:cSld>
     <p:spTree>
@@ -15985,7 +19828,7 @@
 </p:sld>
 </file>
 
-<file path=ppt/slides/slide25.xml><?xml version="1.0" encoding="utf-8"?>
+<file path=ppt/slides/slide34.xml><?xml version="1.0" encoding="utf-8"?>
 <p:sld xmlns:a="http://schemas.openxmlformats.org/drawingml/2006/main" xmlns:r="http://schemas.openxmlformats.org/officeDocument/2006/relationships" xmlns:p="http://schemas.openxmlformats.org/presentationml/2006/main">
   <p:cSld>
     <p:spTree>
@@ -16524,7 +20367,7 @@
 </p:sld>
 </file>
 
-<file path=ppt/slides/slide26.xml><?xml version="1.0" encoding="utf-8"?>
+<file path=ppt/slides/slide35.xml><?xml version="1.0" encoding="utf-8"?>
 <p:sld xmlns:a="http://schemas.openxmlformats.org/drawingml/2006/main" xmlns:r="http://schemas.openxmlformats.org/officeDocument/2006/relationships" xmlns:p="http://schemas.openxmlformats.org/presentationml/2006/main">
   <p:cSld>
     <p:spTree>
@@ -16590,7 +20433,7 @@
 </p:sld>
 </file>
 
-<file path=ppt/slides/slide27.xml><?xml version="1.0" encoding="utf-8"?>
+<file path=ppt/slides/slide36.xml><?xml version="1.0" encoding="utf-8"?>
 <p:sld xmlns:a="http://schemas.openxmlformats.org/drawingml/2006/main" xmlns:r="http://schemas.openxmlformats.org/officeDocument/2006/relationships" xmlns:p="http://schemas.openxmlformats.org/presentationml/2006/main">
   <p:cSld>
     <p:spTree>
@@ -16680,7 +20523,7 @@
 </p:sld>
 </file>
 
-<file path=ppt/slides/slide28.xml><?xml version="1.0" encoding="utf-8"?>
+<file path=ppt/slides/slide37.xml><?xml version="1.0" encoding="utf-8"?>
 <p:sld xmlns:a="http://schemas.openxmlformats.org/drawingml/2006/main" xmlns:r="http://schemas.openxmlformats.org/officeDocument/2006/relationships" xmlns:p="http://schemas.openxmlformats.org/presentationml/2006/main">
   <p:cSld>
     <p:spTree>
@@ -17048,7 +20891,7 @@
 </p:sld>
 </file>
 
-<file path=ppt/slides/slide29.xml><?xml version="1.0" encoding="utf-8"?>
+<file path=ppt/slides/slide38.xml><?xml version="1.0" encoding="utf-8"?>
 <p:sld xmlns:a="http://schemas.openxmlformats.org/drawingml/2006/main" xmlns:r="http://schemas.openxmlformats.org/officeDocument/2006/relationships" xmlns:p="http://schemas.openxmlformats.org/presentationml/2006/main">
   <p:cSld>
     <p:spTree>
@@ -17355,3689 +21198,6 @@
       <p:bldP spid="3" grpId="0" build="p"/>
     </p:bldLst>
   </p:timing>
-</p:sld>
-</file>
-
-<file path=ppt/slides/slide3.xml><?xml version="1.0" encoding="utf-8"?>
-<p:sld xmlns:a="http://schemas.openxmlformats.org/drawingml/2006/main" xmlns:r="http://schemas.openxmlformats.org/officeDocument/2006/relationships" xmlns:p="http://schemas.openxmlformats.org/presentationml/2006/main">
-  <p:cSld>
-    <p:spTree>
-      <p:nvGrpSpPr>
-        <p:cNvPr id="1" name=""/>
-        <p:cNvGrpSpPr/>
-        <p:nvPr/>
-      </p:nvGrpSpPr>
-      <p:grpSpPr>
-        <a:xfrm>
-          <a:off x="0" y="0"/>
-          <a:ext cx="0" cy="0"/>
-          <a:chOff x="0" y="0"/>
-          <a:chExt cx="0" cy="0"/>
-        </a:xfrm>
-      </p:grpSpPr>
-      <p:sp>
-        <p:nvSpPr>
-          <p:cNvPr id="2" name="Title 1"/>
-          <p:cNvSpPr>
-            <a:spLocks noGrp="1"/>
-          </p:cNvSpPr>
-          <p:nvPr>
-            <p:ph type="title"/>
-          </p:nvPr>
-        </p:nvSpPr>
-        <p:spPr>
-          <a:xfrm>
-            <a:off x="336550" y="314960"/>
-            <a:ext cx="10164445" cy="1320800"/>
-          </a:xfrm>
-        </p:spPr>
-        <p:txBody>
-          <a:bodyPr/>
-          <a:lstStyle/>
-          <a:p>
-            <a:r>
-              <a:rPr lang="vi-VN" dirty="0" smtClean="0">
-                <a:sym typeface="+mn-ea"/>
-              </a:rPr>
-              <a:t>Động lực </a:t>
-            </a:r>
-            <a:r>
-              <a:rPr lang="x-none" altLang="vi-VN" dirty="0" smtClean="0">
-                <a:sym typeface="+mn-ea"/>
-              </a:rPr>
-              <a:t>phát triển và mục tiêu thiết kế</a:t>
-            </a:r>
-            <a:endParaRPr lang="en-US" dirty="0"/>
-          </a:p>
-        </p:txBody>
-      </p:sp>
-      <p:sp>
-        <p:nvSpPr>
-          <p:cNvPr id="4" name="Slide Number Placeholder 3"/>
-          <p:cNvSpPr>
-            <a:spLocks noGrp="1"/>
-          </p:cNvSpPr>
-          <p:nvPr>
-            <p:ph type="sldNum" sz="quarter" idx="12"/>
-          </p:nvPr>
-        </p:nvSpPr>
-        <p:spPr/>
-        <p:txBody>
-          <a:bodyPr/>
-          <a:lstStyle/>
-          <a:p>
-            <a:fld id="{D57F1E4F-1CFF-5643-939E-217C01CDF565}" type="slidenum">
-              <a:rPr lang="en-US" smtClean="0"/>
-            </a:fld>
-            <a:endParaRPr lang="en-US" dirty="0"/>
-          </a:p>
-        </p:txBody>
-      </p:sp>
-      <p:pic>
-        <p:nvPicPr>
-          <p:cNvPr id="5" name="Picture 4"/>
-          <p:cNvPicPr>
-            <a:picLocks noChangeAspect="1"/>
-          </p:cNvPicPr>
-          <p:nvPr/>
-        </p:nvPicPr>
-        <p:blipFill>
-          <a:blip r:embed="rId1">
-            <a:extLst>
-              <a:ext uri="{28A0092B-C50C-407E-A947-70E740481C1C}">
-                <a14:useLocalDpi xmlns:a14="http://schemas.microsoft.com/office/drawing/2010/main" val="0"/>
-              </a:ext>
-            </a:extLst>
-          </a:blip>
-          <a:stretch>
-            <a:fillRect/>
-          </a:stretch>
-        </p:blipFill>
-        <p:spPr>
-          <a:xfrm>
-            <a:off x="497068" y="1377614"/>
-            <a:ext cx="3321743" cy="1860176"/>
-          </a:xfrm>
-          <a:prstGeom prst="rect">
-            <a:avLst/>
-          </a:prstGeom>
-        </p:spPr>
-      </p:pic>
-      <p:pic>
-        <p:nvPicPr>
-          <p:cNvPr id="6" name="Picture 5"/>
-          <p:cNvPicPr>
-            <a:picLocks noChangeAspect="1"/>
-          </p:cNvPicPr>
-          <p:nvPr/>
-        </p:nvPicPr>
-        <p:blipFill>
-          <a:blip r:embed="rId2">
-            <a:extLst>
-              <a:ext uri="{28A0092B-C50C-407E-A947-70E740481C1C}">
-                <a14:useLocalDpi xmlns:a14="http://schemas.microsoft.com/office/drawing/2010/main" val="0"/>
-              </a:ext>
-            </a:extLst>
-          </a:blip>
-          <a:stretch>
-            <a:fillRect/>
-          </a:stretch>
-        </p:blipFill>
-        <p:spPr>
-          <a:xfrm>
-            <a:off x="4904887" y="1377614"/>
-            <a:ext cx="3384190" cy="1931092"/>
-          </a:xfrm>
-          <a:prstGeom prst="rect">
-            <a:avLst/>
-          </a:prstGeom>
-        </p:spPr>
-      </p:pic>
-      <p:pic>
-        <p:nvPicPr>
-          <p:cNvPr id="7" name="Picture 6"/>
-          <p:cNvPicPr>
-            <a:picLocks noChangeAspect="1"/>
-          </p:cNvPicPr>
-          <p:nvPr/>
-        </p:nvPicPr>
-        <p:blipFill>
-          <a:blip r:embed="rId3">
-            <a:extLst>
-              <a:ext uri="{28A0092B-C50C-407E-A947-70E740481C1C}">
-                <a14:useLocalDpi xmlns:a14="http://schemas.microsoft.com/office/drawing/2010/main" val="0"/>
-              </a:ext>
-            </a:extLst>
-          </a:blip>
-          <a:stretch>
-            <a:fillRect/>
-          </a:stretch>
-        </p:blipFill>
-        <p:spPr>
-          <a:xfrm>
-            <a:off x="497068" y="4029216"/>
-            <a:ext cx="2705834" cy="1544007"/>
-          </a:xfrm>
-          <a:prstGeom prst="rect">
-            <a:avLst/>
-          </a:prstGeom>
-        </p:spPr>
-      </p:pic>
-      <p:pic>
-        <p:nvPicPr>
-          <p:cNvPr id="9" name="Picture 8"/>
-          <p:cNvPicPr>
-            <a:picLocks noChangeAspect="1"/>
-          </p:cNvPicPr>
-          <p:nvPr/>
-        </p:nvPicPr>
-        <p:blipFill>
-          <a:blip r:embed="rId4">
-            <a:extLst>
-              <a:ext uri="{28A0092B-C50C-407E-A947-70E740481C1C}">
-                <a14:useLocalDpi xmlns:a14="http://schemas.microsoft.com/office/drawing/2010/main" val="0"/>
-              </a:ext>
-            </a:extLst>
-          </a:blip>
-          <a:stretch>
-            <a:fillRect/>
-          </a:stretch>
-        </p:blipFill>
-        <p:spPr>
-          <a:xfrm>
-            <a:off x="3604845" y="4016610"/>
-            <a:ext cx="1601667" cy="1544007"/>
-          </a:xfrm>
-          <a:prstGeom prst="rect">
-            <a:avLst/>
-          </a:prstGeom>
-        </p:spPr>
-      </p:pic>
-      <p:pic>
-        <p:nvPicPr>
-          <p:cNvPr id="10" name="Picture 9"/>
-          <p:cNvPicPr>
-            <a:picLocks noChangeAspect="1"/>
-          </p:cNvPicPr>
-          <p:nvPr/>
-        </p:nvPicPr>
-        <p:blipFill>
-          <a:blip r:embed="rId5">
-            <a:extLst>
-              <a:ext uri="{28A0092B-C50C-407E-A947-70E740481C1C}">
-                <a14:useLocalDpi xmlns:a14="http://schemas.microsoft.com/office/drawing/2010/main" val="0"/>
-              </a:ext>
-            </a:extLst>
-          </a:blip>
-          <a:stretch>
-            <a:fillRect/>
-          </a:stretch>
-        </p:blipFill>
-        <p:spPr>
-          <a:xfrm>
-            <a:off x="5603159" y="3934282"/>
-            <a:ext cx="2987543" cy="1708665"/>
-          </a:xfrm>
-          <a:prstGeom prst="rect">
-            <a:avLst/>
-          </a:prstGeom>
-        </p:spPr>
-      </p:pic>
-    </p:spTree>
-  </p:cSld>
-  <p:clrMapOvr>
-    <a:masterClrMapping/>
-  </p:clrMapOvr>
-  <p:transition>
-    <p:fade/>
-  </p:transition>
-  <p:timing>
-    <p:tnLst>
-      <p:par>
-        <p:cTn id="1" dur="indefinite" restart="never" nodeType="tmRoot">
-          <p:childTnLst>
-            <p:seq concurrent="1" nextAc="seek">
-              <p:cTn id="2" dur="indefinite" nodeType="mainSeq">
-                <p:childTnLst>
-                  <p:par>
-                    <p:cTn id="3" fill="hold">
-                      <p:stCondLst>
-                        <p:cond delay="indefinite"/>
-                      </p:stCondLst>
-                      <p:childTnLst>
-                        <p:par>
-                          <p:cTn id="4" fill="hold">
-                            <p:stCondLst>
-                              <p:cond delay="0"/>
-                            </p:stCondLst>
-                            <p:childTnLst>
-                              <p:par>
-                                <p:cTn id="5" presetID="10" presetClass="entr" presetSubtype="0" fill="hold" nodeType="clickEffect">
-                                  <p:stCondLst>
-                                    <p:cond delay="0"/>
-                                  </p:stCondLst>
-                                  <p:childTnLst>
-                                    <p:set>
-                                      <p:cBhvr>
-                                        <p:cTn id="6" dur="1" fill="hold">
-                                          <p:stCondLst>
-                                            <p:cond delay="0"/>
-                                          </p:stCondLst>
-                                        </p:cTn>
-                                        <p:tgtEl>
-                                          <p:spTgt spid="5"/>
-                                        </p:tgtEl>
-                                        <p:attrNameLst>
-                                          <p:attrName>style.visibility</p:attrName>
-                                        </p:attrNameLst>
-                                      </p:cBhvr>
-                                      <p:to>
-                                        <p:strVal val="visible"/>
-                                      </p:to>
-                                    </p:set>
-                                    <p:animEffect transition="in" filter="fade">
-                                      <p:cBhvr>
-                                        <p:cTn id="7" dur="500"/>
-                                        <p:tgtEl>
-                                          <p:spTgt spid="5"/>
-                                        </p:tgtEl>
-                                      </p:cBhvr>
-                                    </p:animEffect>
-                                  </p:childTnLst>
-                                </p:cTn>
-                              </p:par>
-                            </p:childTnLst>
-                          </p:cTn>
-                        </p:par>
-                      </p:childTnLst>
-                    </p:cTn>
-                  </p:par>
-                  <p:par>
-                    <p:cTn id="8" fill="hold">
-                      <p:stCondLst>
-                        <p:cond delay="indefinite"/>
-                      </p:stCondLst>
-                      <p:childTnLst>
-                        <p:par>
-                          <p:cTn id="9" fill="hold">
-                            <p:stCondLst>
-                              <p:cond delay="0"/>
-                            </p:stCondLst>
-                            <p:childTnLst>
-                              <p:par>
-                                <p:cTn id="10" presetID="10" presetClass="entr" presetSubtype="0" fill="hold" nodeType="clickEffect">
-                                  <p:stCondLst>
-                                    <p:cond delay="0"/>
-                                  </p:stCondLst>
-                                  <p:childTnLst>
-                                    <p:set>
-                                      <p:cBhvr>
-                                        <p:cTn id="11" dur="1" fill="hold">
-                                          <p:stCondLst>
-                                            <p:cond delay="0"/>
-                                          </p:stCondLst>
-                                        </p:cTn>
-                                        <p:tgtEl>
-                                          <p:spTgt spid="6"/>
-                                        </p:tgtEl>
-                                        <p:attrNameLst>
-                                          <p:attrName>style.visibility</p:attrName>
-                                        </p:attrNameLst>
-                                      </p:cBhvr>
-                                      <p:to>
-                                        <p:strVal val="visible"/>
-                                      </p:to>
-                                    </p:set>
-                                    <p:animEffect transition="in" filter="fade">
-                                      <p:cBhvr>
-                                        <p:cTn id="12" dur="500"/>
-                                        <p:tgtEl>
-                                          <p:spTgt spid="6"/>
-                                        </p:tgtEl>
-                                      </p:cBhvr>
-                                    </p:animEffect>
-                                  </p:childTnLst>
-                                </p:cTn>
-                              </p:par>
-                            </p:childTnLst>
-                          </p:cTn>
-                        </p:par>
-                      </p:childTnLst>
-                    </p:cTn>
-                  </p:par>
-                  <p:par>
-                    <p:cTn id="13" fill="hold">
-                      <p:stCondLst>
-                        <p:cond delay="indefinite"/>
-                      </p:stCondLst>
-                      <p:childTnLst>
-                        <p:par>
-                          <p:cTn id="14" fill="hold">
-                            <p:stCondLst>
-                              <p:cond delay="0"/>
-                            </p:stCondLst>
-                            <p:childTnLst>
-                              <p:par>
-                                <p:cTn id="15" presetID="10" presetClass="entr" presetSubtype="0" fill="hold" nodeType="clickEffect">
-                                  <p:stCondLst>
-                                    <p:cond delay="0"/>
-                                  </p:stCondLst>
-                                  <p:childTnLst>
-                                    <p:set>
-                                      <p:cBhvr>
-                                        <p:cTn id="16" dur="1" fill="hold">
-                                          <p:stCondLst>
-                                            <p:cond delay="0"/>
-                                          </p:stCondLst>
-                                        </p:cTn>
-                                        <p:tgtEl>
-                                          <p:spTgt spid="7"/>
-                                        </p:tgtEl>
-                                        <p:attrNameLst>
-                                          <p:attrName>style.visibility</p:attrName>
-                                        </p:attrNameLst>
-                                      </p:cBhvr>
-                                      <p:to>
-                                        <p:strVal val="visible"/>
-                                      </p:to>
-                                    </p:set>
-                                    <p:animEffect transition="in" filter="fade">
-                                      <p:cBhvr>
-                                        <p:cTn id="17" dur="500"/>
-                                        <p:tgtEl>
-                                          <p:spTgt spid="7"/>
-                                        </p:tgtEl>
-                                      </p:cBhvr>
-                                    </p:animEffect>
-                                  </p:childTnLst>
-                                </p:cTn>
-                              </p:par>
-                            </p:childTnLst>
-                          </p:cTn>
-                        </p:par>
-                      </p:childTnLst>
-                    </p:cTn>
-                  </p:par>
-                  <p:par>
-                    <p:cTn id="18" fill="hold">
-                      <p:stCondLst>
-                        <p:cond delay="indefinite"/>
-                      </p:stCondLst>
-                      <p:childTnLst>
-                        <p:par>
-                          <p:cTn id="19" fill="hold">
-                            <p:stCondLst>
-                              <p:cond delay="0"/>
-                            </p:stCondLst>
-                            <p:childTnLst>
-                              <p:par>
-                                <p:cTn id="20" presetID="10" presetClass="entr" presetSubtype="0" fill="hold" nodeType="clickEffect">
-                                  <p:stCondLst>
-                                    <p:cond delay="0"/>
-                                  </p:stCondLst>
-                                  <p:childTnLst>
-                                    <p:set>
-                                      <p:cBhvr>
-                                        <p:cTn id="21" dur="1" fill="hold">
-                                          <p:stCondLst>
-                                            <p:cond delay="0"/>
-                                          </p:stCondLst>
-                                        </p:cTn>
-                                        <p:tgtEl>
-                                          <p:spTgt spid="9"/>
-                                        </p:tgtEl>
-                                        <p:attrNameLst>
-                                          <p:attrName>style.visibility</p:attrName>
-                                        </p:attrNameLst>
-                                      </p:cBhvr>
-                                      <p:to>
-                                        <p:strVal val="visible"/>
-                                      </p:to>
-                                    </p:set>
-                                    <p:animEffect transition="in" filter="fade">
-                                      <p:cBhvr>
-                                        <p:cTn id="22" dur="500"/>
-                                        <p:tgtEl>
-                                          <p:spTgt spid="9"/>
-                                        </p:tgtEl>
-                                      </p:cBhvr>
-                                    </p:animEffect>
-                                  </p:childTnLst>
-                                </p:cTn>
-                              </p:par>
-                            </p:childTnLst>
-                          </p:cTn>
-                        </p:par>
-                      </p:childTnLst>
-                    </p:cTn>
-                  </p:par>
-                  <p:par>
-                    <p:cTn id="23" fill="hold">
-                      <p:stCondLst>
-                        <p:cond delay="indefinite"/>
-                      </p:stCondLst>
-                      <p:childTnLst>
-                        <p:par>
-                          <p:cTn id="24" fill="hold">
-                            <p:stCondLst>
-                              <p:cond delay="0"/>
-                            </p:stCondLst>
-                            <p:childTnLst>
-                              <p:par>
-                                <p:cTn id="25" presetID="10" presetClass="entr" presetSubtype="0" fill="hold" nodeType="clickEffect">
-                                  <p:stCondLst>
-                                    <p:cond delay="0"/>
-                                  </p:stCondLst>
-                                  <p:childTnLst>
-                                    <p:set>
-                                      <p:cBhvr>
-                                        <p:cTn id="26" dur="1" fill="hold">
-                                          <p:stCondLst>
-                                            <p:cond delay="0"/>
-                                          </p:stCondLst>
-                                        </p:cTn>
-                                        <p:tgtEl>
-                                          <p:spTgt spid="10"/>
-                                        </p:tgtEl>
-                                        <p:attrNameLst>
-                                          <p:attrName>style.visibility</p:attrName>
-                                        </p:attrNameLst>
-                                      </p:cBhvr>
-                                      <p:to>
-                                        <p:strVal val="visible"/>
-                                      </p:to>
-                                    </p:set>
-                                    <p:animEffect transition="in" filter="fade">
-                                      <p:cBhvr>
-                                        <p:cTn id="27" dur="500"/>
-                                        <p:tgtEl>
-                                          <p:spTgt spid="10"/>
-                                        </p:tgtEl>
-                                      </p:cBhvr>
-                                    </p:animEffect>
-                                  </p:childTnLst>
-                                </p:cTn>
-                              </p:par>
-                            </p:childTnLst>
-                          </p:cTn>
-                        </p:par>
-                      </p:childTnLst>
-                    </p:cTn>
-                  </p:par>
-                </p:childTnLst>
-              </p:cTn>
-              <p:prevCondLst>
-                <p:cond evt="onPrev" delay="0">
-                  <p:tgtEl>
-                    <p:sldTgt/>
-                  </p:tgtEl>
-                </p:cond>
-              </p:prevCondLst>
-              <p:nextCondLst>
-                <p:cond evt="onNext" delay="0">
-                  <p:tgtEl>
-                    <p:sldTgt/>
-                  </p:tgtEl>
-                </p:cond>
-              </p:nextCondLst>
-            </p:seq>
-          </p:childTnLst>
-        </p:cTn>
-      </p:par>
-    </p:tnLst>
-  </p:timing>
-</p:sld>
-</file>
-
-<file path=ppt/slides/slide30.xml><?xml version="1.0" encoding="utf-8"?>
-<p:sld xmlns:a="http://schemas.openxmlformats.org/drawingml/2006/main" xmlns:r="http://schemas.openxmlformats.org/officeDocument/2006/relationships" xmlns:p="http://schemas.openxmlformats.org/presentationml/2006/main">
-  <p:cSld>
-    <p:spTree>
-      <p:nvGrpSpPr>
-        <p:cNvPr id="1" name=""/>
-        <p:cNvGrpSpPr/>
-        <p:nvPr/>
-      </p:nvGrpSpPr>
-      <p:grpSpPr/>
-      <p:sp>
-        <p:nvSpPr>
-          <p:cNvPr id="2" name="Title 1"/>
-          <p:cNvSpPr>
-            <a:spLocks noGrp="1"/>
-          </p:cNvSpPr>
-          <p:nvPr>
-            <p:ph type="title"/>
-          </p:nvPr>
-        </p:nvSpPr>
-        <p:spPr>
-          <a:xfrm>
-            <a:off x="347769" y="262890"/>
-            <a:ext cx="8596668" cy="1320800"/>
-          </a:xfrm>
-        </p:spPr>
-        <p:txBody>
-          <a:bodyPr/>
-          <a:p>
-            <a:r>
-              <a:rPr lang="en-US"/>
-              <a:t>Factom System Overview</a:t>
-            </a:r>
-            <a:br>
-              <a:rPr lang="en-US"/>
-            </a:br>
-            <a:r>
-              <a:rPr lang="x-none" altLang="en-US"/>
-              <a:t>Tổng quan về hệ thống Factom</a:t>
-            </a:r>
-            <a:endParaRPr lang="x-none" altLang="en-US"/>
-          </a:p>
-        </p:txBody>
-      </p:sp>
-      <p:sp>
-        <p:nvSpPr>
-          <p:cNvPr id="3" name="Content Placeholder 2"/>
-          <p:cNvSpPr>
-            <a:spLocks noGrp="1"/>
-          </p:cNvSpPr>
-          <p:nvPr>
-            <p:ph idx="1"/>
-          </p:nvPr>
-        </p:nvSpPr>
-        <p:spPr>
-          <a:xfrm>
-            <a:off x="352425" y="1816100"/>
-            <a:ext cx="10500995" cy="5044440"/>
-          </a:xfrm>
-        </p:spPr>
-        <p:txBody>
-          <a:bodyPr>
-            <a:normAutofit/>
-          </a:bodyPr>
-          <a:p>
-            <a:r>
-              <a:rPr lang="x-none" altLang="en-US" sz="2200"/>
-              <a:t>Factom được xây dựng từ tập hợp các tầng Cấu Trúc Dữ Liệu (CTDL).</a:t>
-            </a:r>
-            <a:endParaRPr lang="x-none" altLang="en-US" sz="2200"/>
-          </a:p>
-          <a:p>
-            <a:r>
-              <a:rPr lang="x-none" altLang="en-US" sz="2200"/>
-              <a:t>Factom được xây dựng từ một tập các blocks có thứ bậc với chiều cao cao nhất là Directory Blocks (DBs). Chúng tạo nên 1 micro-chain, chủ yếu gồm các tham chiếu (reference) đủ nhỏ. </a:t>
-            </a:r>
-            <a:endParaRPr lang="x-none" altLang="en-US" sz="2200"/>
-          </a:p>
-          <a:p>
-            <a:r>
-              <a:rPr lang="x-none" altLang="en-US" sz="2200"/>
-              <a:t>Để giữ được kích thước nhỏ gọn, mỗi reference trong Directory Block (DB) phải là giá trị hash của Entry Block (EB) cùng với ChainID. </a:t>
-            </a:r>
-            <a:endParaRPr lang="x-none" altLang="en-US" sz="2200"/>
-          </a:p>
-          <a:p>
-            <a:r>
-              <a:rPr lang="x-none" altLang="en-US" sz="2200"/>
-              <a:t>Các Entry Blocks (EBs) có references tới tất cả Entries với một giá trị ChainID nhất định trong một khoảng thời gian. Entry Block cho một ChainID cũng là một phần của micro-chain. </a:t>
-            </a:r>
-            <a:endParaRPr lang="x-none" altLang="en-US" sz="2200"/>
-          </a:p>
-          <a:p>
-            <a:r>
-              <a:rPr lang="x-none" altLang="en-US" sz="2200"/>
-              <a:t>Dữ liệu trong Factom nằm ở các Entries. Những CTDL này tạo ra và không thể đổi nhờ 'sức mạnh' của Bitcoin.</a:t>
-            </a:r>
-            <a:endParaRPr lang="x-none" altLang="en-US" sz="2200"/>
-          </a:p>
-        </p:txBody>
-      </p:sp>
-      <p:sp>
-        <p:nvSpPr>
-          <p:cNvPr id="4" name="Slide Number Placeholder 3"/>
-          <p:cNvSpPr>
-            <a:spLocks noGrp="1"/>
-          </p:cNvSpPr>
-          <p:nvPr>
-            <p:ph type="sldNum" sz="quarter" idx="12"/>
-          </p:nvPr>
-        </p:nvSpPr>
-        <p:spPr/>
-        <p:txBody>
-          <a:bodyPr/>
-          <a:p>
-            <a:fld id="{D57F1E4F-1CFF-5643-939E-217C01CDF565}" type="slidenum">
-              <a:rPr lang="en-US" dirty="0"/>
-            </a:fld>
-            <a:endParaRPr lang="en-US" dirty="0"/>
-          </a:p>
-        </p:txBody>
-      </p:sp>
-    </p:spTree>
-  </p:cSld>
-  <p:clrMapOvr>
-    <a:masterClrMapping/>
-  </p:clrMapOvr>
-  <p:transition>
-    <p:fade thruBlk="1"/>
-  </p:transition>
-  <p:timing>
-    <p:tnLst>
-      <p:par>
-        <p:cTn id="1" dur="indefinite" restart="never" nodeType="tmRoot">
-          <p:childTnLst>
-            <p:seq concurrent="1" nextAc="seek">
-              <p:cTn id="2" dur="indefinite" nodeType="mainSeq">
-                <p:childTnLst>
-                  <p:par>
-                    <p:cTn id="3" fill="hold">
-                      <p:stCondLst>
-                        <p:cond delay="indefinite"/>
-                      </p:stCondLst>
-                      <p:childTnLst>
-                        <p:par>
-                          <p:cTn id="4" fill="hold">
-                            <p:stCondLst>
-                              <p:cond delay="0"/>
-                            </p:stCondLst>
-                            <p:childTnLst>
-                              <p:par>
-                                <p:cTn id="5" presetID="10" presetClass="entr" presetSubtype="0" fill="hold" grpId="0" nodeType="clickEffect">
-                                  <p:stCondLst>
-                                    <p:cond delay="0"/>
-                                  </p:stCondLst>
-                                  <p:childTnLst>
-                                    <p:set>
-                                      <p:cBhvr>
-                                        <p:cTn id="6" dur="1" fill="hold">
-                                          <p:stCondLst>
-                                            <p:cond delay="0"/>
-                                          </p:stCondLst>
-                                        </p:cTn>
-                                        <p:tgtEl>
-                                          <p:spTgt spid="3">
-                                            <p:txEl>
-                                              <p:pRg st="0" end="0"/>
-                                            </p:txEl>
-                                          </p:spTgt>
-                                        </p:tgtEl>
-                                        <p:attrNameLst>
-                                          <p:attrName>style.visibility</p:attrName>
-                                        </p:attrNameLst>
-                                      </p:cBhvr>
-                                      <p:to>
-                                        <p:strVal val="visible"/>
-                                      </p:to>
-                                    </p:set>
-                                    <p:animEffect transition="in" filter="fade">
-                                      <p:cBhvr>
-                                        <p:cTn id="7" dur="500"/>
-                                        <p:tgtEl>
-                                          <p:spTgt spid="3">
-                                            <p:txEl>
-                                              <p:pRg st="0" end="0"/>
-                                            </p:txEl>
-                                          </p:spTgt>
-                                        </p:tgtEl>
-                                      </p:cBhvr>
-                                    </p:animEffect>
-                                  </p:childTnLst>
-                                </p:cTn>
-                              </p:par>
-                            </p:childTnLst>
-                          </p:cTn>
-                        </p:par>
-                      </p:childTnLst>
-                    </p:cTn>
-                  </p:par>
-                  <p:par>
-                    <p:cTn id="8" fill="hold">
-                      <p:stCondLst>
-                        <p:cond delay="indefinite"/>
-                      </p:stCondLst>
-                      <p:childTnLst>
-                        <p:par>
-                          <p:cTn id="9" fill="hold">
-                            <p:stCondLst>
-                              <p:cond delay="0"/>
-                            </p:stCondLst>
-                            <p:childTnLst>
-                              <p:par>
-                                <p:cTn id="10" presetID="10" presetClass="entr" presetSubtype="0" fill="hold" grpId="0" nodeType="clickEffect">
-                                  <p:stCondLst>
-                                    <p:cond delay="0"/>
-                                  </p:stCondLst>
-                                  <p:childTnLst>
-                                    <p:set>
-                                      <p:cBhvr>
-                                        <p:cTn id="11" dur="1" fill="hold">
-                                          <p:stCondLst>
-                                            <p:cond delay="0"/>
-                                          </p:stCondLst>
-                                        </p:cTn>
-                                        <p:tgtEl>
-                                          <p:spTgt spid="3">
-                                            <p:txEl>
-                                              <p:pRg st="1" end="1"/>
-                                            </p:txEl>
-                                          </p:spTgt>
-                                        </p:tgtEl>
-                                        <p:attrNameLst>
-                                          <p:attrName>style.visibility</p:attrName>
-                                        </p:attrNameLst>
-                                      </p:cBhvr>
-                                      <p:to>
-                                        <p:strVal val="visible"/>
-                                      </p:to>
-                                    </p:set>
-                                    <p:animEffect transition="in" filter="fade">
-                                      <p:cBhvr>
-                                        <p:cTn id="12" dur="500"/>
-                                        <p:tgtEl>
-                                          <p:spTgt spid="3">
-                                            <p:txEl>
-                                              <p:pRg st="1" end="1"/>
-                                            </p:txEl>
-                                          </p:spTgt>
-                                        </p:tgtEl>
-                                      </p:cBhvr>
-                                    </p:animEffect>
-                                  </p:childTnLst>
-                                </p:cTn>
-                              </p:par>
-                            </p:childTnLst>
-                          </p:cTn>
-                        </p:par>
-                      </p:childTnLst>
-                    </p:cTn>
-                  </p:par>
-                  <p:par>
-                    <p:cTn id="13" fill="hold">
-                      <p:stCondLst>
-                        <p:cond delay="indefinite"/>
-                      </p:stCondLst>
-                      <p:childTnLst>
-                        <p:par>
-                          <p:cTn id="14" fill="hold">
-                            <p:stCondLst>
-                              <p:cond delay="0"/>
-                            </p:stCondLst>
-                            <p:childTnLst>
-                              <p:par>
-                                <p:cTn id="15" presetID="10" presetClass="entr" presetSubtype="0" fill="hold" grpId="0" nodeType="clickEffect">
-                                  <p:stCondLst>
-                                    <p:cond delay="0"/>
-                                  </p:stCondLst>
-                                  <p:childTnLst>
-                                    <p:set>
-                                      <p:cBhvr>
-                                        <p:cTn id="16" dur="1" fill="hold">
-                                          <p:stCondLst>
-                                            <p:cond delay="0"/>
-                                          </p:stCondLst>
-                                        </p:cTn>
-                                        <p:tgtEl>
-                                          <p:spTgt spid="3">
-                                            <p:txEl>
-                                              <p:pRg st="2" end="2"/>
-                                            </p:txEl>
-                                          </p:spTgt>
-                                        </p:tgtEl>
-                                        <p:attrNameLst>
-                                          <p:attrName>style.visibility</p:attrName>
-                                        </p:attrNameLst>
-                                      </p:cBhvr>
-                                      <p:to>
-                                        <p:strVal val="visible"/>
-                                      </p:to>
-                                    </p:set>
-                                    <p:animEffect transition="in" filter="fade">
-                                      <p:cBhvr>
-                                        <p:cTn id="17" dur="500"/>
-                                        <p:tgtEl>
-                                          <p:spTgt spid="3">
-                                            <p:txEl>
-                                              <p:pRg st="2" end="2"/>
-                                            </p:txEl>
-                                          </p:spTgt>
-                                        </p:tgtEl>
-                                      </p:cBhvr>
-                                    </p:animEffect>
-                                  </p:childTnLst>
-                                </p:cTn>
-                              </p:par>
-                            </p:childTnLst>
-                          </p:cTn>
-                        </p:par>
-                      </p:childTnLst>
-                    </p:cTn>
-                  </p:par>
-                  <p:par>
-                    <p:cTn id="18" fill="hold">
-                      <p:stCondLst>
-                        <p:cond delay="indefinite"/>
-                      </p:stCondLst>
-                      <p:childTnLst>
-                        <p:par>
-                          <p:cTn id="19" fill="hold">
-                            <p:stCondLst>
-                              <p:cond delay="0"/>
-                            </p:stCondLst>
-                            <p:childTnLst>
-                              <p:par>
-                                <p:cTn id="20" presetID="10" presetClass="entr" presetSubtype="0" fill="hold" grpId="0" nodeType="clickEffect">
-                                  <p:stCondLst>
-                                    <p:cond delay="0"/>
-                                  </p:stCondLst>
-                                  <p:childTnLst>
-                                    <p:set>
-                                      <p:cBhvr>
-                                        <p:cTn id="21" dur="1" fill="hold">
-                                          <p:stCondLst>
-                                            <p:cond delay="0"/>
-                                          </p:stCondLst>
-                                        </p:cTn>
-                                        <p:tgtEl>
-                                          <p:spTgt spid="3">
-                                            <p:txEl>
-                                              <p:pRg st="3" end="3"/>
-                                            </p:txEl>
-                                          </p:spTgt>
-                                        </p:tgtEl>
-                                        <p:attrNameLst>
-                                          <p:attrName>style.visibility</p:attrName>
-                                        </p:attrNameLst>
-                                      </p:cBhvr>
-                                      <p:to>
-                                        <p:strVal val="visible"/>
-                                      </p:to>
-                                    </p:set>
-                                    <p:animEffect transition="in" filter="fade">
-                                      <p:cBhvr>
-                                        <p:cTn id="22" dur="500"/>
-                                        <p:tgtEl>
-                                          <p:spTgt spid="3">
-                                            <p:txEl>
-                                              <p:pRg st="3" end="3"/>
-                                            </p:txEl>
-                                          </p:spTgt>
-                                        </p:tgtEl>
-                                      </p:cBhvr>
-                                    </p:animEffect>
-                                  </p:childTnLst>
-                                </p:cTn>
-                              </p:par>
-                            </p:childTnLst>
-                          </p:cTn>
-                        </p:par>
-                      </p:childTnLst>
-                    </p:cTn>
-                  </p:par>
-                  <p:par>
-                    <p:cTn id="23" fill="hold">
-                      <p:stCondLst>
-                        <p:cond delay="indefinite"/>
-                      </p:stCondLst>
-                      <p:childTnLst>
-                        <p:par>
-                          <p:cTn id="24" fill="hold">
-                            <p:stCondLst>
-                              <p:cond delay="0"/>
-                            </p:stCondLst>
-                            <p:childTnLst>
-                              <p:par>
-                                <p:cTn id="25" presetID="10" presetClass="entr" presetSubtype="0" fill="hold" grpId="0" nodeType="clickEffect">
-                                  <p:stCondLst>
-                                    <p:cond delay="0"/>
-                                  </p:stCondLst>
-                                  <p:childTnLst>
-                                    <p:set>
-                                      <p:cBhvr>
-                                        <p:cTn id="26" dur="1" fill="hold">
-                                          <p:stCondLst>
-                                            <p:cond delay="0"/>
-                                          </p:stCondLst>
-                                        </p:cTn>
-                                        <p:tgtEl>
-                                          <p:spTgt spid="3">
-                                            <p:txEl>
-                                              <p:pRg st="4" end="4"/>
-                                            </p:txEl>
-                                          </p:spTgt>
-                                        </p:tgtEl>
-                                        <p:attrNameLst>
-                                          <p:attrName>style.visibility</p:attrName>
-                                        </p:attrNameLst>
-                                      </p:cBhvr>
-                                      <p:to>
-                                        <p:strVal val="visible"/>
-                                      </p:to>
-                                    </p:set>
-                                    <p:animEffect transition="in" filter="fade">
-                                      <p:cBhvr>
-                                        <p:cTn id="27" dur="500"/>
-                                        <p:tgtEl>
-                                          <p:spTgt spid="3">
-                                            <p:txEl>
-                                              <p:pRg st="4" end="4"/>
-                                            </p:txEl>
-                                          </p:spTgt>
-                                        </p:tgtEl>
-                                      </p:cBhvr>
-                                    </p:animEffect>
-                                  </p:childTnLst>
-                                </p:cTn>
-                              </p:par>
-                            </p:childTnLst>
-                          </p:cTn>
-                        </p:par>
-                      </p:childTnLst>
-                    </p:cTn>
-                  </p:par>
-                </p:childTnLst>
-              </p:cTn>
-              <p:prevCondLst>
-                <p:cond evt="onPrev" delay="0">
-                  <p:tgtEl>
-                    <p:sldTgt/>
-                  </p:tgtEl>
-                </p:cond>
-              </p:prevCondLst>
-              <p:nextCondLst>
-                <p:cond evt="onNext" delay="0">
-                  <p:tgtEl>
-                    <p:sldTgt/>
-                  </p:tgtEl>
-                </p:cond>
-              </p:nextCondLst>
-            </p:seq>
-          </p:childTnLst>
-        </p:cTn>
-      </p:par>
-    </p:tnLst>
-    <p:bldLst>
-      <p:bldP spid="3" grpId="0" build="p"/>
-    </p:bldLst>
-  </p:timing>
-</p:sld>
-</file>
-
-<file path=ppt/slides/slide31.xml><?xml version="1.0" encoding="utf-8"?>
-<p:sld xmlns:a="http://schemas.openxmlformats.org/drawingml/2006/main" xmlns:r="http://schemas.openxmlformats.org/officeDocument/2006/relationships" xmlns:p="http://schemas.openxmlformats.org/presentationml/2006/main">
-  <p:cSld>
-    <p:spTree>
-      <p:nvGrpSpPr>
-        <p:cNvPr id="1" name=""/>
-        <p:cNvGrpSpPr/>
-        <p:nvPr/>
-      </p:nvGrpSpPr>
-      <p:grpSpPr/>
-      <p:sp>
-        <p:nvSpPr>
-          <p:cNvPr id="3" name="Content Placeholder 2"/>
-          <p:cNvSpPr>
-            <a:spLocks noGrp="1"/>
-          </p:cNvSpPr>
-          <p:nvPr>
-            <p:ph idx="1"/>
-          </p:nvPr>
-        </p:nvSpPr>
-        <p:spPr>
-          <a:xfrm>
-            <a:off x="292100" y="406400"/>
-            <a:ext cx="9539605" cy="5984240"/>
-          </a:xfrm>
-        </p:spPr>
-        <p:txBody>
-          <a:bodyPr/>
-          <a:p>
-            <a:r>
-              <a:rPr lang="x-none" altLang="en-US"/>
-              <a:t>Các lớp và các ý niệm trong hệ thống Factom:</a:t>
-            </a:r>
-            <a:endParaRPr lang="x-none" altLang="en-US"/>
-          </a:p>
-          <a:p>
-            <a:pPr lvl="1"/>
-            <a:r>
-              <a:rPr lang="x-none" altLang="en-US"/>
-              <a:t>1. Directory Layer: Tầng tổ chức các Merkle Root của các Entry Blocks.</a:t>
-            </a:r>
-            <a:endParaRPr lang="x-none" altLang="en-US"/>
-          </a:p>
-          <a:p>
-            <a:pPr lvl="1"/>
-            <a:r>
-              <a:rPr lang="x-none" altLang="en-US"/>
-              <a:t>2. Entry Block Layer: Tầng tổ chức các references tới các Entries.</a:t>
-            </a:r>
-            <a:endParaRPr lang="x-none" altLang="en-US"/>
-          </a:p>
-          <a:p>
-            <a:pPr lvl="1"/>
-            <a:r>
-              <a:rPr lang="x-none" altLang="en-US"/>
-              <a:t>3. Entries: chứa dữ liệu của ứng dụng, có thể là giá trị thô (raw data) hoặc giá trị hash của nó (private data).</a:t>
-            </a:r>
-            <a:endParaRPr lang="x-none" altLang="en-US"/>
-          </a:p>
-          <a:p>
-            <a:pPr lvl="1"/>
-            <a:r>
-              <a:rPr lang="x-none" altLang="en-US"/>
-              <a:t>4. Chains: Chuỗi dùng để nhóm các Entries cụ thể cho một ứng dụng.</a:t>
-            </a:r>
-            <a:endParaRPr lang="x-none" altLang="en-US"/>
-          </a:p>
-        </p:txBody>
-      </p:sp>
-      <p:sp>
-        <p:nvSpPr>
-          <p:cNvPr id="4" name="Slide Number Placeholder 3"/>
-          <p:cNvSpPr>
-            <a:spLocks noGrp="1"/>
-          </p:cNvSpPr>
-          <p:nvPr>
-            <p:ph type="sldNum" sz="quarter" idx="12"/>
-          </p:nvPr>
-        </p:nvSpPr>
-        <p:spPr/>
-        <p:txBody>
-          <a:bodyPr/>
-          <a:p>
-            <a:fld id="{D57F1E4F-1CFF-5643-939E-217C01CDF565}" type="slidenum">
-              <a:rPr lang="en-US" dirty="0"/>
-            </a:fld>
-            <a:endParaRPr lang="en-US" dirty="0"/>
-          </a:p>
-        </p:txBody>
-      </p:sp>
-    </p:spTree>
-  </p:cSld>
-  <p:clrMapOvr>
-    <a:masterClrMapping/>
-  </p:clrMapOvr>
-  <p:transition>
-    <p:fade thruBlk="1"/>
-  </p:transition>
-  <p:timing>
-    <p:tnLst>
-      <p:par>
-        <p:cTn id="1" dur="indefinite" restart="never" nodeType="tmRoot">
-          <p:childTnLst>
-            <p:seq concurrent="1" nextAc="seek">
-              <p:cTn id="2" dur="indefinite" nodeType="mainSeq">
-                <p:childTnLst>
-                  <p:par>
-                    <p:cTn id="3" fill="hold">
-                      <p:stCondLst>
-                        <p:cond delay="indefinite"/>
-                      </p:stCondLst>
-                      <p:childTnLst>
-                        <p:par>
-                          <p:cTn id="4" fill="hold">
-                            <p:stCondLst>
-                              <p:cond delay="0"/>
-                            </p:stCondLst>
-                            <p:childTnLst>
-                              <p:par>
-                                <p:cTn id="5" presetID="10" presetClass="entr" presetSubtype="0" fill="hold" grpId="0" nodeType="clickEffect">
-                                  <p:stCondLst>
-                                    <p:cond delay="0"/>
-                                  </p:stCondLst>
-                                  <p:childTnLst>
-                                    <p:set>
-                                      <p:cBhvr>
-                                        <p:cTn id="6" dur="1" fill="hold">
-                                          <p:stCondLst>
-                                            <p:cond delay="0"/>
-                                          </p:stCondLst>
-                                        </p:cTn>
-                                        <p:tgtEl>
-                                          <p:spTgt spid="3">
-                                            <p:txEl>
-                                              <p:pRg st="0" end="0"/>
-                                            </p:txEl>
-                                          </p:spTgt>
-                                        </p:tgtEl>
-                                        <p:attrNameLst>
-                                          <p:attrName>style.visibility</p:attrName>
-                                        </p:attrNameLst>
-                                      </p:cBhvr>
-                                      <p:to>
-                                        <p:strVal val="visible"/>
-                                      </p:to>
-                                    </p:set>
-                                    <p:animEffect transition="in" filter="fade">
-                                      <p:cBhvr>
-                                        <p:cTn id="7" dur="500"/>
-                                        <p:tgtEl>
-                                          <p:spTgt spid="3">
-                                            <p:txEl>
-                                              <p:pRg st="0" end="0"/>
-                                            </p:txEl>
-                                          </p:spTgt>
-                                        </p:tgtEl>
-                                      </p:cBhvr>
-                                    </p:animEffect>
-                                  </p:childTnLst>
-                                </p:cTn>
-                              </p:par>
-                            </p:childTnLst>
-                          </p:cTn>
-                        </p:par>
-                      </p:childTnLst>
-                    </p:cTn>
-                  </p:par>
-                  <p:par>
-                    <p:cTn id="8" fill="hold">
-                      <p:stCondLst>
-                        <p:cond delay="indefinite"/>
-                      </p:stCondLst>
-                      <p:childTnLst>
-                        <p:par>
-                          <p:cTn id="9" fill="hold">
-                            <p:stCondLst>
-                              <p:cond delay="0"/>
-                            </p:stCondLst>
-                            <p:childTnLst>
-                              <p:par>
-                                <p:cTn id="10" presetID="10" presetClass="entr" presetSubtype="0" fill="hold" grpId="0" nodeType="clickEffect">
-                                  <p:stCondLst>
-                                    <p:cond delay="0"/>
-                                  </p:stCondLst>
-                                  <p:childTnLst>
-                                    <p:set>
-                                      <p:cBhvr>
-                                        <p:cTn id="11" dur="1" fill="hold">
-                                          <p:stCondLst>
-                                            <p:cond delay="0"/>
-                                          </p:stCondLst>
-                                        </p:cTn>
-                                        <p:tgtEl>
-                                          <p:spTgt spid="3">
-                                            <p:txEl>
-                                              <p:pRg st="1" end="1"/>
-                                            </p:txEl>
-                                          </p:spTgt>
-                                        </p:tgtEl>
-                                        <p:attrNameLst>
-                                          <p:attrName>style.visibility</p:attrName>
-                                        </p:attrNameLst>
-                                      </p:cBhvr>
-                                      <p:to>
-                                        <p:strVal val="visible"/>
-                                      </p:to>
-                                    </p:set>
-                                    <p:animEffect transition="in" filter="fade">
-                                      <p:cBhvr>
-                                        <p:cTn id="12" dur="500"/>
-                                        <p:tgtEl>
-                                          <p:spTgt spid="3">
-                                            <p:txEl>
-                                              <p:pRg st="1" end="1"/>
-                                            </p:txEl>
-                                          </p:spTgt>
-                                        </p:tgtEl>
-                                      </p:cBhvr>
-                                    </p:animEffect>
-                                  </p:childTnLst>
-                                </p:cTn>
-                              </p:par>
-                            </p:childTnLst>
-                          </p:cTn>
-                        </p:par>
-                      </p:childTnLst>
-                    </p:cTn>
-                  </p:par>
-                  <p:par>
-                    <p:cTn id="13" fill="hold">
-                      <p:stCondLst>
-                        <p:cond delay="indefinite"/>
-                      </p:stCondLst>
-                      <p:childTnLst>
-                        <p:par>
-                          <p:cTn id="14" fill="hold">
-                            <p:stCondLst>
-                              <p:cond delay="0"/>
-                            </p:stCondLst>
-                            <p:childTnLst>
-                              <p:par>
-                                <p:cTn id="15" presetID="10" presetClass="entr" presetSubtype="0" fill="hold" grpId="0" nodeType="clickEffect">
-                                  <p:stCondLst>
-                                    <p:cond delay="0"/>
-                                  </p:stCondLst>
-                                  <p:childTnLst>
-                                    <p:set>
-                                      <p:cBhvr>
-                                        <p:cTn id="16" dur="1" fill="hold">
-                                          <p:stCondLst>
-                                            <p:cond delay="0"/>
-                                          </p:stCondLst>
-                                        </p:cTn>
-                                        <p:tgtEl>
-                                          <p:spTgt spid="3">
-                                            <p:txEl>
-                                              <p:pRg st="2" end="2"/>
-                                            </p:txEl>
-                                          </p:spTgt>
-                                        </p:tgtEl>
-                                        <p:attrNameLst>
-                                          <p:attrName>style.visibility</p:attrName>
-                                        </p:attrNameLst>
-                                      </p:cBhvr>
-                                      <p:to>
-                                        <p:strVal val="visible"/>
-                                      </p:to>
-                                    </p:set>
-                                    <p:animEffect transition="in" filter="fade">
-                                      <p:cBhvr>
-                                        <p:cTn id="17" dur="500"/>
-                                        <p:tgtEl>
-                                          <p:spTgt spid="3">
-                                            <p:txEl>
-                                              <p:pRg st="2" end="2"/>
-                                            </p:txEl>
-                                          </p:spTgt>
-                                        </p:tgtEl>
-                                      </p:cBhvr>
-                                    </p:animEffect>
-                                  </p:childTnLst>
-                                </p:cTn>
-                              </p:par>
-                            </p:childTnLst>
-                          </p:cTn>
-                        </p:par>
-                      </p:childTnLst>
-                    </p:cTn>
-                  </p:par>
-                  <p:par>
-                    <p:cTn id="18" fill="hold">
-                      <p:stCondLst>
-                        <p:cond delay="indefinite"/>
-                      </p:stCondLst>
-                      <p:childTnLst>
-                        <p:par>
-                          <p:cTn id="19" fill="hold">
-                            <p:stCondLst>
-                              <p:cond delay="0"/>
-                            </p:stCondLst>
-                            <p:childTnLst>
-                              <p:par>
-                                <p:cTn id="20" presetID="10" presetClass="entr" presetSubtype="0" fill="hold" grpId="0" nodeType="clickEffect">
-                                  <p:stCondLst>
-                                    <p:cond delay="0"/>
-                                  </p:stCondLst>
-                                  <p:childTnLst>
-                                    <p:set>
-                                      <p:cBhvr>
-                                        <p:cTn id="21" dur="1" fill="hold">
-                                          <p:stCondLst>
-                                            <p:cond delay="0"/>
-                                          </p:stCondLst>
-                                        </p:cTn>
-                                        <p:tgtEl>
-                                          <p:spTgt spid="3">
-                                            <p:txEl>
-                                              <p:pRg st="3" end="3"/>
-                                            </p:txEl>
-                                          </p:spTgt>
-                                        </p:tgtEl>
-                                        <p:attrNameLst>
-                                          <p:attrName>style.visibility</p:attrName>
-                                        </p:attrNameLst>
-                                      </p:cBhvr>
-                                      <p:to>
-                                        <p:strVal val="visible"/>
-                                      </p:to>
-                                    </p:set>
-                                    <p:animEffect transition="in" filter="fade">
-                                      <p:cBhvr>
-                                        <p:cTn id="22" dur="500"/>
-                                        <p:tgtEl>
-                                          <p:spTgt spid="3">
-                                            <p:txEl>
-                                              <p:pRg st="3" end="3"/>
-                                            </p:txEl>
-                                          </p:spTgt>
-                                        </p:tgtEl>
-                                      </p:cBhvr>
-                                    </p:animEffect>
-                                  </p:childTnLst>
-                                </p:cTn>
-                              </p:par>
-                            </p:childTnLst>
-                          </p:cTn>
-                        </p:par>
-                      </p:childTnLst>
-                    </p:cTn>
-                  </p:par>
-                  <p:par>
-                    <p:cTn id="23" fill="hold">
-                      <p:stCondLst>
-                        <p:cond delay="indefinite"/>
-                      </p:stCondLst>
-                      <p:childTnLst>
-                        <p:par>
-                          <p:cTn id="24" fill="hold">
-                            <p:stCondLst>
-                              <p:cond delay="0"/>
-                            </p:stCondLst>
-                            <p:childTnLst>
-                              <p:par>
-                                <p:cTn id="25" presetID="10" presetClass="entr" presetSubtype="0" fill="hold" grpId="0" nodeType="clickEffect">
-                                  <p:stCondLst>
-                                    <p:cond delay="0"/>
-                                  </p:stCondLst>
-                                  <p:childTnLst>
-                                    <p:set>
-                                      <p:cBhvr>
-                                        <p:cTn id="26" dur="1" fill="hold">
-                                          <p:stCondLst>
-                                            <p:cond delay="0"/>
-                                          </p:stCondLst>
-                                        </p:cTn>
-                                        <p:tgtEl>
-                                          <p:spTgt spid="3">
-                                            <p:txEl>
-                                              <p:pRg st="4" end="4"/>
-                                            </p:txEl>
-                                          </p:spTgt>
-                                        </p:tgtEl>
-                                        <p:attrNameLst>
-                                          <p:attrName>style.visibility</p:attrName>
-                                        </p:attrNameLst>
-                                      </p:cBhvr>
-                                      <p:to>
-                                        <p:strVal val="visible"/>
-                                      </p:to>
-                                    </p:set>
-                                    <p:animEffect transition="in" filter="fade">
-                                      <p:cBhvr>
-                                        <p:cTn id="27" dur="500"/>
-                                        <p:tgtEl>
-                                          <p:spTgt spid="3">
-                                            <p:txEl>
-                                              <p:pRg st="4" end="4"/>
-                                            </p:txEl>
-                                          </p:spTgt>
-                                        </p:tgtEl>
-                                      </p:cBhvr>
-                                    </p:animEffect>
-                                  </p:childTnLst>
-                                </p:cTn>
-                              </p:par>
-                            </p:childTnLst>
-                          </p:cTn>
-                        </p:par>
-                      </p:childTnLst>
-                    </p:cTn>
-                  </p:par>
-                </p:childTnLst>
-              </p:cTn>
-              <p:prevCondLst>
-                <p:cond evt="onPrev" delay="0">
-                  <p:tgtEl>
-                    <p:sldTgt/>
-                  </p:tgtEl>
-                </p:cond>
-              </p:prevCondLst>
-              <p:nextCondLst>
-                <p:cond evt="onNext" delay="0">
-                  <p:tgtEl>
-                    <p:sldTgt/>
-                  </p:tgtEl>
-                </p:cond>
-              </p:nextCondLst>
-            </p:seq>
-          </p:childTnLst>
-        </p:cTn>
-      </p:par>
-    </p:tnLst>
-    <p:bldLst>
-      <p:bldP spid="3" grpId="0" uiExpand="1" build="p"/>
-    </p:bldLst>
-  </p:timing>
-</p:sld>
-</file>
-
-<file path=ppt/slides/slide32.xml><?xml version="1.0" encoding="utf-8"?>
-<p:sld xmlns:a="http://schemas.openxmlformats.org/drawingml/2006/main" xmlns:r="http://schemas.openxmlformats.org/officeDocument/2006/relationships" xmlns:p="http://schemas.openxmlformats.org/presentationml/2006/main">
-  <p:cSld>
-    <p:spTree>
-      <p:nvGrpSpPr>
-        <p:cNvPr id="1" name=""/>
-        <p:cNvGrpSpPr/>
-        <p:nvPr/>
-      </p:nvGrpSpPr>
-      <p:grpSpPr/>
-      <p:sp>
-        <p:nvSpPr>
-          <p:cNvPr id="2" name="Title 1"/>
-          <p:cNvSpPr>
-            <a:spLocks noGrp="1"/>
-          </p:cNvSpPr>
-          <p:nvPr>
-            <p:ph type="title"/>
-          </p:nvPr>
-        </p:nvSpPr>
-        <p:spPr>
-          <a:xfrm>
-            <a:off x="314749" y="262890"/>
-            <a:ext cx="8596668" cy="1320800"/>
-          </a:xfrm>
-        </p:spPr>
-        <p:txBody>
-          <a:bodyPr>
-            <a:normAutofit/>
-          </a:bodyPr>
-          <a:p>
-            <a:r>
-              <a:rPr lang="en-US"/>
-              <a:t>Directory Layer: How the Directory Layer Organizes Merkle Roots</a:t>
-            </a:r>
-            <a:r>
-              <a:rPr lang="x-none" altLang="en-US"/>
-              <a:t>?</a:t>
-            </a:r>
-            <a:endParaRPr lang="x-none" altLang="en-US"/>
-          </a:p>
-        </p:txBody>
-      </p:sp>
-      <p:sp>
-        <p:nvSpPr>
-          <p:cNvPr id="3" name="Content Placeholder 2"/>
-          <p:cNvSpPr>
-            <a:spLocks noGrp="1"/>
-          </p:cNvSpPr>
-          <p:nvPr>
-            <p:ph idx="1"/>
-          </p:nvPr>
-        </p:nvSpPr>
-        <p:spPr>
-          <a:xfrm>
-            <a:off x="316230" y="1765935"/>
-            <a:ext cx="9421495" cy="5083810"/>
-          </a:xfrm>
-        </p:spPr>
-        <p:txBody>
-          <a:bodyPr>
-            <a:normAutofit/>
-          </a:bodyPr>
-          <a:p>
-            <a:r>
-              <a:rPr lang="x-none" altLang="en-US" sz="2200"/>
-              <a:t>Directory Layer (DL) là mức đầu tiên trong các tầng kiến trúc của hệ thống Factom. Nó định nghĩa các ChainIDs cho các Entries.</a:t>
-            </a:r>
-            <a:endParaRPr lang="x-none" altLang="en-US" sz="2200"/>
-          </a:p>
-          <a:p>
-            <a:r>
-              <a:rPr lang="x-none" altLang="en-US" sz="2200"/>
-              <a:t>ChainID dùng xác định Chain của các Entries của người dùng.</a:t>
-            </a:r>
-            <a:endParaRPr lang="x-none" altLang="en-US" sz="2200"/>
-          </a:p>
-          <a:p>
-            <a:r>
-              <a:rPr lang="x-none" altLang="en-US" sz="2200"/>
-              <a:t>DL chủ yếu gồm một cặp ChainID và Merkle Root (MR) của Entry Block (EB) chứa dữ liệu cho ChainID đó.</a:t>
-            </a:r>
-            <a:endParaRPr lang="x-none" altLang="en-US" sz="2200"/>
-          </a:p>
-          <a:p>
-            <a:r>
-              <a:rPr lang="x-none" altLang="en-US" sz="2200"/>
-              <a:t>Mỗi EB được tham chiếu trong 1 DB chiếm 64 bytes, gồm 2 giá trị hash 32 bytes của ChainID, và của MR của EB.</a:t>
-            </a:r>
-            <a:endParaRPr lang="x-none" altLang="en-US" sz="2200"/>
-          </a:p>
-          <a:p>
-            <a:r>
-              <a:rPr lang="x-none" altLang="en-US" sz="2200"/>
-              <a:t>Nếu có 1 triệu EB như vậy thì 1 DB có kích thước khoảng 64 MB (= 10^6 * 64 bytes)</a:t>
-            </a:r>
-            <a:endParaRPr lang="x-none" altLang="en-US" sz="2200"/>
-          </a:p>
-          <a:p>
-            <a:r>
-              <a:rPr lang="x-none" altLang="en-US" sz="2200"/>
-              <a:t>Nếu trung bình 1 EB có 5 Entries, 64 MB của DB cho phép 5 triệu Entries riêng biệt.</a:t>
-            </a:r>
-            <a:endParaRPr lang="x-none" altLang="en-US" sz="2200"/>
-          </a:p>
-        </p:txBody>
-      </p:sp>
-      <p:sp>
-        <p:nvSpPr>
-          <p:cNvPr id="4" name="Slide Number Placeholder 3"/>
-          <p:cNvSpPr>
-            <a:spLocks noGrp="1"/>
-          </p:cNvSpPr>
-          <p:nvPr>
-            <p:ph type="sldNum" sz="quarter" idx="12"/>
-          </p:nvPr>
-        </p:nvSpPr>
-        <p:spPr/>
-        <p:txBody>
-          <a:bodyPr/>
-          <a:p>
-            <a:fld id="{D57F1E4F-1CFF-5643-939E-217C01CDF565}" type="slidenum">
-              <a:rPr lang="en-US" dirty="0"/>
-            </a:fld>
-            <a:endParaRPr lang="en-US" dirty="0"/>
-          </a:p>
-        </p:txBody>
-      </p:sp>
-    </p:spTree>
-  </p:cSld>
-  <p:clrMapOvr>
-    <a:masterClrMapping/>
-  </p:clrMapOvr>
-  <p:transition>
-    <p:fade thruBlk="1"/>
-  </p:transition>
-  <p:timing>
-    <p:tnLst>
-      <p:par>
-        <p:cTn id="1" dur="indefinite" restart="never" nodeType="tmRoot">
-          <p:childTnLst>
-            <p:seq concurrent="1" nextAc="seek">
-              <p:cTn id="2" dur="indefinite" nodeType="mainSeq">
-                <p:childTnLst>
-                  <p:par>
-                    <p:cTn id="3" fill="hold">
-                      <p:stCondLst>
-                        <p:cond delay="indefinite"/>
-                      </p:stCondLst>
-                      <p:childTnLst>
-                        <p:par>
-                          <p:cTn id="4" fill="hold">
-                            <p:stCondLst>
-                              <p:cond delay="0"/>
-                            </p:stCondLst>
-                            <p:childTnLst>
-                              <p:par>
-                                <p:cTn id="5" presetID="10" presetClass="entr" presetSubtype="0" fill="hold" grpId="0" nodeType="clickEffect">
-                                  <p:stCondLst>
-                                    <p:cond delay="0"/>
-                                  </p:stCondLst>
-                                  <p:childTnLst>
-                                    <p:set>
-                                      <p:cBhvr>
-                                        <p:cTn id="6" dur="1" fill="hold">
-                                          <p:stCondLst>
-                                            <p:cond delay="0"/>
-                                          </p:stCondLst>
-                                        </p:cTn>
-                                        <p:tgtEl>
-                                          <p:spTgt spid="3">
-                                            <p:txEl>
-                                              <p:pRg st="0" end="0"/>
-                                            </p:txEl>
-                                          </p:spTgt>
-                                        </p:tgtEl>
-                                        <p:attrNameLst>
-                                          <p:attrName>style.visibility</p:attrName>
-                                        </p:attrNameLst>
-                                      </p:cBhvr>
-                                      <p:to>
-                                        <p:strVal val="visible"/>
-                                      </p:to>
-                                    </p:set>
-                                    <p:animEffect transition="in" filter="fade">
-                                      <p:cBhvr>
-                                        <p:cTn id="7" dur="500"/>
-                                        <p:tgtEl>
-                                          <p:spTgt spid="3">
-                                            <p:txEl>
-                                              <p:pRg st="0" end="0"/>
-                                            </p:txEl>
-                                          </p:spTgt>
-                                        </p:tgtEl>
-                                      </p:cBhvr>
-                                    </p:animEffect>
-                                  </p:childTnLst>
-                                </p:cTn>
-                              </p:par>
-                            </p:childTnLst>
-                          </p:cTn>
-                        </p:par>
-                      </p:childTnLst>
-                    </p:cTn>
-                  </p:par>
-                  <p:par>
-                    <p:cTn id="8" fill="hold">
-                      <p:stCondLst>
-                        <p:cond delay="indefinite"/>
-                      </p:stCondLst>
-                      <p:childTnLst>
-                        <p:par>
-                          <p:cTn id="9" fill="hold">
-                            <p:stCondLst>
-                              <p:cond delay="0"/>
-                            </p:stCondLst>
-                            <p:childTnLst>
-                              <p:par>
-                                <p:cTn id="10" presetID="10" presetClass="entr" presetSubtype="0" fill="hold" grpId="0" nodeType="clickEffect">
-                                  <p:stCondLst>
-                                    <p:cond delay="0"/>
-                                  </p:stCondLst>
-                                  <p:childTnLst>
-                                    <p:set>
-                                      <p:cBhvr>
-                                        <p:cTn id="11" dur="1" fill="hold">
-                                          <p:stCondLst>
-                                            <p:cond delay="0"/>
-                                          </p:stCondLst>
-                                        </p:cTn>
-                                        <p:tgtEl>
-                                          <p:spTgt spid="3">
-                                            <p:txEl>
-                                              <p:pRg st="1" end="1"/>
-                                            </p:txEl>
-                                          </p:spTgt>
-                                        </p:tgtEl>
-                                        <p:attrNameLst>
-                                          <p:attrName>style.visibility</p:attrName>
-                                        </p:attrNameLst>
-                                      </p:cBhvr>
-                                      <p:to>
-                                        <p:strVal val="visible"/>
-                                      </p:to>
-                                    </p:set>
-                                    <p:animEffect transition="in" filter="fade">
-                                      <p:cBhvr>
-                                        <p:cTn id="12" dur="500"/>
-                                        <p:tgtEl>
-                                          <p:spTgt spid="3">
-                                            <p:txEl>
-                                              <p:pRg st="1" end="1"/>
-                                            </p:txEl>
-                                          </p:spTgt>
-                                        </p:tgtEl>
-                                      </p:cBhvr>
-                                    </p:animEffect>
-                                  </p:childTnLst>
-                                </p:cTn>
-                              </p:par>
-                            </p:childTnLst>
-                          </p:cTn>
-                        </p:par>
-                      </p:childTnLst>
-                    </p:cTn>
-                  </p:par>
-                  <p:par>
-                    <p:cTn id="13" fill="hold">
-                      <p:stCondLst>
-                        <p:cond delay="indefinite"/>
-                      </p:stCondLst>
-                      <p:childTnLst>
-                        <p:par>
-                          <p:cTn id="14" fill="hold">
-                            <p:stCondLst>
-                              <p:cond delay="0"/>
-                            </p:stCondLst>
-                            <p:childTnLst>
-                              <p:par>
-                                <p:cTn id="15" presetID="10" presetClass="entr" presetSubtype="0" fill="hold" grpId="0" nodeType="clickEffect">
-                                  <p:stCondLst>
-                                    <p:cond delay="0"/>
-                                  </p:stCondLst>
-                                  <p:childTnLst>
-                                    <p:set>
-                                      <p:cBhvr>
-                                        <p:cTn id="16" dur="1" fill="hold">
-                                          <p:stCondLst>
-                                            <p:cond delay="0"/>
-                                          </p:stCondLst>
-                                        </p:cTn>
-                                        <p:tgtEl>
-                                          <p:spTgt spid="3">
-                                            <p:txEl>
-                                              <p:pRg st="2" end="2"/>
-                                            </p:txEl>
-                                          </p:spTgt>
-                                        </p:tgtEl>
-                                        <p:attrNameLst>
-                                          <p:attrName>style.visibility</p:attrName>
-                                        </p:attrNameLst>
-                                      </p:cBhvr>
-                                      <p:to>
-                                        <p:strVal val="visible"/>
-                                      </p:to>
-                                    </p:set>
-                                    <p:animEffect transition="in" filter="fade">
-                                      <p:cBhvr>
-                                        <p:cTn id="17" dur="500"/>
-                                        <p:tgtEl>
-                                          <p:spTgt spid="3">
-                                            <p:txEl>
-                                              <p:pRg st="2" end="2"/>
-                                            </p:txEl>
-                                          </p:spTgt>
-                                        </p:tgtEl>
-                                      </p:cBhvr>
-                                    </p:animEffect>
-                                  </p:childTnLst>
-                                </p:cTn>
-                              </p:par>
-                            </p:childTnLst>
-                          </p:cTn>
-                        </p:par>
-                      </p:childTnLst>
-                    </p:cTn>
-                  </p:par>
-                  <p:par>
-                    <p:cTn id="18" fill="hold">
-                      <p:stCondLst>
-                        <p:cond delay="indefinite"/>
-                      </p:stCondLst>
-                      <p:childTnLst>
-                        <p:par>
-                          <p:cTn id="19" fill="hold">
-                            <p:stCondLst>
-                              <p:cond delay="0"/>
-                            </p:stCondLst>
-                            <p:childTnLst>
-                              <p:par>
-                                <p:cTn id="20" presetID="10" presetClass="entr" presetSubtype="0" fill="hold" grpId="0" nodeType="clickEffect">
-                                  <p:stCondLst>
-                                    <p:cond delay="0"/>
-                                  </p:stCondLst>
-                                  <p:childTnLst>
-                                    <p:set>
-                                      <p:cBhvr>
-                                        <p:cTn id="21" dur="1" fill="hold">
-                                          <p:stCondLst>
-                                            <p:cond delay="0"/>
-                                          </p:stCondLst>
-                                        </p:cTn>
-                                        <p:tgtEl>
-                                          <p:spTgt spid="3">
-                                            <p:txEl>
-                                              <p:pRg st="3" end="3"/>
-                                            </p:txEl>
-                                          </p:spTgt>
-                                        </p:tgtEl>
-                                        <p:attrNameLst>
-                                          <p:attrName>style.visibility</p:attrName>
-                                        </p:attrNameLst>
-                                      </p:cBhvr>
-                                      <p:to>
-                                        <p:strVal val="visible"/>
-                                      </p:to>
-                                    </p:set>
-                                    <p:animEffect transition="in" filter="fade">
-                                      <p:cBhvr>
-                                        <p:cTn id="22" dur="500"/>
-                                        <p:tgtEl>
-                                          <p:spTgt spid="3">
-                                            <p:txEl>
-                                              <p:pRg st="3" end="3"/>
-                                            </p:txEl>
-                                          </p:spTgt>
-                                        </p:tgtEl>
-                                      </p:cBhvr>
-                                    </p:animEffect>
-                                  </p:childTnLst>
-                                </p:cTn>
-                              </p:par>
-                            </p:childTnLst>
-                          </p:cTn>
-                        </p:par>
-                      </p:childTnLst>
-                    </p:cTn>
-                  </p:par>
-                  <p:par>
-                    <p:cTn id="23" fill="hold">
-                      <p:stCondLst>
-                        <p:cond delay="indefinite"/>
-                      </p:stCondLst>
-                      <p:childTnLst>
-                        <p:par>
-                          <p:cTn id="24" fill="hold">
-                            <p:stCondLst>
-                              <p:cond delay="0"/>
-                            </p:stCondLst>
-                            <p:childTnLst>
-                              <p:par>
-                                <p:cTn id="25" presetID="10" presetClass="entr" presetSubtype="0" fill="hold" grpId="0" nodeType="clickEffect">
-                                  <p:stCondLst>
-                                    <p:cond delay="0"/>
-                                  </p:stCondLst>
-                                  <p:childTnLst>
-                                    <p:set>
-                                      <p:cBhvr>
-                                        <p:cTn id="26" dur="1" fill="hold">
-                                          <p:stCondLst>
-                                            <p:cond delay="0"/>
-                                          </p:stCondLst>
-                                        </p:cTn>
-                                        <p:tgtEl>
-                                          <p:spTgt spid="3">
-                                            <p:txEl>
-                                              <p:pRg st="4" end="4"/>
-                                            </p:txEl>
-                                          </p:spTgt>
-                                        </p:tgtEl>
-                                        <p:attrNameLst>
-                                          <p:attrName>style.visibility</p:attrName>
-                                        </p:attrNameLst>
-                                      </p:cBhvr>
-                                      <p:to>
-                                        <p:strVal val="visible"/>
-                                      </p:to>
-                                    </p:set>
-                                    <p:animEffect transition="in" filter="fade">
-                                      <p:cBhvr>
-                                        <p:cTn id="27" dur="500"/>
-                                        <p:tgtEl>
-                                          <p:spTgt spid="3">
-                                            <p:txEl>
-                                              <p:pRg st="4" end="4"/>
-                                            </p:txEl>
-                                          </p:spTgt>
-                                        </p:tgtEl>
-                                      </p:cBhvr>
-                                    </p:animEffect>
-                                  </p:childTnLst>
-                                </p:cTn>
-                              </p:par>
-                            </p:childTnLst>
-                          </p:cTn>
-                        </p:par>
-                      </p:childTnLst>
-                    </p:cTn>
-                  </p:par>
-                  <p:par>
-                    <p:cTn id="28" fill="hold">
-                      <p:stCondLst>
-                        <p:cond delay="indefinite"/>
-                      </p:stCondLst>
-                      <p:childTnLst>
-                        <p:par>
-                          <p:cTn id="29" fill="hold">
-                            <p:stCondLst>
-                              <p:cond delay="0"/>
-                            </p:stCondLst>
-                            <p:childTnLst>
-                              <p:par>
-                                <p:cTn id="30" presetID="10" presetClass="entr" presetSubtype="0" fill="hold" grpId="0" nodeType="clickEffect">
-                                  <p:stCondLst>
-                                    <p:cond delay="0"/>
-                                  </p:stCondLst>
-                                  <p:childTnLst>
-                                    <p:set>
-                                      <p:cBhvr>
-                                        <p:cTn id="31" dur="1" fill="hold">
-                                          <p:stCondLst>
-                                            <p:cond delay="0"/>
-                                          </p:stCondLst>
-                                        </p:cTn>
-                                        <p:tgtEl>
-                                          <p:spTgt spid="3">
-                                            <p:txEl>
-                                              <p:pRg st="5" end="5"/>
-                                            </p:txEl>
-                                          </p:spTgt>
-                                        </p:tgtEl>
-                                        <p:attrNameLst>
-                                          <p:attrName>style.visibility</p:attrName>
-                                        </p:attrNameLst>
-                                      </p:cBhvr>
-                                      <p:to>
-                                        <p:strVal val="visible"/>
-                                      </p:to>
-                                    </p:set>
-                                    <p:animEffect transition="in" filter="fade">
-                                      <p:cBhvr>
-                                        <p:cTn id="32" dur="500"/>
-                                        <p:tgtEl>
-                                          <p:spTgt spid="3">
-                                            <p:txEl>
-                                              <p:pRg st="5" end="5"/>
-                                            </p:txEl>
-                                          </p:spTgt>
-                                        </p:tgtEl>
-                                      </p:cBhvr>
-                                    </p:animEffect>
-                                  </p:childTnLst>
-                                </p:cTn>
-                              </p:par>
-                            </p:childTnLst>
-                          </p:cTn>
-                        </p:par>
-                      </p:childTnLst>
-                    </p:cTn>
-                  </p:par>
-                </p:childTnLst>
-              </p:cTn>
-              <p:prevCondLst>
-                <p:cond evt="onPrev" delay="0">
-                  <p:tgtEl>
-                    <p:sldTgt/>
-                  </p:tgtEl>
-                </p:cond>
-              </p:prevCondLst>
-              <p:nextCondLst>
-                <p:cond evt="onNext" delay="0">
-                  <p:tgtEl>
-                    <p:sldTgt/>
-                  </p:tgtEl>
-                </p:cond>
-              </p:nextCondLst>
-            </p:seq>
-          </p:childTnLst>
-        </p:cTn>
-      </p:par>
-    </p:tnLst>
-    <p:bldLst>
-      <p:bldP spid="3" grpId="0" build="p"/>
-    </p:bldLst>
-  </p:timing>
-</p:sld>
-</file>
-
-<file path=ppt/slides/slide33.xml><?xml version="1.0" encoding="utf-8"?>
-<p:sld xmlns:a="http://schemas.openxmlformats.org/drawingml/2006/main" xmlns:r="http://schemas.openxmlformats.org/officeDocument/2006/relationships" xmlns:p="http://schemas.openxmlformats.org/presentationml/2006/main">
-  <p:cSld>
-    <p:spTree>
-      <p:nvGrpSpPr>
-        <p:cNvPr id="1" name=""/>
-        <p:cNvGrpSpPr/>
-        <p:nvPr/>
-      </p:nvGrpSpPr>
-      <p:grpSpPr/>
-      <p:sp>
-        <p:nvSpPr>
-          <p:cNvPr id="3" name="Content Placeholder 2"/>
-          <p:cNvSpPr>
-            <a:spLocks noGrp="1"/>
-          </p:cNvSpPr>
-          <p:nvPr>
-            <p:ph idx="1"/>
-          </p:nvPr>
-        </p:nvSpPr>
-        <p:spPr>
-          <a:xfrm>
-            <a:off x="306070" y="375920"/>
-            <a:ext cx="9409430" cy="6014720"/>
-          </a:xfrm>
-        </p:spPr>
-        <p:txBody>
-          <a:bodyPr>
-            <a:normAutofit/>
-          </a:bodyPr>
-          <a:p>
-            <a:r>
-              <a:rPr lang="en-US" sz="2200"/>
-              <a:t>Nếu một ứng dụng </a:t>
-            </a:r>
-            <a:r>
-              <a:rPr lang="x-none" altLang="en-US" sz="2200"/>
-              <a:t>chỉ </a:t>
-            </a:r>
-            <a:r>
-              <a:rPr lang="en-US" sz="2200"/>
-              <a:t>có </a:t>
-            </a:r>
-            <a:r>
-              <a:rPr lang="x-none" altLang="en-US" sz="2200"/>
-              <a:t>thông tin về </a:t>
-            </a:r>
-            <a:r>
-              <a:rPr lang="en-US" sz="2200"/>
-              <a:t>các </a:t>
-            </a:r>
-            <a:r>
-              <a:rPr lang="x-none" altLang="en-US" sz="2200"/>
-              <a:t>DBs</a:t>
-            </a:r>
-            <a:r>
-              <a:rPr lang="en-US" sz="2200"/>
-              <a:t>, nó có thể tìm thấy các </a:t>
-            </a:r>
-            <a:r>
-              <a:rPr lang="x-none" altLang="en-US" sz="2200"/>
-              <a:t>EBs</a:t>
-            </a:r>
-            <a:r>
-              <a:rPr lang="en-US" sz="2200"/>
-              <a:t> mà nó quan tâm mà không cần tải xuống mọi </a:t>
-            </a:r>
-            <a:r>
-              <a:rPr lang="x-none" altLang="en-US" sz="2200"/>
-              <a:t>EBs trong DBs</a:t>
-            </a:r>
-            <a:r>
-              <a:rPr lang="en-US" sz="2200"/>
-              <a:t>. </a:t>
-            </a:r>
-            <a:endParaRPr lang="en-US" sz="2200"/>
-          </a:p>
-          <a:p>
-            <a:r>
-              <a:rPr lang="en-US" sz="2200"/>
-              <a:t>Một ứng dụng riêng lẻ sẽ chỉ quan tâm đến một tập nhỏ các ChainID đang được Factom theo dõi. Điều này sẽ hạn chế đáng kể lượng băng thông mà </a:t>
-            </a:r>
-            <a:r>
-              <a:rPr lang="x-none" altLang="en-US" sz="2200"/>
-              <a:t>1 </a:t>
-            </a:r>
-            <a:r>
-              <a:rPr lang="x-none" altLang="en-US" sz="2200"/>
-              <a:t>client </a:t>
-            </a:r>
-            <a:r>
-              <a:rPr lang="en-US" sz="2200"/>
-              <a:t>cần phải sử dụng với Factom.</a:t>
-            </a:r>
-            <a:endParaRPr lang="en-US" sz="2200"/>
-          </a:p>
-          <a:p>
-            <a:r>
-              <a:rPr lang="en-US" sz="2200"/>
-              <a:t>Các máy chủ Factom thu thập các Merkle </a:t>
-            </a:r>
-            <a:r>
-              <a:rPr lang="x-none" altLang="en-US" sz="2200"/>
-              <a:t>Roots (MRs)</a:t>
-            </a:r>
-            <a:r>
-              <a:rPr lang="en-US" sz="2200"/>
-              <a:t> của các </a:t>
-            </a:r>
-            <a:r>
-              <a:rPr lang="x-none" altLang="en-US" sz="2200"/>
-              <a:t>EBs</a:t>
-            </a:r>
-            <a:r>
-              <a:rPr lang="en-US" sz="2200"/>
-              <a:t> và gói chúng vào </a:t>
-            </a:r>
-            <a:r>
-              <a:rPr lang="x-none" altLang="en-US" sz="2200"/>
-              <a:t>1</a:t>
-            </a:r>
-            <a:r>
-              <a:rPr lang="en-US" sz="2200"/>
-              <a:t> </a:t>
-            </a:r>
-            <a:r>
-              <a:rPr lang="x-none" altLang="en-US" sz="2200"/>
-              <a:t>DB</a:t>
-            </a:r>
-            <a:r>
-              <a:rPr lang="en-US" sz="2200"/>
-              <a:t>. </a:t>
-            </a:r>
-            <a:endParaRPr lang="en-US" sz="2200"/>
-          </a:p>
-          <a:p>
-            <a:r>
-              <a:rPr lang="x-none" altLang="en-US" sz="2200"/>
-              <a:t>Cứ 10</a:t>
-            </a:r>
-            <a:r>
-              <a:rPr lang="en-US" sz="2200"/>
-              <a:t> </a:t>
-            </a:r>
-            <a:r>
-              <a:rPr lang="x-none" altLang="en-US" sz="2200"/>
-              <a:t>DBs</a:t>
-            </a:r>
-            <a:r>
-              <a:rPr lang="en-US" sz="2200"/>
-              <a:t> liên tiếp </a:t>
-            </a:r>
-            <a:r>
-              <a:rPr lang="x-none" altLang="en-US" sz="2200"/>
-              <a:t>sẽ </a:t>
-            </a:r>
-            <a:r>
-              <a:rPr lang="en-US" sz="2200"/>
-              <a:t>được </a:t>
-            </a:r>
-            <a:r>
-              <a:rPr lang="x-none" altLang="en-US" sz="2200"/>
-              <a:t>hash</a:t>
-            </a:r>
-            <a:r>
-              <a:rPr lang="en-US" sz="2200"/>
-              <a:t> thông qua </a:t>
-            </a:r>
-            <a:r>
-              <a:rPr lang="x-none" altLang="en-US" sz="2200"/>
-              <a:t>1</a:t>
-            </a:r>
-            <a:r>
-              <a:rPr lang="en-US" sz="2200"/>
-              <a:t> Merkle </a:t>
-            </a:r>
-            <a:r>
-              <a:rPr lang="x-none" altLang="en-US" sz="2200"/>
-              <a:t>Tree</a:t>
-            </a:r>
-            <a:r>
-              <a:rPr lang="en-US" sz="2200"/>
-              <a:t>, và gốc Merkle được ghi vào </a:t>
-            </a:r>
-            <a:r>
-              <a:rPr lang="x-none" altLang="en-US" sz="2200"/>
-              <a:t>blockchain của B</a:t>
-            </a:r>
-            <a:r>
-              <a:rPr lang="en-US" sz="2200"/>
-              <a:t>itcoin </a:t>
-            </a:r>
-            <a:r>
-              <a:rPr lang="x-none" altLang="en-US" sz="2200"/>
-              <a:t>=&gt; </a:t>
-            </a:r>
-            <a:r>
-              <a:rPr lang="en-US" sz="2200"/>
-              <a:t>bảo đảm bằng sức mạnh </a:t>
-            </a:r>
-            <a:r>
-              <a:rPr lang="x-none" altLang="en-US" sz="2200"/>
-              <a:t>hash của </a:t>
-            </a:r>
-            <a:r>
-              <a:rPr lang="en-US" sz="2200"/>
-              <a:t>Bitcoin. Quá trình thêm gốc Merkle vào </a:t>
-            </a:r>
-            <a:r>
-              <a:rPr lang="x-none" altLang="en-US" sz="2200"/>
-              <a:t>B</a:t>
-            </a:r>
-            <a:r>
-              <a:rPr lang="en-US" sz="2200"/>
-              <a:t>itcoin gọi là "neo". </a:t>
-            </a:r>
-            <a:endParaRPr lang="en-US" sz="2200"/>
-          </a:p>
-        </p:txBody>
-      </p:sp>
-      <p:sp>
-        <p:nvSpPr>
-          <p:cNvPr id="4" name="Slide Number Placeholder 3"/>
-          <p:cNvSpPr>
-            <a:spLocks noGrp="1"/>
-          </p:cNvSpPr>
-          <p:nvPr>
-            <p:ph type="sldNum" sz="quarter" idx="12"/>
-          </p:nvPr>
-        </p:nvSpPr>
-        <p:spPr/>
-        <p:txBody>
-          <a:bodyPr/>
-          <a:p>
-            <a:fld id="{D57F1E4F-1CFF-5643-939E-217C01CDF565}" type="slidenum">
-              <a:rPr lang="en-US" dirty="0"/>
-            </a:fld>
-            <a:endParaRPr lang="en-US" dirty="0"/>
-          </a:p>
-        </p:txBody>
-      </p:sp>
-    </p:spTree>
-  </p:cSld>
-  <p:clrMapOvr>
-    <a:masterClrMapping/>
-  </p:clrMapOvr>
-  <p:transition>
-    <p:fade thruBlk="1"/>
-  </p:transition>
-  <p:timing>
-    <p:tnLst>
-      <p:par>
-        <p:cTn id="1" dur="indefinite" restart="never" nodeType="tmRoot">
-          <p:childTnLst>
-            <p:seq concurrent="1" nextAc="seek">
-              <p:cTn id="2" dur="indefinite" nodeType="mainSeq">
-                <p:childTnLst>
-                  <p:par>
-                    <p:cTn id="3" fill="hold">
-                      <p:stCondLst>
-                        <p:cond delay="indefinite"/>
-                      </p:stCondLst>
-                      <p:childTnLst>
-                        <p:par>
-                          <p:cTn id="4" fill="hold">
-                            <p:stCondLst>
-                              <p:cond delay="0"/>
-                            </p:stCondLst>
-                            <p:childTnLst>
-                              <p:par>
-                                <p:cTn id="5" presetID="10" presetClass="entr" presetSubtype="0" fill="hold" grpId="0" nodeType="clickEffect">
-                                  <p:stCondLst>
-                                    <p:cond delay="0"/>
-                                  </p:stCondLst>
-                                  <p:childTnLst>
-                                    <p:set>
-                                      <p:cBhvr>
-                                        <p:cTn id="6" dur="1" fill="hold">
-                                          <p:stCondLst>
-                                            <p:cond delay="0"/>
-                                          </p:stCondLst>
-                                        </p:cTn>
-                                        <p:tgtEl>
-                                          <p:spTgt spid="3">
-                                            <p:txEl>
-                                              <p:pRg st="0" end="0"/>
-                                            </p:txEl>
-                                          </p:spTgt>
-                                        </p:tgtEl>
-                                        <p:attrNameLst>
-                                          <p:attrName>style.visibility</p:attrName>
-                                        </p:attrNameLst>
-                                      </p:cBhvr>
-                                      <p:to>
-                                        <p:strVal val="visible"/>
-                                      </p:to>
-                                    </p:set>
-                                    <p:animEffect transition="in" filter="fade">
-                                      <p:cBhvr>
-                                        <p:cTn id="7" dur="500"/>
-                                        <p:tgtEl>
-                                          <p:spTgt spid="3">
-                                            <p:txEl>
-                                              <p:pRg st="0" end="0"/>
-                                            </p:txEl>
-                                          </p:spTgt>
-                                        </p:tgtEl>
-                                      </p:cBhvr>
-                                    </p:animEffect>
-                                  </p:childTnLst>
-                                </p:cTn>
-                              </p:par>
-                            </p:childTnLst>
-                          </p:cTn>
-                        </p:par>
-                      </p:childTnLst>
-                    </p:cTn>
-                  </p:par>
-                  <p:par>
-                    <p:cTn id="8" fill="hold">
-                      <p:stCondLst>
-                        <p:cond delay="indefinite"/>
-                      </p:stCondLst>
-                      <p:childTnLst>
-                        <p:par>
-                          <p:cTn id="9" fill="hold">
-                            <p:stCondLst>
-                              <p:cond delay="0"/>
-                            </p:stCondLst>
-                            <p:childTnLst>
-                              <p:par>
-                                <p:cTn id="10" presetID="10" presetClass="entr" presetSubtype="0" fill="hold" grpId="0" nodeType="clickEffect">
-                                  <p:stCondLst>
-                                    <p:cond delay="0"/>
-                                  </p:stCondLst>
-                                  <p:childTnLst>
-                                    <p:set>
-                                      <p:cBhvr>
-                                        <p:cTn id="11" dur="1" fill="hold">
-                                          <p:stCondLst>
-                                            <p:cond delay="0"/>
-                                          </p:stCondLst>
-                                        </p:cTn>
-                                        <p:tgtEl>
-                                          <p:spTgt spid="3">
-                                            <p:txEl>
-                                              <p:pRg st="1" end="1"/>
-                                            </p:txEl>
-                                          </p:spTgt>
-                                        </p:tgtEl>
-                                        <p:attrNameLst>
-                                          <p:attrName>style.visibility</p:attrName>
-                                        </p:attrNameLst>
-                                      </p:cBhvr>
-                                      <p:to>
-                                        <p:strVal val="visible"/>
-                                      </p:to>
-                                    </p:set>
-                                    <p:animEffect transition="in" filter="fade">
-                                      <p:cBhvr>
-                                        <p:cTn id="12" dur="500"/>
-                                        <p:tgtEl>
-                                          <p:spTgt spid="3">
-                                            <p:txEl>
-                                              <p:pRg st="1" end="1"/>
-                                            </p:txEl>
-                                          </p:spTgt>
-                                        </p:tgtEl>
-                                      </p:cBhvr>
-                                    </p:animEffect>
-                                  </p:childTnLst>
-                                </p:cTn>
-                              </p:par>
-                            </p:childTnLst>
-                          </p:cTn>
-                        </p:par>
-                      </p:childTnLst>
-                    </p:cTn>
-                  </p:par>
-                  <p:par>
-                    <p:cTn id="13" fill="hold">
-                      <p:stCondLst>
-                        <p:cond delay="indefinite"/>
-                      </p:stCondLst>
-                      <p:childTnLst>
-                        <p:par>
-                          <p:cTn id="14" fill="hold">
-                            <p:stCondLst>
-                              <p:cond delay="0"/>
-                            </p:stCondLst>
-                            <p:childTnLst>
-                              <p:par>
-                                <p:cTn id="15" presetID="10" presetClass="entr" presetSubtype="0" fill="hold" grpId="0" nodeType="clickEffect">
-                                  <p:stCondLst>
-                                    <p:cond delay="0"/>
-                                  </p:stCondLst>
-                                  <p:childTnLst>
-                                    <p:set>
-                                      <p:cBhvr>
-                                        <p:cTn id="16" dur="1" fill="hold">
-                                          <p:stCondLst>
-                                            <p:cond delay="0"/>
-                                          </p:stCondLst>
-                                        </p:cTn>
-                                        <p:tgtEl>
-                                          <p:spTgt spid="3">
-                                            <p:txEl>
-                                              <p:pRg st="2" end="2"/>
-                                            </p:txEl>
-                                          </p:spTgt>
-                                        </p:tgtEl>
-                                        <p:attrNameLst>
-                                          <p:attrName>style.visibility</p:attrName>
-                                        </p:attrNameLst>
-                                      </p:cBhvr>
-                                      <p:to>
-                                        <p:strVal val="visible"/>
-                                      </p:to>
-                                    </p:set>
-                                    <p:animEffect transition="in" filter="fade">
-                                      <p:cBhvr>
-                                        <p:cTn id="17" dur="500"/>
-                                        <p:tgtEl>
-                                          <p:spTgt spid="3">
-                                            <p:txEl>
-                                              <p:pRg st="2" end="2"/>
-                                            </p:txEl>
-                                          </p:spTgt>
-                                        </p:tgtEl>
-                                      </p:cBhvr>
-                                    </p:animEffect>
-                                  </p:childTnLst>
-                                </p:cTn>
-                              </p:par>
-                            </p:childTnLst>
-                          </p:cTn>
-                        </p:par>
-                      </p:childTnLst>
-                    </p:cTn>
-                  </p:par>
-                  <p:par>
-                    <p:cTn id="18" fill="hold">
-                      <p:stCondLst>
-                        <p:cond delay="indefinite"/>
-                      </p:stCondLst>
-                      <p:childTnLst>
-                        <p:par>
-                          <p:cTn id="19" fill="hold">
-                            <p:stCondLst>
-                              <p:cond delay="0"/>
-                            </p:stCondLst>
-                            <p:childTnLst>
-                              <p:par>
-                                <p:cTn id="20" presetID="10" presetClass="entr" presetSubtype="0" fill="hold" grpId="0" nodeType="clickEffect">
-                                  <p:stCondLst>
-                                    <p:cond delay="0"/>
-                                  </p:stCondLst>
-                                  <p:childTnLst>
-                                    <p:set>
-                                      <p:cBhvr>
-                                        <p:cTn id="21" dur="1" fill="hold">
-                                          <p:stCondLst>
-                                            <p:cond delay="0"/>
-                                          </p:stCondLst>
-                                        </p:cTn>
-                                        <p:tgtEl>
-                                          <p:spTgt spid="3">
-                                            <p:txEl>
-                                              <p:pRg st="3" end="3"/>
-                                            </p:txEl>
-                                          </p:spTgt>
-                                        </p:tgtEl>
-                                        <p:attrNameLst>
-                                          <p:attrName>style.visibility</p:attrName>
-                                        </p:attrNameLst>
-                                      </p:cBhvr>
-                                      <p:to>
-                                        <p:strVal val="visible"/>
-                                      </p:to>
-                                    </p:set>
-                                    <p:animEffect transition="in" filter="fade">
-                                      <p:cBhvr>
-                                        <p:cTn id="22" dur="500"/>
-                                        <p:tgtEl>
-                                          <p:spTgt spid="3">
-                                            <p:txEl>
-                                              <p:pRg st="3" end="3"/>
-                                            </p:txEl>
-                                          </p:spTgt>
-                                        </p:tgtEl>
-                                      </p:cBhvr>
-                                    </p:animEffect>
-                                  </p:childTnLst>
-                                </p:cTn>
-                              </p:par>
-                            </p:childTnLst>
-                          </p:cTn>
-                        </p:par>
-                      </p:childTnLst>
-                    </p:cTn>
-                  </p:par>
-                </p:childTnLst>
-              </p:cTn>
-              <p:prevCondLst>
-                <p:cond evt="onPrev" delay="0">
-                  <p:tgtEl>
-                    <p:sldTgt/>
-                  </p:tgtEl>
-                </p:cond>
-              </p:prevCondLst>
-              <p:nextCondLst>
-                <p:cond evt="onNext" delay="0">
-                  <p:tgtEl>
-                    <p:sldTgt/>
-                  </p:tgtEl>
-                </p:cond>
-              </p:nextCondLst>
-            </p:seq>
-          </p:childTnLst>
-        </p:cTn>
-      </p:par>
-    </p:tnLst>
-    <p:bldLst>
-      <p:bldP spid="3" grpId="0" build="p"/>
-    </p:bldLst>
-  </p:timing>
-</p:sld>
-</file>
-
-<file path=ppt/slides/slide34.xml><?xml version="1.0" encoding="utf-8"?>
-<p:sld xmlns:a="http://schemas.openxmlformats.org/drawingml/2006/main" xmlns:r="http://schemas.openxmlformats.org/officeDocument/2006/relationships" xmlns:p="http://schemas.openxmlformats.org/presentationml/2006/main">
-  <p:cSld>
-    <p:spTree>
-      <p:nvGrpSpPr>
-        <p:cNvPr id="1" name=""/>
-        <p:cNvGrpSpPr/>
-        <p:nvPr/>
-      </p:nvGrpSpPr>
-      <p:grpSpPr/>
-      <p:sp>
-        <p:nvSpPr>
-          <p:cNvPr id="2" name="Title 1"/>
-          <p:cNvSpPr>
-            <a:spLocks noGrp="1"/>
-          </p:cNvSpPr>
-          <p:nvPr>
-            <p:ph type="title"/>
-          </p:nvPr>
-        </p:nvSpPr>
-        <p:spPr>
-          <a:xfrm>
-            <a:off x="199179" y="312420"/>
-            <a:ext cx="8596668" cy="1320800"/>
-          </a:xfrm>
-        </p:spPr>
-        <p:txBody>
-          <a:bodyPr>
-            <a:normAutofit fontScale="90000"/>
-          </a:bodyPr>
-          <a:p>
-            <a:r>
-              <a:rPr lang="en-US"/>
-              <a:t>Entry Block Layer: How the Entry Block Layer Organizes Hashes and Data</a:t>
-            </a:r>
-            <a:r>
-              <a:rPr lang="x-none" altLang="en-US"/>
-              <a:t>?</a:t>
-            </a:r>
-            <a:endParaRPr lang="x-none" altLang="en-US"/>
-          </a:p>
-        </p:txBody>
-      </p:sp>
-      <p:sp>
-        <p:nvSpPr>
-          <p:cNvPr id="3" name="Content Placeholder 2"/>
-          <p:cNvSpPr>
-            <a:spLocks noGrp="1"/>
-          </p:cNvSpPr>
-          <p:nvPr>
-            <p:ph idx="1"/>
-          </p:nvPr>
-        </p:nvSpPr>
-        <p:spPr>
-          <a:xfrm>
-            <a:off x="518795" y="2025015"/>
-            <a:ext cx="9008110" cy="3796030"/>
-          </a:xfrm>
-        </p:spPr>
-        <p:txBody>
-          <a:bodyPr>
-            <a:normAutofit lnSpcReduction="10000"/>
-          </a:bodyPr>
-          <a:p>
-            <a:r>
-              <a:rPr lang="en-US" sz="2300"/>
-              <a:t>Entry Blocks là cấp thứ hai của </a:t>
-            </a:r>
-            <a:r>
-              <a:rPr lang="x-none" altLang="en-US" sz="2300"/>
-              <a:t>kiến trúc</a:t>
-            </a:r>
-            <a:r>
-              <a:rPr lang="en-US" sz="2300"/>
-              <a:t> phân cấp trong hệ thống. Các ứng dụng cá nhân sẽ chú ý đến các ChainID</a:t>
-            </a:r>
-            <a:r>
-              <a:rPr lang="x-none" altLang="en-US" sz="2300"/>
-              <a:t>s </a:t>
-            </a:r>
-            <a:r>
-              <a:rPr lang="en-US" sz="2300"/>
-              <a:t>khác nhau. </a:t>
-            </a:r>
-            <a:r>
-              <a:rPr lang="x-none" altLang="en-US" sz="2300"/>
-              <a:t>EBs</a:t>
-            </a:r>
-            <a:r>
-              <a:rPr lang="en-US" sz="2300"/>
-              <a:t> là nơi ứng dụng tìm kiếm Entries từ </a:t>
-            </a:r>
-            <a:r>
-              <a:rPr lang="x-none" altLang="en-US" sz="2300"/>
-              <a:t>1</a:t>
-            </a:r>
-            <a:r>
-              <a:rPr lang="en-US" sz="2300"/>
-              <a:t> ChainID</a:t>
-            </a:r>
-            <a:r>
-              <a:rPr lang="x-none" altLang="en-US" sz="2300"/>
-              <a:t>.</a:t>
-            </a:r>
-            <a:endParaRPr lang="x-none" altLang="en-US" sz="2300"/>
-          </a:p>
-          <a:p>
-            <a:r>
-              <a:rPr lang="en-US" sz="2300"/>
-              <a:t>Có </a:t>
-            </a:r>
-            <a:r>
-              <a:rPr lang="x-none" altLang="en-US" sz="2300"/>
-              <a:t>1 </a:t>
-            </a:r>
-            <a:r>
-              <a:rPr lang="en-US" sz="2300"/>
-              <a:t>E</a:t>
-            </a:r>
-            <a:r>
-              <a:rPr lang="x-none" altLang="en-US" sz="2300"/>
-              <a:t>B</a:t>
-            </a:r>
-            <a:r>
-              <a:rPr lang="en-US" sz="2300"/>
-              <a:t> cho mỗi ChainID </a:t>
-            </a:r>
-            <a:r>
-              <a:rPr lang="x-none" altLang="en-US" sz="2300"/>
-              <a:t>được </a:t>
-            </a:r>
-            <a:r>
-              <a:rPr lang="en-US" sz="2300"/>
-              <a:t>cập nhật cho mỗi D</a:t>
-            </a:r>
-            <a:r>
-              <a:rPr lang="x-none" altLang="en-US" sz="2300"/>
-              <a:t>B</a:t>
-            </a:r>
-            <a:r>
-              <a:rPr lang="en-US" sz="2300"/>
-              <a:t>. Các </a:t>
-            </a:r>
-            <a:r>
-              <a:rPr lang="x-none" altLang="en-US" sz="2300"/>
-              <a:t>EBs</a:t>
-            </a:r>
-            <a:r>
-              <a:rPr lang="en-US" sz="2300"/>
-              <a:t> chứa các </a:t>
-            </a:r>
-            <a:r>
-              <a:rPr lang="x-none" altLang="en-US" sz="2300"/>
-              <a:t>giá trị hash</a:t>
-            </a:r>
-            <a:r>
-              <a:rPr lang="en-US" sz="2300"/>
-              <a:t> của các </a:t>
-            </a:r>
-            <a:r>
-              <a:rPr lang="x-none" altLang="en-US" sz="2300"/>
-              <a:t>Entries </a:t>
-            </a:r>
-            <a:r>
-              <a:rPr lang="en-US" sz="2300"/>
-              <a:t>riêng lẻ. Các </a:t>
-            </a:r>
-            <a:r>
-              <a:rPr lang="x-none" altLang="en-US" sz="2300"/>
-              <a:t>trị </a:t>
-            </a:r>
-            <a:r>
-              <a:rPr lang="en-US" sz="2300"/>
-              <a:t>hash của Entries đều chứng minh sự tồn tại của dữ liệu và đưa ra một khóa để tìm các Entries trong </a:t>
-            </a:r>
-            <a:r>
-              <a:rPr lang="x-none" altLang="en-US" sz="2300"/>
-              <a:t>mạng </a:t>
-            </a:r>
-            <a:r>
-              <a:rPr lang="en-US" sz="2300"/>
-              <a:t>Distributed Hash Table (DHT).</a:t>
-            </a:r>
-            <a:endParaRPr lang="en-US" sz="2300"/>
-          </a:p>
-          <a:p>
-            <a:endParaRPr lang="en-US" sz="2300"/>
-          </a:p>
-        </p:txBody>
-      </p:sp>
-      <p:sp>
-        <p:nvSpPr>
-          <p:cNvPr id="4" name="Slide Number Placeholder 3"/>
-          <p:cNvSpPr>
-            <a:spLocks noGrp="1"/>
-          </p:cNvSpPr>
-          <p:nvPr>
-            <p:ph type="sldNum" sz="quarter" idx="12"/>
-          </p:nvPr>
-        </p:nvSpPr>
-        <p:spPr/>
-        <p:txBody>
-          <a:bodyPr/>
-          <a:p>
-            <a:fld id="{D57F1E4F-1CFF-5643-939E-217C01CDF565}" type="slidenum">
-              <a:rPr lang="en-US" dirty="0"/>
-            </a:fld>
-            <a:endParaRPr lang="en-US" dirty="0"/>
-          </a:p>
-        </p:txBody>
-      </p:sp>
-    </p:spTree>
-  </p:cSld>
-  <p:clrMapOvr>
-    <a:masterClrMapping/>
-  </p:clrMapOvr>
-  <p:transition>
-    <p:fade thruBlk="1"/>
-  </p:transition>
-  <p:timing>
-    <p:tnLst>
-      <p:par>
-        <p:cTn id="1" dur="indefinite" restart="never" nodeType="tmRoot">
-          <p:childTnLst>
-            <p:seq concurrent="1" nextAc="seek">
-              <p:cTn id="2" dur="indefinite" nodeType="mainSeq">
-                <p:childTnLst>
-                  <p:par>
-                    <p:cTn id="3" fill="hold">
-                      <p:stCondLst>
-                        <p:cond delay="indefinite"/>
-                      </p:stCondLst>
-                      <p:childTnLst>
-                        <p:par>
-                          <p:cTn id="4" fill="hold">
-                            <p:stCondLst>
-                              <p:cond delay="0"/>
-                            </p:stCondLst>
-                            <p:childTnLst>
-                              <p:par>
-                                <p:cTn id="5" presetID="10" presetClass="entr" presetSubtype="0" fill="hold" grpId="0" nodeType="clickEffect">
-                                  <p:stCondLst>
-                                    <p:cond delay="0"/>
-                                  </p:stCondLst>
-                                  <p:childTnLst>
-                                    <p:set>
-                                      <p:cBhvr>
-                                        <p:cTn id="6" dur="1" fill="hold">
-                                          <p:stCondLst>
-                                            <p:cond delay="0"/>
-                                          </p:stCondLst>
-                                        </p:cTn>
-                                        <p:tgtEl>
-                                          <p:spTgt spid="3">
-                                            <p:txEl>
-                                              <p:pRg st="0" end="0"/>
-                                            </p:txEl>
-                                          </p:spTgt>
-                                        </p:tgtEl>
-                                        <p:attrNameLst>
-                                          <p:attrName>style.visibility</p:attrName>
-                                        </p:attrNameLst>
-                                      </p:cBhvr>
-                                      <p:to>
-                                        <p:strVal val="visible"/>
-                                      </p:to>
-                                    </p:set>
-                                    <p:animEffect transition="in" filter="fade">
-                                      <p:cBhvr>
-                                        <p:cTn id="7" dur="500"/>
-                                        <p:tgtEl>
-                                          <p:spTgt spid="3">
-                                            <p:txEl>
-                                              <p:pRg st="0" end="0"/>
-                                            </p:txEl>
-                                          </p:spTgt>
-                                        </p:tgtEl>
-                                      </p:cBhvr>
-                                    </p:animEffect>
-                                  </p:childTnLst>
-                                </p:cTn>
-                              </p:par>
-                            </p:childTnLst>
-                          </p:cTn>
-                        </p:par>
-                      </p:childTnLst>
-                    </p:cTn>
-                  </p:par>
-                  <p:par>
-                    <p:cTn id="8" fill="hold">
-                      <p:stCondLst>
-                        <p:cond delay="indefinite"/>
-                      </p:stCondLst>
-                      <p:childTnLst>
-                        <p:par>
-                          <p:cTn id="9" fill="hold">
-                            <p:stCondLst>
-                              <p:cond delay="0"/>
-                            </p:stCondLst>
-                            <p:childTnLst>
-                              <p:par>
-                                <p:cTn id="10" presetID="10" presetClass="entr" presetSubtype="0" fill="hold" grpId="0" nodeType="clickEffect">
-                                  <p:stCondLst>
-                                    <p:cond delay="0"/>
-                                  </p:stCondLst>
-                                  <p:childTnLst>
-                                    <p:set>
-                                      <p:cBhvr>
-                                        <p:cTn id="11" dur="1" fill="hold">
-                                          <p:stCondLst>
-                                            <p:cond delay="0"/>
-                                          </p:stCondLst>
-                                        </p:cTn>
-                                        <p:tgtEl>
-                                          <p:spTgt spid="3">
-                                            <p:txEl>
-                                              <p:pRg st="1" end="1"/>
-                                            </p:txEl>
-                                          </p:spTgt>
-                                        </p:tgtEl>
-                                        <p:attrNameLst>
-                                          <p:attrName>style.visibility</p:attrName>
-                                        </p:attrNameLst>
-                                      </p:cBhvr>
-                                      <p:to>
-                                        <p:strVal val="visible"/>
-                                      </p:to>
-                                    </p:set>
-                                    <p:animEffect transition="in" filter="fade">
-                                      <p:cBhvr>
-                                        <p:cTn id="12" dur="500"/>
-                                        <p:tgtEl>
-                                          <p:spTgt spid="3">
-                                            <p:txEl>
-                                              <p:pRg st="1" end="1"/>
-                                            </p:txEl>
-                                          </p:spTgt>
-                                        </p:tgtEl>
-                                      </p:cBhvr>
-                                    </p:animEffect>
-                                  </p:childTnLst>
-                                </p:cTn>
-                              </p:par>
-                            </p:childTnLst>
-                          </p:cTn>
-                        </p:par>
-                      </p:childTnLst>
-                    </p:cTn>
-                  </p:par>
-                </p:childTnLst>
-              </p:cTn>
-              <p:prevCondLst>
-                <p:cond evt="onPrev" delay="0">
-                  <p:tgtEl>
-                    <p:sldTgt/>
-                  </p:tgtEl>
-                </p:cond>
-              </p:prevCondLst>
-              <p:nextCondLst>
-                <p:cond evt="onNext" delay="0">
-                  <p:tgtEl>
-                    <p:sldTgt/>
-                  </p:tgtEl>
-                </p:cond>
-              </p:nextCondLst>
-            </p:seq>
-          </p:childTnLst>
-        </p:cTn>
-      </p:par>
-    </p:tnLst>
-    <p:bldLst>
-      <p:bldP spid="3" grpId="0" build="p"/>
-    </p:bldLst>
-  </p:timing>
-</p:sld>
-</file>
-
-<file path=ppt/slides/slide35.xml><?xml version="1.0" encoding="utf-8"?>
-<p:sld xmlns:a="http://schemas.openxmlformats.org/drawingml/2006/main" xmlns:r="http://schemas.openxmlformats.org/officeDocument/2006/relationships" xmlns:p="http://schemas.openxmlformats.org/presentationml/2006/main">
-  <p:cSld>
-    <p:spTree>
-      <p:nvGrpSpPr>
-        <p:cNvPr id="1" name=""/>
-        <p:cNvGrpSpPr/>
-        <p:nvPr/>
-      </p:nvGrpSpPr>
-      <p:grpSpPr/>
-      <p:sp>
-        <p:nvSpPr>
-          <p:cNvPr id="4" name="Slide Number Placeholder 3"/>
-          <p:cNvSpPr>
-            <a:spLocks noGrp="1"/>
-          </p:cNvSpPr>
-          <p:nvPr>
-            <p:ph type="sldNum" sz="quarter" idx="12"/>
-          </p:nvPr>
-        </p:nvSpPr>
-        <p:spPr/>
-        <p:txBody>
-          <a:bodyPr/>
-          <a:p>
-            <a:fld id="{D57F1E4F-1CFF-5643-939E-217C01CDF565}" type="slidenum">
-              <a:rPr lang="en-US" dirty="0"/>
-            </a:fld>
-            <a:endParaRPr lang="en-US" dirty="0"/>
-          </a:p>
-        </p:txBody>
-      </p:sp>
-      <p:pic>
-        <p:nvPicPr>
-          <p:cNvPr id="5" name="Picture 4" descr="Whitepaper---Hashes-and-Data-are-Written-to-Entry-Blocks"/>
-          <p:cNvPicPr>
-            <a:picLocks noChangeAspect="1"/>
-          </p:cNvPicPr>
-          <p:nvPr/>
-        </p:nvPicPr>
-        <p:blipFill>
-          <a:blip r:embed="rId1"/>
-          <a:stretch>
-            <a:fillRect/>
-          </a:stretch>
-        </p:blipFill>
-        <p:spPr>
-          <a:xfrm>
-            <a:off x="494030" y="312420"/>
-            <a:ext cx="9375775" cy="6342380"/>
-          </a:xfrm>
-          <a:prstGeom prst="rect">
-            <a:avLst/>
-          </a:prstGeom>
-        </p:spPr>
-      </p:pic>
-    </p:spTree>
-  </p:cSld>
-  <p:clrMapOvr>
-    <a:masterClrMapping/>
-  </p:clrMapOvr>
-  <p:transition>
-    <p:fade thruBlk="1"/>
-  </p:transition>
-</p:sld>
-</file>
-
-<file path=ppt/slides/slide36.xml><?xml version="1.0" encoding="utf-8"?>
-<p:sld xmlns:a="http://schemas.openxmlformats.org/drawingml/2006/main" xmlns:r="http://schemas.openxmlformats.org/officeDocument/2006/relationships" xmlns:p="http://schemas.openxmlformats.org/presentationml/2006/main">
-  <p:cSld>
-    <p:spTree>
-      <p:nvGrpSpPr>
-        <p:cNvPr id="1" name=""/>
-        <p:cNvGrpSpPr/>
-        <p:nvPr/>
-      </p:nvGrpSpPr>
-      <p:grpSpPr/>
-      <p:sp>
-        <p:nvSpPr>
-          <p:cNvPr id="2" name="Title 1"/>
-          <p:cNvSpPr>
-            <a:spLocks noGrp="1"/>
-          </p:cNvSpPr>
-          <p:nvPr>
-            <p:ph type="title"/>
-          </p:nvPr>
-        </p:nvSpPr>
-        <p:spPr>
-          <a:xfrm>
-            <a:off x="330624" y="213360"/>
-            <a:ext cx="8596668" cy="1320800"/>
-          </a:xfrm>
-        </p:spPr>
-        <p:txBody>
-          <a:bodyPr/>
-          <a:p>
-            <a:r>
-              <a:rPr lang="en-US"/>
-              <a:t>Entries: How Entries are Created</a:t>
-            </a:r>
-            <a:endParaRPr lang="en-US"/>
-          </a:p>
-        </p:txBody>
-      </p:sp>
-      <p:sp>
-        <p:nvSpPr>
-          <p:cNvPr id="3" name="Content Placeholder 2"/>
-          <p:cNvSpPr>
-            <a:spLocks noGrp="1"/>
-          </p:cNvSpPr>
-          <p:nvPr>
-            <p:ph idx="1"/>
-          </p:nvPr>
-        </p:nvSpPr>
-        <p:spPr>
-          <a:xfrm>
-            <a:off x="75565" y="1000125"/>
-            <a:ext cx="10452735" cy="5555615"/>
-          </a:xfrm>
-        </p:spPr>
-        <p:txBody>
-          <a:bodyPr>
-            <a:normAutofit/>
-          </a:bodyPr>
-          <a:p>
-            <a:r>
-              <a:rPr lang="x-none" altLang="en-US" sz="2300"/>
-              <a:t>Entries được xây dựng bởi người dùng và được submit lên Factom. </a:t>
-            </a:r>
-            <a:endParaRPr lang="x-none" altLang="en-US" sz="2300"/>
-          </a:p>
-          <a:p>
-            <a:r>
-              <a:rPr lang="x-none" altLang="en-US" sz="2300"/>
-              <a:t>Bằng những thông tin được hash hoặc mã hóa, người dùng có thể đảm bảo tính privacy của các entries. Các Entries này có thể là plain text nếu việc mã hóa dữ liệu là không cần thiết. </a:t>
-            </a:r>
-            <a:endParaRPr lang="x-none" altLang="en-US" sz="2300"/>
-          </a:p>
-          <a:p>
-            <a:r>
-              <a:rPr lang="x-none" altLang="en-US" sz="2300"/>
-              <a:t>Bằng việc ghi nhận 1 giá trị hash của 1 tài liệu, Factom có thể cung cấp proof of publication.</a:t>
-            </a:r>
-            <a:endParaRPr lang="x-none" altLang="en-US" sz="2300"/>
-          </a:p>
-          <a:p>
-            <a:r>
-              <a:rPr lang="x-none" altLang="en-US" sz="2300">
-                <a:sym typeface="+mn-ea"/>
-              </a:rPr>
-              <a:t>Dữ liệu cho phép linh động. Có thể nhỏ như Hyperlink. Có thể lớn hơn nhưng không thể quá lớn vì chi phí giới hạn kích thước dữ liệu. Điều này là tương tự như Bitcoin. Các transactions lớn hơn 100 kB+ Bitcoin là có thể nhưng yêu cầu chi trả cho khoảng phí tương ứng. Trong Bitcoin chi phí này sẽ là khổng lồ, bởi vì mỗi full node yêu cầu tất cả blockchain cho việc validate. Trong Factom, chỉ các DBs có level cao nhất yêu cầu full validate 1 chain, do đó chi phí nhỏ hơn.</a:t>
-            </a:r>
-            <a:endParaRPr lang="x-none" altLang="en-US" sz="2300"/>
-          </a:p>
-          <a:p>
-            <a:endParaRPr lang="x-none" altLang="en-US" sz="2300"/>
-          </a:p>
-          <a:p>
-            <a:endParaRPr lang="x-none" altLang="en-US" sz="2300"/>
-          </a:p>
-        </p:txBody>
-      </p:sp>
-      <p:sp>
-        <p:nvSpPr>
-          <p:cNvPr id="4" name="Slide Number Placeholder 3"/>
-          <p:cNvSpPr>
-            <a:spLocks noGrp="1"/>
-          </p:cNvSpPr>
-          <p:nvPr>
-            <p:ph type="sldNum" sz="quarter" idx="12"/>
-          </p:nvPr>
-        </p:nvSpPr>
-        <p:spPr/>
-        <p:txBody>
-          <a:bodyPr/>
-          <a:p>
-            <a:fld id="{D57F1E4F-1CFF-5643-939E-217C01CDF565}" type="slidenum">
-              <a:rPr lang="en-US" dirty="0"/>
-            </a:fld>
-            <a:endParaRPr lang="en-US" dirty="0"/>
-          </a:p>
-        </p:txBody>
-      </p:sp>
-    </p:spTree>
-  </p:cSld>
-  <p:clrMapOvr>
-    <a:masterClrMapping/>
-  </p:clrMapOvr>
-  <p:transition>
-    <p:fade thruBlk="1"/>
-  </p:transition>
-  <p:timing>
-    <p:tnLst>
-      <p:par>
-        <p:cTn id="1" dur="indefinite" restart="never" nodeType="tmRoot">
-          <p:childTnLst>
-            <p:seq concurrent="1" nextAc="seek">
-              <p:cTn id="2" dur="indefinite" nodeType="mainSeq">
-                <p:childTnLst>
-                  <p:par>
-                    <p:cTn id="3" fill="hold">
-                      <p:stCondLst>
-                        <p:cond delay="indefinite"/>
-                      </p:stCondLst>
-                      <p:childTnLst>
-                        <p:par>
-                          <p:cTn id="4" fill="hold">
-                            <p:stCondLst>
-                              <p:cond delay="0"/>
-                            </p:stCondLst>
-                            <p:childTnLst>
-                              <p:par>
-                                <p:cTn id="5" presetID="10" presetClass="entr" presetSubtype="0" fill="hold" grpId="0" nodeType="clickEffect">
-                                  <p:stCondLst>
-                                    <p:cond delay="0"/>
-                                  </p:stCondLst>
-                                  <p:childTnLst>
-                                    <p:set>
-                                      <p:cBhvr>
-                                        <p:cTn id="6" dur="1" fill="hold">
-                                          <p:stCondLst>
-                                            <p:cond delay="0"/>
-                                          </p:stCondLst>
-                                        </p:cTn>
-                                        <p:tgtEl>
-                                          <p:spTgt spid="3">
-                                            <p:txEl>
-                                              <p:pRg st="0" end="0"/>
-                                            </p:txEl>
-                                          </p:spTgt>
-                                        </p:tgtEl>
-                                        <p:attrNameLst>
-                                          <p:attrName>style.visibility</p:attrName>
-                                        </p:attrNameLst>
-                                      </p:cBhvr>
-                                      <p:to>
-                                        <p:strVal val="visible"/>
-                                      </p:to>
-                                    </p:set>
-                                    <p:animEffect transition="in" filter="fade">
-                                      <p:cBhvr>
-                                        <p:cTn id="7" dur="500"/>
-                                        <p:tgtEl>
-                                          <p:spTgt spid="3">
-                                            <p:txEl>
-                                              <p:pRg st="0" end="0"/>
-                                            </p:txEl>
-                                          </p:spTgt>
-                                        </p:tgtEl>
-                                      </p:cBhvr>
-                                    </p:animEffect>
-                                  </p:childTnLst>
-                                </p:cTn>
-                              </p:par>
-                            </p:childTnLst>
-                          </p:cTn>
-                        </p:par>
-                      </p:childTnLst>
-                    </p:cTn>
-                  </p:par>
-                  <p:par>
-                    <p:cTn id="8" fill="hold">
-                      <p:stCondLst>
-                        <p:cond delay="indefinite"/>
-                      </p:stCondLst>
-                      <p:childTnLst>
-                        <p:par>
-                          <p:cTn id="9" fill="hold">
-                            <p:stCondLst>
-                              <p:cond delay="0"/>
-                            </p:stCondLst>
-                            <p:childTnLst>
-                              <p:par>
-                                <p:cTn id="10" presetID="10" presetClass="entr" presetSubtype="0" fill="hold" grpId="0" nodeType="clickEffect">
-                                  <p:stCondLst>
-                                    <p:cond delay="0"/>
-                                  </p:stCondLst>
-                                  <p:childTnLst>
-                                    <p:set>
-                                      <p:cBhvr>
-                                        <p:cTn id="11" dur="1" fill="hold">
-                                          <p:stCondLst>
-                                            <p:cond delay="0"/>
-                                          </p:stCondLst>
-                                        </p:cTn>
-                                        <p:tgtEl>
-                                          <p:spTgt spid="3">
-                                            <p:txEl>
-                                              <p:pRg st="1" end="1"/>
-                                            </p:txEl>
-                                          </p:spTgt>
-                                        </p:tgtEl>
-                                        <p:attrNameLst>
-                                          <p:attrName>style.visibility</p:attrName>
-                                        </p:attrNameLst>
-                                      </p:cBhvr>
-                                      <p:to>
-                                        <p:strVal val="visible"/>
-                                      </p:to>
-                                    </p:set>
-                                    <p:animEffect transition="in" filter="fade">
-                                      <p:cBhvr>
-                                        <p:cTn id="12" dur="500"/>
-                                        <p:tgtEl>
-                                          <p:spTgt spid="3">
-                                            <p:txEl>
-                                              <p:pRg st="1" end="1"/>
-                                            </p:txEl>
-                                          </p:spTgt>
-                                        </p:tgtEl>
-                                      </p:cBhvr>
-                                    </p:animEffect>
-                                  </p:childTnLst>
-                                </p:cTn>
-                              </p:par>
-                            </p:childTnLst>
-                          </p:cTn>
-                        </p:par>
-                      </p:childTnLst>
-                    </p:cTn>
-                  </p:par>
-                  <p:par>
-                    <p:cTn id="13" fill="hold">
-                      <p:stCondLst>
-                        <p:cond delay="indefinite"/>
-                      </p:stCondLst>
-                      <p:childTnLst>
-                        <p:par>
-                          <p:cTn id="14" fill="hold">
-                            <p:stCondLst>
-                              <p:cond delay="0"/>
-                            </p:stCondLst>
-                            <p:childTnLst>
-                              <p:par>
-                                <p:cTn id="15" presetID="10" presetClass="entr" presetSubtype="0" fill="hold" grpId="0" nodeType="clickEffect">
-                                  <p:stCondLst>
-                                    <p:cond delay="0"/>
-                                  </p:stCondLst>
-                                  <p:childTnLst>
-                                    <p:set>
-                                      <p:cBhvr>
-                                        <p:cTn id="16" dur="1" fill="hold">
-                                          <p:stCondLst>
-                                            <p:cond delay="0"/>
-                                          </p:stCondLst>
-                                        </p:cTn>
-                                        <p:tgtEl>
-                                          <p:spTgt spid="3">
-                                            <p:txEl>
-                                              <p:pRg st="2" end="2"/>
-                                            </p:txEl>
-                                          </p:spTgt>
-                                        </p:tgtEl>
-                                        <p:attrNameLst>
-                                          <p:attrName>style.visibility</p:attrName>
-                                        </p:attrNameLst>
-                                      </p:cBhvr>
-                                      <p:to>
-                                        <p:strVal val="visible"/>
-                                      </p:to>
-                                    </p:set>
-                                    <p:animEffect transition="in" filter="fade">
-                                      <p:cBhvr>
-                                        <p:cTn id="17" dur="500"/>
-                                        <p:tgtEl>
-                                          <p:spTgt spid="3">
-                                            <p:txEl>
-                                              <p:pRg st="2" end="2"/>
-                                            </p:txEl>
-                                          </p:spTgt>
-                                        </p:tgtEl>
-                                      </p:cBhvr>
-                                    </p:animEffect>
-                                  </p:childTnLst>
-                                </p:cTn>
-                              </p:par>
-                            </p:childTnLst>
-                          </p:cTn>
-                        </p:par>
-                      </p:childTnLst>
-                    </p:cTn>
-                  </p:par>
-                  <p:par>
-                    <p:cTn id="18" fill="hold">
-                      <p:stCondLst>
-                        <p:cond delay="indefinite"/>
-                      </p:stCondLst>
-                      <p:childTnLst>
-                        <p:par>
-                          <p:cTn id="19" fill="hold">
-                            <p:stCondLst>
-                              <p:cond delay="0"/>
-                            </p:stCondLst>
-                            <p:childTnLst>
-                              <p:par>
-                                <p:cTn id="20" presetID="10" presetClass="entr" presetSubtype="0" fill="hold" grpId="0" nodeType="clickEffect">
-                                  <p:stCondLst>
-                                    <p:cond delay="0"/>
-                                  </p:stCondLst>
-                                  <p:childTnLst>
-                                    <p:set>
-                                      <p:cBhvr>
-                                        <p:cTn id="21" dur="1" fill="hold">
-                                          <p:stCondLst>
-                                            <p:cond delay="0"/>
-                                          </p:stCondLst>
-                                        </p:cTn>
-                                        <p:tgtEl>
-                                          <p:spTgt spid="3">
-                                            <p:txEl>
-                                              <p:pRg st="3" end="3"/>
-                                            </p:txEl>
-                                          </p:spTgt>
-                                        </p:tgtEl>
-                                        <p:attrNameLst>
-                                          <p:attrName>style.visibility</p:attrName>
-                                        </p:attrNameLst>
-                                      </p:cBhvr>
-                                      <p:to>
-                                        <p:strVal val="visible"/>
-                                      </p:to>
-                                    </p:set>
-                                    <p:animEffect transition="in" filter="fade">
-                                      <p:cBhvr>
-                                        <p:cTn id="22" dur="500"/>
-                                        <p:tgtEl>
-                                          <p:spTgt spid="3">
-                                            <p:txEl>
-                                              <p:pRg st="3" end="3"/>
-                                            </p:txEl>
-                                          </p:spTgt>
-                                        </p:tgtEl>
-                                      </p:cBhvr>
-                                    </p:animEffect>
-                                  </p:childTnLst>
-                                </p:cTn>
-                              </p:par>
-                            </p:childTnLst>
-                          </p:cTn>
-                        </p:par>
-                      </p:childTnLst>
-                    </p:cTn>
-                  </p:par>
-                </p:childTnLst>
-              </p:cTn>
-              <p:prevCondLst>
-                <p:cond evt="onPrev" delay="0">
-                  <p:tgtEl>
-                    <p:sldTgt/>
-                  </p:tgtEl>
-                </p:cond>
-              </p:prevCondLst>
-              <p:nextCondLst>
-                <p:cond evt="onNext" delay="0">
-                  <p:tgtEl>
-                    <p:sldTgt/>
-                  </p:tgtEl>
-                </p:cond>
-              </p:nextCondLst>
-            </p:seq>
-          </p:childTnLst>
-        </p:cTn>
-      </p:par>
-    </p:tnLst>
-    <p:bldLst>
-      <p:bldP spid="3" grpId="0" build="p"/>
-    </p:bldLst>
-  </p:timing>
-</p:sld>
-</file>
-
-<file path=ppt/slides/slide37.xml><?xml version="1.0" encoding="utf-8"?>
-<p:sld xmlns:a="http://schemas.openxmlformats.org/drawingml/2006/main" xmlns:r="http://schemas.openxmlformats.org/officeDocument/2006/relationships" xmlns:p="http://schemas.openxmlformats.org/presentationml/2006/main">
-  <p:cSld>
-    <p:spTree>
-      <p:nvGrpSpPr>
-        <p:cNvPr id="1" name=""/>
-        <p:cNvGrpSpPr/>
-        <p:nvPr/>
-      </p:nvGrpSpPr>
-      <p:grpSpPr/>
-      <p:sp>
-        <p:nvSpPr>
-          <p:cNvPr id="2" name="Title 1"/>
-          <p:cNvSpPr>
-            <a:spLocks noGrp="1"/>
-          </p:cNvSpPr>
-          <p:nvPr>
-            <p:ph type="title"/>
-          </p:nvPr>
-        </p:nvSpPr>
-        <p:spPr>
-          <a:xfrm>
-            <a:off x="266065" y="296545"/>
-            <a:ext cx="8279130" cy="1320800"/>
-          </a:xfrm>
-        </p:spPr>
-        <p:txBody>
-          <a:bodyPr/>
-          <a:p>
-            <a:r>
-              <a:rPr lang="en-US"/>
-              <a:t>Chains: How Entries are Organized into Chains</a:t>
-            </a:r>
-            <a:r>
-              <a:rPr lang="x-none" altLang="en-US"/>
-              <a:t>?</a:t>
-            </a:r>
-            <a:endParaRPr lang="x-none" altLang="en-US"/>
-          </a:p>
-        </p:txBody>
-      </p:sp>
-      <p:sp>
-        <p:nvSpPr>
-          <p:cNvPr id="3" name="Content Placeholder 2"/>
-          <p:cNvSpPr>
-            <a:spLocks noGrp="1"/>
-          </p:cNvSpPr>
-          <p:nvPr>
-            <p:ph idx="1"/>
-          </p:nvPr>
-        </p:nvSpPr>
-        <p:spPr>
-          <a:xfrm>
-            <a:off x="265854" y="2161224"/>
-            <a:ext cx="8596668" cy="3880773"/>
-          </a:xfrm>
-        </p:spPr>
-        <p:txBody>
-          <a:bodyPr/>
-          <a:p>
-            <a:r>
-              <a:rPr lang="x-none" altLang="en-US"/>
-              <a:t>Các Chains trong Factom là các chuỗi Entries cái phản ánh các sự kiện liên quan đến 1 ứng dụng. Những chuỗi này là cốt lõi của Bitcoin 2.0. </a:t>
-            </a:r>
-            <a:endParaRPr lang="x-none" altLang="en-US"/>
-          </a:p>
-          <a:p>
-            <a:r>
-              <a:rPr lang="x-none" altLang="en-US"/>
-              <a:t>Chains là sự diễn giải logic dữ liệu được đặt bên trong DBs và EBs. DBs chỉ ra Chains nào được updated. EBs chỉ ra Entries được updated vào Chain nào.</a:t>
-            </a:r>
-            <a:endParaRPr lang="x-none" altLang="en-US"/>
-          </a:p>
-        </p:txBody>
-      </p:sp>
-      <p:sp>
-        <p:nvSpPr>
-          <p:cNvPr id="4" name="Slide Number Placeholder 3"/>
-          <p:cNvSpPr>
-            <a:spLocks noGrp="1"/>
-          </p:cNvSpPr>
-          <p:nvPr>
-            <p:ph type="sldNum" sz="quarter" idx="12"/>
-          </p:nvPr>
-        </p:nvSpPr>
-        <p:spPr/>
-        <p:txBody>
-          <a:bodyPr/>
-          <a:p>
-            <a:fld id="{D57F1E4F-1CFF-5643-939E-217C01CDF565}" type="slidenum">
-              <a:rPr lang="en-US" dirty="0"/>
-            </a:fld>
-            <a:endParaRPr lang="en-US" dirty="0"/>
-          </a:p>
-        </p:txBody>
-      </p:sp>
-    </p:spTree>
-  </p:cSld>
-  <p:clrMapOvr>
-    <a:masterClrMapping/>
-  </p:clrMapOvr>
-  <p:transition>
-    <p:fade thruBlk="1"/>
-  </p:transition>
-  <p:timing>
-    <p:tnLst>
-      <p:par>
-        <p:cTn id="1" dur="indefinite" restart="never" nodeType="tmRoot">
-          <p:childTnLst>
-            <p:seq concurrent="1" nextAc="seek">
-              <p:cTn id="2" dur="indefinite" nodeType="mainSeq">
-                <p:childTnLst>
-                  <p:par>
-                    <p:cTn id="3" fill="hold">
-                      <p:stCondLst>
-                        <p:cond delay="indefinite"/>
-                      </p:stCondLst>
-                      <p:childTnLst>
-                        <p:par>
-                          <p:cTn id="4" fill="hold">
-                            <p:stCondLst>
-                              <p:cond delay="0"/>
-                            </p:stCondLst>
-                            <p:childTnLst>
-                              <p:par>
-                                <p:cTn id="5" presetID="10" presetClass="entr" presetSubtype="0" fill="hold" grpId="0" nodeType="clickEffect">
-                                  <p:stCondLst>
-                                    <p:cond delay="0"/>
-                                  </p:stCondLst>
-                                  <p:childTnLst>
-                                    <p:set>
-                                      <p:cBhvr>
-                                        <p:cTn id="6" dur="1" fill="hold">
-                                          <p:stCondLst>
-                                            <p:cond delay="0"/>
-                                          </p:stCondLst>
-                                        </p:cTn>
-                                        <p:tgtEl>
-                                          <p:spTgt spid="3">
-                                            <p:txEl>
-                                              <p:pRg st="0" end="0"/>
-                                            </p:txEl>
-                                          </p:spTgt>
-                                        </p:tgtEl>
-                                        <p:attrNameLst>
-                                          <p:attrName>style.visibility</p:attrName>
-                                        </p:attrNameLst>
-                                      </p:cBhvr>
-                                      <p:to>
-                                        <p:strVal val="visible"/>
-                                      </p:to>
-                                    </p:set>
-                                    <p:animEffect transition="in" filter="fade">
-                                      <p:cBhvr>
-                                        <p:cTn id="7" dur="500"/>
-                                        <p:tgtEl>
-                                          <p:spTgt spid="3">
-                                            <p:txEl>
-                                              <p:pRg st="0" end="0"/>
-                                            </p:txEl>
-                                          </p:spTgt>
-                                        </p:tgtEl>
-                                      </p:cBhvr>
-                                    </p:animEffect>
-                                  </p:childTnLst>
-                                </p:cTn>
-                              </p:par>
-                            </p:childTnLst>
-                          </p:cTn>
-                        </p:par>
-                      </p:childTnLst>
-                    </p:cTn>
-                  </p:par>
-                  <p:par>
-                    <p:cTn id="8" fill="hold">
-                      <p:stCondLst>
-                        <p:cond delay="indefinite"/>
-                      </p:stCondLst>
-                      <p:childTnLst>
-                        <p:par>
-                          <p:cTn id="9" fill="hold">
-                            <p:stCondLst>
-                              <p:cond delay="0"/>
-                            </p:stCondLst>
-                            <p:childTnLst>
-                              <p:par>
-                                <p:cTn id="10" presetID="10" presetClass="entr" presetSubtype="0" fill="hold" grpId="0" nodeType="clickEffect">
-                                  <p:stCondLst>
-                                    <p:cond delay="0"/>
-                                  </p:stCondLst>
-                                  <p:childTnLst>
-                                    <p:set>
-                                      <p:cBhvr>
-                                        <p:cTn id="11" dur="1" fill="hold">
-                                          <p:stCondLst>
-                                            <p:cond delay="0"/>
-                                          </p:stCondLst>
-                                        </p:cTn>
-                                        <p:tgtEl>
-                                          <p:spTgt spid="3">
-                                            <p:txEl>
-                                              <p:pRg st="1" end="1"/>
-                                            </p:txEl>
-                                          </p:spTgt>
-                                        </p:tgtEl>
-                                        <p:attrNameLst>
-                                          <p:attrName>style.visibility</p:attrName>
-                                        </p:attrNameLst>
-                                      </p:cBhvr>
-                                      <p:to>
-                                        <p:strVal val="visible"/>
-                                      </p:to>
-                                    </p:set>
-                                    <p:animEffect transition="in" filter="fade">
-                                      <p:cBhvr>
-                                        <p:cTn id="12" dur="500"/>
-                                        <p:tgtEl>
-                                          <p:spTgt spid="3">
-                                            <p:txEl>
-                                              <p:pRg st="1" end="1"/>
-                                            </p:txEl>
-                                          </p:spTgt>
-                                        </p:tgtEl>
-                                      </p:cBhvr>
-                                    </p:animEffect>
-                                  </p:childTnLst>
-                                </p:cTn>
-                              </p:par>
-                            </p:childTnLst>
-                          </p:cTn>
-                        </p:par>
-                      </p:childTnLst>
-                    </p:cTn>
-                  </p:par>
-                </p:childTnLst>
-              </p:cTn>
-              <p:prevCondLst>
-                <p:cond evt="onPrev" delay="0">
-                  <p:tgtEl>
-                    <p:sldTgt/>
-                  </p:tgtEl>
-                </p:cond>
-              </p:prevCondLst>
-              <p:nextCondLst>
-                <p:cond evt="onNext" delay="0">
-                  <p:tgtEl>
-                    <p:sldTgt/>
-                  </p:tgtEl>
-                </p:cond>
-              </p:nextCondLst>
-            </p:seq>
-          </p:childTnLst>
-        </p:cTn>
-      </p:par>
-    </p:tnLst>
-    <p:bldLst>
-      <p:bldP spid="3" grpId="0" build="p"/>
-    </p:bldLst>
-  </p:timing>
-</p:sld>
-</file>
-
-<file path=ppt/slides/slide38.xml><?xml version="1.0" encoding="utf-8"?>
-<p:sld xmlns:a="http://schemas.openxmlformats.org/drawingml/2006/main" xmlns:r="http://schemas.openxmlformats.org/officeDocument/2006/relationships" xmlns:p="http://schemas.openxmlformats.org/presentationml/2006/main">
-  <p:cSld>
-    <p:spTree>
-      <p:nvGrpSpPr>
-        <p:cNvPr id="1" name=""/>
-        <p:cNvGrpSpPr/>
-        <p:nvPr/>
-      </p:nvGrpSpPr>
-      <p:grpSpPr/>
-      <p:sp>
-        <p:nvSpPr>
-          <p:cNvPr id="4" name="Slide Number Placeholder 3"/>
-          <p:cNvSpPr>
-            <a:spLocks noGrp="1"/>
-          </p:cNvSpPr>
-          <p:nvPr>
-            <p:ph type="sldNum" sz="quarter" idx="12"/>
-          </p:nvPr>
-        </p:nvSpPr>
-        <p:spPr/>
-        <p:txBody>
-          <a:bodyPr/>
-          <a:p>
-            <a:fld id="{D57F1E4F-1CFF-5643-939E-217C01CDF565}" type="slidenum">
-              <a:rPr lang="en-US" dirty="0"/>
-            </a:fld>
-            <a:endParaRPr lang="en-US" dirty="0"/>
-          </a:p>
-        </p:txBody>
-      </p:sp>
-      <p:pic>
-        <p:nvPicPr>
-          <p:cNvPr id="5" name="Picture 4" descr="Whitepaper---Factom-Complete-System"/>
-          <p:cNvPicPr>
-            <a:picLocks noChangeAspect="1"/>
-          </p:cNvPicPr>
-          <p:nvPr/>
-        </p:nvPicPr>
-        <p:blipFill>
-          <a:blip r:embed="rId1"/>
-          <a:stretch>
-            <a:fillRect/>
-          </a:stretch>
-        </p:blipFill>
-        <p:spPr>
-          <a:xfrm>
-            <a:off x="456565" y="146685"/>
-            <a:ext cx="8403590" cy="6627495"/>
-          </a:xfrm>
-          <a:prstGeom prst="rect">
-            <a:avLst/>
-          </a:prstGeom>
-        </p:spPr>
-      </p:pic>
-    </p:spTree>
-  </p:cSld>
-  <p:clrMapOvr>
-    <a:masterClrMapping/>
-  </p:clrMapOvr>
-  <p:transition>
-    <p:fade thruBlk="1"/>
-  </p:transition>
 </p:sld>
 </file>
 
